--- a/作图.pptx
+++ b/作图.pptx
@@ -10,6 +10,8 @@
     <p:sldId id="257" r:id="rId4"/>
     <p:sldId id="259" r:id="rId5"/>
     <p:sldId id="260" r:id="rId6"/>
+    <p:sldId id="261" r:id="rId7"/>
+    <p:sldId id="262" r:id="rId8"/>
   </p:sldIdLst>
   <p:sldSz cx="12192000" cy="6858000"/>
   <p:notesSz cx="6858000" cy="9144000"/>
@@ -263,7 +265,7 @@
           <a:p>
             <a:fld id="{F70FE11F-E339-467A-AE6F-4695C6110F5B}" type="datetimeFigureOut">
               <a:rPr lang="zh-CN" altLang="en-US" smtClean="0"/>
-              <a:t>2023/11/19</a:t>
+              <a:t>2023/11/23</a:t>
             </a:fld>
             <a:endParaRPr lang="zh-CN" altLang="en-US"/>
           </a:p>
@@ -461,7 +463,7 @@
           <a:p>
             <a:fld id="{F70FE11F-E339-467A-AE6F-4695C6110F5B}" type="datetimeFigureOut">
               <a:rPr lang="zh-CN" altLang="en-US" smtClean="0"/>
-              <a:t>2023/11/19</a:t>
+              <a:t>2023/11/23</a:t>
             </a:fld>
             <a:endParaRPr lang="zh-CN" altLang="en-US"/>
           </a:p>
@@ -669,7 +671,7 @@
           <a:p>
             <a:fld id="{F70FE11F-E339-467A-AE6F-4695C6110F5B}" type="datetimeFigureOut">
               <a:rPr lang="zh-CN" altLang="en-US" smtClean="0"/>
-              <a:t>2023/11/19</a:t>
+              <a:t>2023/11/23</a:t>
             </a:fld>
             <a:endParaRPr lang="zh-CN" altLang="en-US"/>
           </a:p>
@@ -867,7 +869,7 @@
           <a:p>
             <a:fld id="{F70FE11F-E339-467A-AE6F-4695C6110F5B}" type="datetimeFigureOut">
               <a:rPr lang="zh-CN" altLang="en-US" smtClean="0"/>
-              <a:t>2023/11/19</a:t>
+              <a:t>2023/11/23</a:t>
             </a:fld>
             <a:endParaRPr lang="zh-CN" altLang="en-US"/>
           </a:p>
@@ -1142,7 +1144,7 @@
           <a:p>
             <a:fld id="{F70FE11F-E339-467A-AE6F-4695C6110F5B}" type="datetimeFigureOut">
               <a:rPr lang="zh-CN" altLang="en-US" smtClean="0"/>
-              <a:t>2023/11/19</a:t>
+              <a:t>2023/11/23</a:t>
             </a:fld>
             <a:endParaRPr lang="zh-CN" altLang="en-US"/>
           </a:p>
@@ -1407,7 +1409,7 @@
           <a:p>
             <a:fld id="{F70FE11F-E339-467A-AE6F-4695C6110F5B}" type="datetimeFigureOut">
               <a:rPr lang="zh-CN" altLang="en-US" smtClean="0"/>
-              <a:t>2023/11/19</a:t>
+              <a:t>2023/11/23</a:t>
             </a:fld>
             <a:endParaRPr lang="zh-CN" altLang="en-US"/>
           </a:p>
@@ -1819,7 +1821,7 @@
           <a:p>
             <a:fld id="{F70FE11F-E339-467A-AE6F-4695C6110F5B}" type="datetimeFigureOut">
               <a:rPr lang="zh-CN" altLang="en-US" smtClean="0"/>
-              <a:t>2023/11/19</a:t>
+              <a:t>2023/11/23</a:t>
             </a:fld>
             <a:endParaRPr lang="zh-CN" altLang="en-US"/>
           </a:p>
@@ -1960,7 +1962,7 @@
           <a:p>
             <a:fld id="{F70FE11F-E339-467A-AE6F-4695C6110F5B}" type="datetimeFigureOut">
               <a:rPr lang="zh-CN" altLang="en-US" smtClean="0"/>
-              <a:t>2023/11/19</a:t>
+              <a:t>2023/11/23</a:t>
             </a:fld>
             <a:endParaRPr lang="zh-CN" altLang="en-US"/>
           </a:p>
@@ -2073,7 +2075,7 @@
           <a:p>
             <a:fld id="{F70FE11F-E339-467A-AE6F-4695C6110F5B}" type="datetimeFigureOut">
               <a:rPr lang="zh-CN" altLang="en-US" smtClean="0"/>
-              <a:t>2023/11/19</a:t>
+              <a:t>2023/11/23</a:t>
             </a:fld>
             <a:endParaRPr lang="zh-CN" altLang="en-US"/>
           </a:p>
@@ -2384,7 +2386,7 @@
           <a:p>
             <a:fld id="{F70FE11F-E339-467A-AE6F-4695C6110F5B}" type="datetimeFigureOut">
               <a:rPr lang="zh-CN" altLang="en-US" smtClean="0"/>
-              <a:t>2023/11/19</a:t>
+              <a:t>2023/11/23</a:t>
             </a:fld>
             <a:endParaRPr lang="zh-CN" altLang="en-US"/>
           </a:p>
@@ -2672,7 +2674,7 @@
           <a:p>
             <a:fld id="{F70FE11F-E339-467A-AE6F-4695C6110F5B}" type="datetimeFigureOut">
               <a:rPr lang="zh-CN" altLang="en-US" smtClean="0"/>
-              <a:t>2023/11/19</a:t>
+              <a:t>2023/11/23</a:t>
             </a:fld>
             <a:endParaRPr lang="zh-CN" altLang="en-US"/>
           </a:p>
@@ -2913,7 +2915,7 @@
           <a:p>
             <a:fld id="{F70FE11F-E339-467A-AE6F-4695C6110F5B}" type="datetimeFigureOut">
               <a:rPr lang="zh-CN" altLang="en-US" smtClean="0"/>
-              <a:t>2023/11/19</a:t>
+              <a:t>2023/11/23</a:t>
             </a:fld>
             <a:endParaRPr lang="zh-CN" altLang="en-US"/>
           </a:p>
@@ -27940,8 +27942,8 @@
           </p:style>
         </p:cxnSp>
       </p:grpSp>
-      <mc:AlternateContent xmlns:mc="http://schemas.openxmlformats.org/markup-compatibility/2006">
-        <mc:Choice xmlns:a14="http://schemas.microsoft.com/office/drawing/2010/main" Requires="a14">
+      <mc:AlternateContent xmlns:mc="http://schemas.openxmlformats.org/markup-compatibility/2006" xmlns:a14="http://schemas.microsoft.com/office/drawing/2010/main">
+        <mc:Choice Requires="a14">
           <p:sp>
             <p:nvSpPr>
               <p:cNvPr id="206" name="文本框 205">
@@ -27970,6 +27972,7 @@
               </a:bodyPr>
               <a:lstStyle/>
               <a:p>
+                <a:pPr/>
                 <a14:m>
                   <m:oMathPara xmlns:m="http://schemas.openxmlformats.org/officeDocument/2006/math">
                     <m:oMathParaPr>
@@ -28021,7 +28024,7 @@
             </p:txBody>
           </p:sp>
         </mc:Choice>
-        <mc:Fallback>
+        <mc:Fallback xmlns="">
           <p:sp>
             <p:nvSpPr>
               <p:cNvPr id="206" name="文本框 205">
@@ -28066,8 +28069,8 @@
           </p:sp>
         </mc:Fallback>
       </mc:AlternateContent>
-      <mc:AlternateContent xmlns:mc="http://schemas.openxmlformats.org/markup-compatibility/2006">
-        <mc:Choice xmlns:a14="http://schemas.microsoft.com/office/drawing/2010/main" Requires="a14">
+      <mc:AlternateContent xmlns:mc="http://schemas.openxmlformats.org/markup-compatibility/2006" xmlns:a14="http://schemas.microsoft.com/office/drawing/2010/main">
+        <mc:Choice Requires="a14">
           <p:sp>
             <p:nvSpPr>
               <p:cNvPr id="207" name="文本框 206">
@@ -28096,6 +28099,7 @@
               </a:bodyPr>
               <a:lstStyle/>
               <a:p>
+                <a:pPr/>
                 <a14:m>
                   <m:oMathPara xmlns:m="http://schemas.openxmlformats.org/officeDocument/2006/math">
                     <m:oMathParaPr>
@@ -28116,7 +28120,7 @@
             </p:txBody>
           </p:sp>
         </mc:Choice>
-        <mc:Fallback>
+        <mc:Fallback xmlns="">
           <p:sp>
             <p:nvSpPr>
               <p:cNvPr id="207" name="文本框 206">
@@ -28805,6 +28809,7429 @@
 </p:sld>
 </file>
 
+<file path=ppt/slides/slide6.xml><?xml version="1.0" encoding="utf-8"?>
+<p:sld xmlns:a="http://schemas.openxmlformats.org/drawingml/2006/main" xmlns:r="http://schemas.openxmlformats.org/officeDocument/2006/relationships" xmlns:p="http://schemas.openxmlformats.org/presentationml/2006/main">
+  <p:cSld>
+    <p:spTree>
+      <p:nvGrpSpPr>
+        <p:cNvPr id="1" name=""/>
+        <p:cNvGrpSpPr/>
+        <p:nvPr/>
+      </p:nvGrpSpPr>
+      <p:grpSpPr>
+        <a:xfrm>
+          <a:off x="0" y="0"/>
+          <a:ext cx="0" cy="0"/>
+          <a:chOff x="0" y="0"/>
+          <a:chExt cx="0" cy="0"/>
+        </a:xfrm>
+      </p:grpSpPr>
+      <p:grpSp>
+        <p:nvGrpSpPr>
+          <p:cNvPr id="2" name="组合 1">
+            <a:extLst>
+              <a:ext uri="{FF2B5EF4-FFF2-40B4-BE49-F238E27FC236}">
+                <a16:creationId xmlns:a16="http://schemas.microsoft.com/office/drawing/2014/main" id="{CABADB85-9CB4-BEEE-96CA-05415DF574C5}"/>
+              </a:ext>
+            </a:extLst>
+          </p:cNvPr>
+          <p:cNvGrpSpPr/>
+          <p:nvPr/>
+        </p:nvGrpSpPr>
+        <p:grpSpPr>
+          <a:xfrm>
+            <a:off x="44449" y="810682"/>
+            <a:ext cx="11876628" cy="3703020"/>
+            <a:chOff x="44449" y="810682"/>
+            <a:chExt cx="11876628" cy="3703020"/>
+          </a:xfrm>
+        </p:grpSpPr>
+        <p:sp>
+          <p:nvSpPr>
+            <p:cNvPr id="4" name="矩形: 圆角 3">
+              <a:extLst>
+                <a:ext uri="{FF2B5EF4-FFF2-40B4-BE49-F238E27FC236}">
+                  <a16:creationId xmlns:a16="http://schemas.microsoft.com/office/drawing/2014/main" id="{B5E8C46F-0811-E110-E60B-8FB1FED59D39}"/>
+                </a:ext>
+              </a:extLst>
+            </p:cNvPr>
+            <p:cNvSpPr/>
+            <p:nvPr/>
+          </p:nvSpPr>
+          <p:spPr>
+            <a:xfrm>
+              <a:off x="44449" y="810683"/>
+              <a:ext cx="711200" cy="2152650"/>
+            </a:xfrm>
+            <a:prstGeom prst="roundRect">
+              <a:avLst>
+                <a:gd name="adj" fmla="val 26488"/>
+              </a:avLst>
+            </a:prstGeom>
+            <a:solidFill>
+              <a:schemeClr val="accent4">
+                <a:lumMod val="60000"/>
+                <a:lumOff val="40000"/>
+              </a:schemeClr>
+            </a:solidFill>
+            <a:ln>
+              <a:noFill/>
+            </a:ln>
+          </p:spPr>
+          <p:style>
+            <a:lnRef idx="2">
+              <a:schemeClr val="accent1">
+                <a:shade val="15000"/>
+              </a:schemeClr>
+            </a:lnRef>
+            <a:fillRef idx="1">
+              <a:schemeClr val="accent1"/>
+            </a:fillRef>
+            <a:effectRef idx="0">
+              <a:schemeClr val="accent1"/>
+            </a:effectRef>
+            <a:fontRef idx="minor">
+              <a:schemeClr val="lt1"/>
+            </a:fontRef>
+          </p:style>
+          <p:txBody>
+            <a:bodyPr rtlCol="0" anchor="ctr"/>
+            <a:lstStyle/>
+            <a:p>
+              <a:pPr algn="ctr"/>
+              <a:r>
+                <a:rPr lang="zh-CN" altLang="en-US" sz="2000" dirty="0">
+                  <a:solidFill>
+                    <a:schemeClr val="tx1"/>
+                  </a:solidFill>
+                  <a:latin typeface="宋体" panose="02010600030101010101" pitchFamily="2" charset="-122"/>
+                  <a:ea typeface="宋体" panose="02010600030101010101" pitchFamily="2" charset="-122"/>
+                </a:rPr>
+                <a:t>原子尺度图</a:t>
+              </a:r>
+            </a:p>
+          </p:txBody>
+        </p:sp>
+        <p:sp>
+          <p:nvSpPr>
+            <p:cNvPr id="5" name="矩形: 圆角 4">
+              <a:extLst>
+                <a:ext uri="{FF2B5EF4-FFF2-40B4-BE49-F238E27FC236}">
+                  <a16:creationId xmlns:a16="http://schemas.microsoft.com/office/drawing/2014/main" id="{6B15B7A1-A6C6-5558-0B5E-9D4973F153BB}"/>
+                </a:ext>
+              </a:extLst>
+            </p:cNvPr>
+            <p:cNvSpPr/>
+            <p:nvPr/>
+          </p:nvSpPr>
+          <p:spPr>
+            <a:xfrm>
+              <a:off x="1447799" y="810683"/>
+              <a:ext cx="711200" cy="2152650"/>
+            </a:xfrm>
+            <a:prstGeom prst="roundRect">
+              <a:avLst>
+                <a:gd name="adj" fmla="val 26488"/>
+              </a:avLst>
+            </a:prstGeom>
+            <a:solidFill>
+              <a:schemeClr val="accent4">
+                <a:lumMod val="60000"/>
+                <a:lumOff val="40000"/>
+              </a:schemeClr>
+            </a:solidFill>
+            <a:ln>
+              <a:noFill/>
+            </a:ln>
+          </p:spPr>
+          <p:style>
+            <a:lnRef idx="2">
+              <a:schemeClr val="accent1">
+                <a:shade val="15000"/>
+              </a:schemeClr>
+            </a:lnRef>
+            <a:fillRef idx="1">
+              <a:schemeClr val="accent1"/>
+            </a:fillRef>
+            <a:effectRef idx="0">
+              <a:schemeClr val="accent1"/>
+            </a:effectRef>
+            <a:fontRef idx="minor">
+              <a:schemeClr val="lt1"/>
+            </a:fontRef>
+          </p:style>
+          <p:txBody>
+            <a:bodyPr rtlCol="0" anchor="ctr"/>
+            <a:lstStyle/>
+            <a:p>
+              <a:pPr algn="ctr"/>
+              <a:r>
+                <a:rPr lang="zh-CN" altLang="en-US" sz="2000" dirty="0">
+                  <a:solidFill>
+                    <a:schemeClr val="tx1"/>
+                  </a:solidFill>
+                  <a:latin typeface="宋体" panose="02010600030101010101" pitchFamily="2" charset="-122"/>
+                  <a:ea typeface="宋体" panose="02010600030101010101" pitchFamily="2" charset="-122"/>
+                </a:rPr>
+                <a:t>图网络</a:t>
+              </a:r>
+            </a:p>
+          </p:txBody>
+        </p:sp>
+        <p:sp>
+          <p:nvSpPr>
+            <p:cNvPr id="6" name="箭头: 右 5">
+              <a:extLst>
+                <a:ext uri="{FF2B5EF4-FFF2-40B4-BE49-F238E27FC236}">
+                  <a16:creationId xmlns:a16="http://schemas.microsoft.com/office/drawing/2014/main" id="{1EAF80B8-88DB-3C58-9A4C-813B8D7F858F}"/>
+                </a:ext>
+              </a:extLst>
+            </p:cNvPr>
+            <p:cNvSpPr/>
+            <p:nvPr/>
+          </p:nvSpPr>
+          <p:spPr>
+            <a:xfrm flipV="1">
+              <a:off x="885810" y="1784020"/>
+              <a:ext cx="431828" cy="205976"/>
+            </a:xfrm>
+            <a:prstGeom prst="rightArrow">
+              <a:avLst/>
+            </a:prstGeom>
+          </p:spPr>
+          <p:style>
+            <a:lnRef idx="2">
+              <a:schemeClr val="accent1">
+                <a:shade val="50000"/>
+              </a:schemeClr>
+            </a:lnRef>
+            <a:fillRef idx="1">
+              <a:schemeClr val="accent1"/>
+            </a:fillRef>
+            <a:effectRef idx="0">
+              <a:schemeClr val="accent1"/>
+            </a:effectRef>
+            <a:fontRef idx="minor">
+              <a:schemeClr val="lt1"/>
+            </a:fontRef>
+          </p:style>
+          <p:txBody>
+            <a:bodyPr rtlCol="0" anchor="ctr"/>
+            <a:lstStyle/>
+            <a:p>
+              <a:pPr algn="ctr"/>
+              <a:endParaRPr lang="zh-CN" altLang="en-US"/>
+            </a:p>
+          </p:txBody>
+        </p:sp>
+        <p:sp>
+          <p:nvSpPr>
+            <p:cNvPr id="7" name="箭头: 右 6">
+              <a:extLst>
+                <a:ext uri="{FF2B5EF4-FFF2-40B4-BE49-F238E27FC236}">
+                  <a16:creationId xmlns:a16="http://schemas.microsoft.com/office/drawing/2014/main" id="{FA34B9B6-FDBE-49F5-2F9C-09E1662E33D1}"/>
+                </a:ext>
+              </a:extLst>
+            </p:cNvPr>
+            <p:cNvSpPr/>
+            <p:nvPr/>
+          </p:nvSpPr>
+          <p:spPr>
+            <a:xfrm flipV="1">
+              <a:off x="2289160" y="1782632"/>
+              <a:ext cx="431828" cy="205976"/>
+            </a:xfrm>
+            <a:prstGeom prst="rightArrow">
+              <a:avLst/>
+            </a:prstGeom>
+          </p:spPr>
+          <p:style>
+            <a:lnRef idx="2">
+              <a:schemeClr val="accent1">
+                <a:shade val="50000"/>
+              </a:schemeClr>
+            </a:lnRef>
+            <a:fillRef idx="1">
+              <a:schemeClr val="accent1"/>
+            </a:fillRef>
+            <a:effectRef idx="0">
+              <a:schemeClr val="accent1"/>
+            </a:effectRef>
+            <a:fontRef idx="minor">
+              <a:schemeClr val="lt1"/>
+            </a:fontRef>
+          </p:style>
+          <p:txBody>
+            <a:bodyPr rtlCol="0" anchor="ctr"/>
+            <a:lstStyle/>
+            <a:p>
+              <a:pPr algn="ctr"/>
+              <a:endParaRPr lang="zh-CN" altLang="en-US"/>
+            </a:p>
+          </p:txBody>
+        </p:sp>
+        <p:grpSp>
+          <p:nvGrpSpPr>
+            <p:cNvPr id="9" name="组合 8">
+              <a:extLst>
+                <a:ext uri="{FF2B5EF4-FFF2-40B4-BE49-F238E27FC236}">
+                  <a16:creationId xmlns:a16="http://schemas.microsoft.com/office/drawing/2014/main" id="{89366F45-9B0A-3B8B-09CA-56BB114174DC}"/>
+                </a:ext>
+              </a:extLst>
+            </p:cNvPr>
+            <p:cNvGrpSpPr/>
+            <p:nvPr/>
+          </p:nvGrpSpPr>
+          <p:grpSpPr>
+            <a:xfrm>
+              <a:off x="2539987" y="1095045"/>
+              <a:ext cx="2747434" cy="1581150"/>
+              <a:chOff x="4919140" y="1929016"/>
+              <a:chExt cx="2747434" cy="1581150"/>
+            </a:xfrm>
+          </p:grpSpPr>
+          <p:sp>
+            <p:nvSpPr>
+              <p:cNvPr id="47" name="平行四边形 46">
+                <a:extLst>
+                  <a:ext uri="{FF2B5EF4-FFF2-40B4-BE49-F238E27FC236}">
+                    <a16:creationId xmlns:a16="http://schemas.microsoft.com/office/drawing/2014/main" id="{36CF2657-E404-8987-A826-D981EEE924B0}"/>
+                  </a:ext>
+                </a:extLst>
+              </p:cNvPr>
+              <p:cNvSpPr/>
+              <p:nvPr/>
+            </p:nvSpPr>
+            <p:spPr>
+              <a:xfrm flipV="1">
+                <a:off x="4919140" y="1929016"/>
+                <a:ext cx="2747434" cy="1581150"/>
+              </a:xfrm>
+              <a:prstGeom prst="parallelogram">
+                <a:avLst>
+                  <a:gd name="adj" fmla="val 58467"/>
+                </a:avLst>
+              </a:prstGeom>
+              <a:noFill/>
+              <a:ln>
+                <a:solidFill>
+                  <a:schemeClr val="bg2">
+                    <a:lumMod val="75000"/>
+                  </a:schemeClr>
+                </a:solidFill>
+                <a:prstDash val="lgDash"/>
+              </a:ln>
+            </p:spPr>
+            <p:style>
+              <a:lnRef idx="2">
+                <a:schemeClr val="accent1">
+                  <a:shade val="15000"/>
+                </a:schemeClr>
+              </a:lnRef>
+              <a:fillRef idx="1">
+                <a:schemeClr val="accent1"/>
+              </a:fillRef>
+              <a:effectRef idx="0">
+                <a:schemeClr val="accent1"/>
+              </a:effectRef>
+              <a:fontRef idx="minor">
+                <a:schemeClr val="lt1"/>
+              </a:fontRef>
+            </p:style>
+            <p:txBody>
+              <a:bodyPr rtlCol="0" anchor="ctr"/>
+              <a:lstStyle/>
+              <a:p>
+                <a:pPr algn="ctr"/>
+                <a:endParaRPr lang="zh-CN" altLang="en-US" dirty="0"/>
+              </a:p>
+            </p:txBody>
+          </p:sp>
+          <p:sp>
+            <p:nvSpPr>
+              <p:cNvPr id="48" name="椭圆 47">
+                <a:extLst>
+                  <a:ext uri="{FF2B5EF4-FFF2-40B4-BE49-F238E27FC236}">
+                    <a16:creationId xmlns:a16="http://schemas.microsoft.com/office/drawing/2014/main" id="{1F5FFDAF-20F0-AAF8-54CA-A085E613B784}"/>
+                  </a:ext>
+                </a:extLst>
+              </p:cNvPr>
+              <p:cNvSpPr/>
+              <p:nvPr/>
+            </p:nvSpPr>
+            <p:spPr>
+              <a:xfrm flipV="1">
+                <a:off x="5400642" y="2632238"/>
+                <a:ext cx="63580" cy="63580"/>
+              </a:xfrm>
+              <a:prstGeom prst="ellipse">
+                <a:avLst/>
+              </a:prstGeom>
+              <a:solidFill>
+                <a:srgbClr val="989FBF"/>
+              </a:solidFill>
+              <a:ln>
+                <a:noFill/>
+              </a:ln>
+            </p:spPr>
+            <p:style>
+              <a:lnRef idx="2">
+                <a:schemeClr val="accent1">
+                  <a:shade val="15000"/>
+                </a:schemeClr>
+              </a:lnRef>
+              <a:fillRef idx="1">
+                <a:schemeClr val="accent1"/>
+              </a:fillRef>
+              <a:effectRef idx="0">
+                <a:schemeClr val="accent1"/>
+              </a:effectRef>
+              <a:fontRef idx="minor">
+                <a:schemeClr val="lt1"/>
+              </a:fontRef>
+            </p:style>
+            <p:txBody>
+              <a:bodyPr rtlCol="0" anchor="ctr"/>
+              <a:lstStyle/>
+              <a:p>
+                <a:pPr algn="ctr"/>
+                <a:endParaRPr lang="zh-CN" altLang="en-US"/>
+              </a:p>
+            </p:txBody>
+          </p:sp>
+          <p:sp>
+            <p:nvSpPr>
+              <p:cNvPr id="49" name="椭圆 48">
+                <a:extLst>
+                  <a:ext uri="{FF2B5EF4-FFF2-40B4-BE49-F238E27FC236}">
+                    <a16:creationId xmlns:a16="http://schemas.microsoft.com/office/drawing/2014/main" id="{78E35E68-3A0C-895D-DDF5-E2B2A305499A}"/>
+                  </a:ext>
+                </a:extLst>
+              </p:cNvPr>
+              <p:cNvSpPr/>
+              <p:nvPr/>
+            </p:nvSpPr>
+            <p:spPr>
+              <a:xfrm flipV="1">
+                <a:off x="5560212" y="2664028"/>
+                <a:ext cx="63580" cy="63580"/>
+              </a:xfrm>
+              <a:prstGeom prst="ellipse">
+                <a:avLst/>
+              </a:prstGeom>
+              <a:solidFill>
+                <a:srgbClr val="7C543D"/>
+              </a:solidFill>
+              <a:ln>
+                <a:noFill/>
+              </a:ln>
+            </p:spPr>
+            <p:style>
+              <a:lnRef idx="2">
+                <a:schemeClr val="accent1">
+                  <a:shade val="15000"/>
+                </a:schemeClr>
+              </a:lnRef>
+              <a:fillRef idx="1">
+                <a:schemeClr val="accent1"/>
+              </a:fillRef>
+              <a:effectRef idx="0">
+                <a:schemeClr val="accent1"/>
+              </a:effectRef>
+              <a:fontRef idx="minor">
+                <a:schemeClr val="lt1"/>
+              </a:fontRef>
+            </p:style>
+            <p:txBody>
+              <a:bodyPr rtlCol="0" anchor="ctr"/>
+              <a:lstStyle/>
+              <a:p>
+                <a:pPr algn="ctr"/>
+                <a:endParaRPr lang="zh-CN" altLang="en-US"/>
+              </a:p>
+            </p:txBody>
+          </p:sp>
+          <p:sp>
+            <p:nvSpPr>
+              <p:cNvPr id="50" name="椭圆 49">
+                <a:extLst>
+                  <a:ext uri="{FF2B5EF4-FFF2-40B4-BE49-F238E27FC236}">
+                    <a16:creationId xmlns:a16="http://schemas.microsoft.com/office/drawing/2014/main" id="{2B34CA05-806C-071A-0A24-9E4E5332FAD8}"/>
+                  </a:ext>
+                </a:extLst>
+              </p:cNvPr>
+              <p:cNvSpPr/>
+              <p:nvPr/>
+            </p:nvSpPr>
+            <p:spPr>
+              <a:xfrm flipV="1">
+                <a:off x="5680862" y="2543378"/>
+                <a:ext cx="63580" cy="63580"/>
+              </a:xfrm>
+              <a:prstGeom prst="ellipse">
+                <a:avLst/>
+              </a:prstGeom>
+              <a:solidFill>
+                <a:srgbClr val="7C543D"/>
+              </a:solidFill>
+              <a:ln>
+                <a:noFill/>
+              </a:ln>
+            </p:spPr>
+            <p:style>
+              <a:lnRef idx="2">
+                <a:schemeClr val="accent1">
+                  <a:shade val="15000"/>
+                </a:schemeClr>
+              </a:lnRef>
+              <a:fillRef idx="1">
+                <a:schemeClr val="accent1"/>
+              </a:fillRef>
+              <a:effectRef idx="0">
+                <a:schemeClr val="accent1"/>
+              </a:effectRef>
+              <a:fontRef idx="minor">
+                <a:schemeClr val="lt1"/>
+              </a:fontRef>
+            </p:style>
+            <p:txBody>
+              <a:bodyPr rtlCol="0" anchor="ctr"/>
+              <a:lstStyle/>
+              <a:p>
+                <a:pPr algn="ctr"/>
+                <a:endParaRPr lang="zh-CN" altLang="en-US"/>
+              </a:p>
+            </p:txBody>
+          </p:sp>
+          <p:sp>
+            <p:nvSpPr>
+              <p:cNvPr id="51" name="椭圆 50">
+                <a:extLst>
+                  <a:ext uri="{FF2B5EF4-FFF2-40B4-BE49-F238E27FC236}">
+                    <a16:creationId xmlns:a16="http://schemas.microsoft.com/office/drawing/2014/main" id="{449BEDEB-B1CE-40BF-FC94-D2A7049C9D7C}"/>
+                  </a:ext>
+                </a:extLst>
+              </p:cNvPr>
+              <p:cNvSpPr/>
+              <p:nvPr/>
+            </p:nvSpPr>
+            <p:spPr>
+              <a:xfrm flipV="1">
+                <a:off x="5638941" y="2374465"/>
+                <a:ext cx="63580" cy="63580"/>
+              </a:xfrm>
+              <a:prstGeom prst="ellipse">
+                <a:avLst/>
+              </a:prstGeom>
+              <a:solidFill>
+                <a:srgbClr val="7C543D"/>
+              </a:solidFill>
+              <a:ln>
+                <a:noFill/>
+              </a:ln>
+            </p:spPr>
+            <p:style>
+              <a:lnRef idx="2">
+                <a:schemeClr val="accent1">
+                  <a:shade val="15000"/>
+                </a:schemeClr>
+              </a:lnRef>
+              <a:fillRef idx="1">
+                <a:schemeClr val="accent1"/>
+              </a:fillRef>
+              <a:effectRef idx="0">
+                <a:schemeClr val="accent1"/>
+              </a:effectRef>
+              <a:fontRef idx="minor">
+                <a:schemeClr val="lt1"/>
+              </a:fontRef>
+            </p:style>
+            <p:txBody>
+              <a:bodyPr rtlCol="0" anchor="ctr"/>
+              <a:lstStyle/>
+              <a:p>
+                <a:pPr algn="ctr"/>
+                <a:endParaRPr lang="zh-CN" altLang="en-US"/>
+              </a:p>
+            </p:txBody>
+          </p:sp>
+          <p:sp>
+            <p:nvSpPr>
+              <p:cNvPr id="52" name="椭圆 51">
+                <a:extLst>
+                  <a:ext uri="{FF2B5EF4-FFF2-40B4-BE49-F238E27FC236}">
+                    <a16:creationId xmlns:a16="http://schemas.microsoft.com/office/drawing/2014/main" id="{864CF0E5-1410-D4E5-6B03-2F092A8B07E0}"/>
+                  </a:ext>
+                </a:extLst>
+              </p:cNvPr>
+              <p:cNvSpPr/>
+              <p:nvPr/>
+            </p:nvSpPr>
+            <p:spPr>
+              <a:xfrm flipV="1">
+                <a:off x="5761178" y="2255402"/>
+                <a:ext cx="63580" cy="63580"/>
+              </a:xfrm>
+              <a:prstGeom prst="ellipse">
+                <a:avLst/>
+              </a:prstGeom>
+              <a:solidFill>
+                <a:srgbClr val="7C543D"/>
+              </a:solidFill>
+              <a:ln>
+                <a:noFill/>
+              </a:ln>
+            </p:spPr>
+            <p:style>
+              <a:lnRef idx="2">
+                <a:schemeClr val="accent1">
+                  <a:shade val="15000"/>
+                </a:schemeClr>
+              </a:lnRef>
+              <a:fillRef idx="1">
+                <a:schemeClr val="accent1"/>
+              </a:fillRef>
+              <a:effectRef idx="0">
+                <a:schemeClr val="accent1"/>
+              </a:effectRef>
+              <a:fontRef idx="minor">
+                <a:schemeClr val="lt1"/>
+              </a:fontRef>
+            </p:style>
+            <p:txBody>
+              <a:bodyPr rtlCol="0" anchor="ctr"/>
+              <a:lstStyle/>
+              <a:p>
+                <a:pPr algn="ctr"/>
+                <a:endParaRPr lang="zh-CN" altLang="en-US"/>
+              </a:p>
+            </p:txBody>
+          </p:sp>
+          <p:sp>
+            <p:nvSpPr>
+              <p:cNvPr id="53" name="椭圆 52">
+                <a:extLst>
+                  <a:ext uri="{FF2B5EF4-FFF2-40B4-BE49-F238E27FC236}">
+                    <a16:creationId xmlns:a16="http://schemas.microsoft.com/office/drawing/2014/main" id="{0ED86D1A-4C7F-B023-AC54-E6E21428CD19}"/>
+                  </a:ext>
+                </a:extLst>
+              </p:cNvPr>
+              <p:cNvSpPr/>
+              <p:nvPr/>
+            </p:nvSpPr>
+            <p:spPr>
+              <a:xfrm flipV="1">
+                <a:off x="5924136" y="2304533"/>
+                <a:ext cx="63580" cy="63580"/>
+              </a:xfrm>
+              <a:prstGeom prst="ellipse">
+                <a:avLst/>
+              </a:prstGeom>
+              <a:solidFill>
+                <a:srgbClr val="7C543D"/>
+              </a:solidFill>
+              <a:ln>
+                <a:noFill/>
+              </a:ln>
+            </p:spPr>
+            <p:style>
+              <a:lnRef idx="2">
+                <a:schemeClr val="accent1">
+                  <a:shade val="15000"/>
+                </a:schemeClr>
+              </a:lnRef>
+              <a:fillRef idx="1">
+                <a:schemeClr val="accent1"/>
+              </a:fillRef>
+              <a:effectRef idx="0">
+                <a:schemeClr val="accent1"/>
+              </a:effectRef>
+              <a:fontRef idx="minor">
+                <a:schemeClr val="lt1"/>
+              </a:fontRef>
+            </p:style>
+            <p:txBody>
+              <a:bodyPr rtlCol="0" anchor="ctr"/>
+              <a:lstStyle/>
+              <a:p>
+                <a:pPr algn="ctr"/>
+                <a:endParaRPr lang="zh-CN" altLang="en-US"/>
+              </a:p>
+            </p:txBody>
+          </p:sp>
+          <p:sp>
+            <p:nvSpPr>
+              <p:cNvPr id="54" name="椭圆 53">
+                <a:extLst>
+                  <a:ext uri="{FF2B5EF4-FFF2-40B4-BE49-F238E27FC236}">
+                    <a16:creationId xmlns:a16="http://schemas.microsoft.com/office/drawing/2014/main" id="{EEF3653B-3AD3-EB1F-E418-03EC7D6F071C}"/>
+                  </a:ext>
+                </a:extLst>
+              </p:cNvPr>
+              <p:cNvSpPr/>
+              <p:nvPr/>
+            </p:nvSpPr>
+            <p:spPr>
+              <a:xfrm flipV="1">
+                <a:off x="5968584" y="2469635"/>
+                <a:ext cx="63580" cy="63580"/>
+              </a:xfrm>
+              <a:prstGeom prst="ellipse">
+                <a:avLst/>
+              </a:prstGeom>
+              <a:solidFill>
+                <a:srgbClr val="7C543D"/>
+              </a:solidFill>
+              <a:ln>
+                <a:noFill/>
+              </a:ln>
+            </p:spPr>
+            <p:style>
+              <a:lnRef idx="2">
+                <a:schemeClr val="accent1">
+                  <a:shade val="15000"/>
+                </a:schemeClr>
+              </a:lnRef>
+              <a:fillRef idx="1">
+                <a:schemeClr val="accent1"/>
+              </a:fillRef>
+              <a:effectRef idx="0">
+                <a:schemeClr val="accent1"/>
+              </a:effectRef>
+              <a:fontRef idx="minor">
+                <a:schemeClr val="lt1"/>
+              </a:fontRef>
+            </p:style>
+            <p:txBody>
+              <a:bodyPr rtlCol="0" anchor="ctr"/>
+              <a:lstStyle/>
+              <a:p>
+                <a:pPr algn="ctr"/>
+                <a:endParaRPr lang="zh-CN" altLang="en-US"/>
+              </a:p>
+            </p:txBody>
+          </p:sp>
+          <p:sp>
+            <p:nvSpPr>
+              <p:cNvPr id="55" name="椭圆 54">
+                <a:extLst>
+                  <a:ext uri="{FF2B5EF4-FFF2-40B4-BE49-F238E27FC236}">
+                    <a16:creationId xmlns:a16="http://schemas.microsoft.com/office/drawing/2014/main" id="{18A95161-8B66-6377-E156-68ED84CB931C}"/>
+                  </a:ext>
+                </a:extLst>
+              </p:cNvPr>
+              <p:cNvSpPr/>
+              <p:nvPr/>
+            </p:nvSpPr>
+            <p:spPr>
+              <a:xfrm flipV="1">
+                <a:off x="5845196" y="2587068"/>
+                <a:ext cx="63580" cy="63580"/>
+              </a:xfrm>
+              <a:prstGeom prst="ellipse">
+                <a:avLst/>
+              </a:prstGeom>
+              <a:solidFill>
+                <a:srgbClr val="7C543D"/>
+              </a:solidFill>
+              <a:ln>
+                <a:noFill/>
+              </a:ln>
+            </p:spPr>
+            <p:style>
+              <a:lnRef idx="2">
+                <a:schemeClr val="accent1">
+                  <a:shade val="15000"/>
+                </a:schemeClr>
+              </a:lnRef>
+              <a:fillRef idx="1">
+                <a:schemeClr val="accent1"/>
+              </a:fillRef>
+              <a:effectRef idx="0">
+                <a:schemeClr val="accent1"/>
+              </a:effectRef>
+              <a:fontRef idx="minor">
+                <a:schemeClr val="lt1"/>
+              </a:fontRef>
+            </p:style>
+            <p:txBody>
+              <a:bodyPr rtlCol="0" anchor="ctr"/>
+              <a:lstStyle/>
+              <a:p>
+                <a:pPr algn="ctr"/>
+                <a:endParaRPr lang="zh-CN" altLang="en-US"/>
+              </a:p>
+            </p:txBody>
+          </p:sp>
+          <p:sp>
+            <p:nvSpPr>
+              <p:cNvPr id="56" name="椭圆 55">
+                <a:extLst>
+                  <a:ext uri="{FF2B5EF4-FFF2-40B4-BE49-F238E27FC236}">
+                    <a16:creationId xmlns:a16="http://schemas.microsoft.com/office/drawing/2014/main" id="{2B843AAA-FEA9-1EED-2B8C-F9F342B882CC}"/>
+                  </a:ext>
+                </a:extLst>
+              </p:cNvPr>
+              <p:cNvSpPr/>
+              <p:nvPr/>
+            </p:nvSpPr>
+            <p:spPr>
+              <a:xfrm flipV="1">
+                <a:off x="6135709" y="2515630"/>
+                <a:ext cx="63580" cy="63580"/>
+              </a:xfrm>
+              <a:prstGeom prst="ellipse">
+                <a:avLst/>
+              </a:prstGeom>
+              <a:solidFill>
+                <a:srgbClr val="7C543D"/>
+              </a:solidFill>
+              <a:ln>
+                <a:noFill/>
+              </a:ln>
+            </p:spPr>
+            <p:style>
+              <a:lnRef idx="2">
+                <a:schemeClr val="accent1">
+                  <a:shade val="15000"/>
+                </a:schemeClr>
+              </a:lnRef>
+              <a:fillRef idx="1">
+                <a:schemeClr val="accent1"/>
+              </a:fillRef>
+              <a:effectRef idx="0">
+                <a:schemeClr val="accent1"/>
+              </a:effectRef>
+              <a:fontRef idx="minor">
+                <a:schemeClr val="lt1"/>
+              </a:fontRef>
+            </p:style>
+            <p:txBody>
+              <a:bodyPr rtlCol="0" anchor="ctr"/>
+              <a:lstStyle/>
+              <a:p>
+                <a:pPr algn="ctr"/>
+                <a:endParaRPr lang="zh-CN" altLang="en-US"/>
+              </a:p>
+            </p:txBody>
+          </p:sp>
+          <p:sp>
+            <p:nvSpPr>
+              <p:cNvPr id="57" name="椭圆 56">
+                <a:extLst>
+                  <a:ext uri="{FF2B5EF4-FFF2-40B4-BE49-F238E27FC236}">
+                    <a16:creationId xmlns:a16="http://schemas.microsoft.com/office/drawing/2014/main" id="{44EAFBD6-D8E1-BFA4-32AA-E2F7E1B1522C}"/>
+                  </a:ext>
+                </a:extLst>
+              </p:cNvPr>
+              <p:cNvSpPr/>
+              <p:nvPr/>
+            </p:nvSpPr>
+            <p:spPr>
+              <a:xfrm flipV="1">
+                <a:off x="6186687" y="2664028"/>
+                <a:ext cx="63580" cy="63580"/>
+              </a:xfrm>
+              <a:prstGeom prst="ellipse">
+                <a:avLst/>
+              </a:prstGeom>
+              <a:solidFill>
+                <a:srgbClr val="989FBF"/>
+              </a:solidFill>
+              <a:ln>
+                <a:noFill/>
+              </a:ln>
+            </p:spPr>
+            <p:style>
+              <a:lnRef idx="2">
+                <a:schemeClr val="accent1">
+                  <a:shade val="15000"/>
+                </a:schemeClr>
+              </a:lnRef>
+              <a:fillRef idx="1">
+                <a:schemeClr val="accent1"/>
+              </a:fillRef>
+              <a:effectRef idx="0">
+                <a:schemeClr val="accent1"/>
+              </a:effectRef>
+              <a:fontRef idx="minor">
+                <a:schemeClr val="lt1"/>
+              </a:fontRef>
+            </p:style>
+            <p:txBody>
+              <a:bodyPr rtlCol="0" anchor="ctr"/>
+              <a:lstStyle/>
+              <a:p>
+                <a:pPr algn="ctr"/>
+                <a:endParaRPr lang="zh-CN" altLang="en-US"/>
+              </a:p>
+            </p:txBody>
+          </p:sp>
+          <p:sp>
+            <p:nvSpPr>
+              <p:cNvPr id="58" name="椭圆 57">
+                <a:extLst>
+                  <a:ext uri="{FF2B5EF4-FFF2-40B4-BE49-F238E27FC236}">
+                    <a16:creationId xmlns:a16="http://schemas.microsoft.com/office/drawing/2014/main" id="{A169DC46-7EB4-8FBD-295D-D20E7BE04B6C}"/>
+                  </a:ext>
+                </a:extLst>
+              </p:cNvPr>
+              <p:cNvSpPr/>
+              <p:nvPr/>
+            </p:nvSpPr>
+            <p:spPr>
+              <a:xfrm flipV="1">
+                <a:off x="6334325" y="2702207"/>
+                <a:ext cx="63580" cy="63580"/>
+              </a:xfrm>
+              <a:prstGeom prst="ellipse">
+                <a:avLst/>
+              </a:prstGeom>
+              <a:solidFill>
+                <a:srgbClr val="989FBF"/>
+              </a:solidFill>
+              <a:ln>
+                <a:noFill/>
+              </a:ln>
+            </p:spPr>
+            <p:style>
+              <a:lnRef idx="2">
+                <a:schemeClr val="accent1">
+                  <a:shade val="15000"/>
+                </a:schemeClr>
+              </a:lnRef>
+              <a:fillRef idx="1">
+                <a:schemeClr val="accent1"/>
+              </a:fillRef>
+              <a:effectRef idx="0">
+                <a:schemeClr val="accent1"/>
+              </a:effectRef>
+              <a:fontRef idx="minor">
+                <a:schemeClr val="lt1"/>
+              </a:fontRef>
+            </p:style>
+            <p:txBody>
+              <a:bodyPr rtlCol="0" anchor="ctr"/>
+              <a:lstStyle/>
+              <a:p>
+                <a:pPr algn="ctr"/>
+                <a:endParaRPr lang="zh-CN" altLang="en-US"/>
+              </a:p>
+            </p:txBody>
+          </p:sp>
+          <p:sp>
+            <p:nvSpPr>
+              <p:cNvPr id="59" name="椭圆 58">
+                <a:extLst>
+                  <a:ext uri="{FF2B5EF4-FFF2-40B4-BE49-F238E27FC236}">
+                    <a16:creationId xmlns:a16="http://schemas.microsoft.com/office/drawing/2014/main" id="{BA685A6E-250E-AB92-8A5E-3B061CBEA1F0}"/>
+                  </a:ext>
+                </a:extLst>
+              </p:cNvPr>
+              <p:cNvSpPr/>
+              <p:nvPr/>
+            </p:nvSpPr>
+            <p:spPr>
+              <a:xfrm flipV="1">
+                <a:off x="6389889" y="2862545"/>
+                <a:ext cx="63580" cy="63580"/>
+              </a:xfrm>
+              <a:prstGeom prst="ellipse">
+                <a:avLst/>
+              </a:prstGeom>
+              <a:solidFill>
+                <a:srgbClr val="7C543D"/>
+              </a:solidFill>
+              <a:ln>
+                <a:noFill/>
+              </a:ln>
+            </p:spPr>
+            <p:style>
+              <a:lnRef idx="2">
+                <a:schemeClr val="accent1">
+                  <a:shade val="15000"/>
+                </a:schemeClr>
+              </a:lnRef>
+              <a:fillRef idx="1">
+                <a:schemeClr val="accent1"/>
+              </a:fillRef>
+              <a:effectRef idx="0">
+                <a:schemeClr val="accent1"/>
+              </a:effectRef>
+              <a:fontRef idx="minor">
+                <a:schemeClr val="lt1"/>
+              </a:fontRef>
+            </p:style>
+            <p:txBody>
+              <a:bodyPr rtlCol="0" anchor="ctr"/>
+              <a:lstStyle/>
+              <a:p>
+                <a:pPr algn="ctr"/>
+                <a:endParaRPr lang="zh-CN" altLang="en-US"/>
+              </a:p>
+            </p:txBody>
+          </p:sp>
+          <p:sp>
+            <p:nvSpPr>
+              <p:cNvPr id="60" name="椭圆 59">
+                <a:extLst>
+                  <a:ext uri="{FF2B5EF4-FFF2-40B4-BE49-F238E27FC236}">
+                    <a16:creationId xmlns:a16="http://schemas.microsoft.com/office/drawing/2014/main" id="{DB8DDCAD-2647-7F8D-74B1-18C137D83348}"/>
+                  </a:ext>
+                </a:extLst>
+              </p:cNvPr>
+              <p:cNvSpPr/>
+              <p:nvPr/>
+            </p:nvSpPr>
+            <p:spPr>
+              <a:xfrm flipV="1">
+                <a:off x="6554496" y="2905451"/>
+                <a:ext cx="63580" cy="63580"/>
+              </a:xfrm>
+              <a:prstGeom prst="ellipse">
+                <a:avLst/>
+              </a:prstGeom>
+              <a:solidFill>
+                <a:srgbClr val="7C543D"/>
+              </a:solidFill>
+              <a:ln>
+                <a:noFill/>
+              </a:ln>
+            </p:spPr>
+            <p:style>
+              <a:lnRef idx="2">
+                <a:schemeClr val="accent1">
+                  <a:shade val="15000"/>
+                </a:schemeClr>
+              </a:lnRef>
+              <a:fillRef idx="1">
+                <a:schemeClr val="accent1"/>
+              </a:fillRef>
+              <a:effectRef idx="0">
+                <a:schemeClr val="accent1"/>
+              </a:effectRef>
+              <a:fontRef idx="minor">
+                <a:schemeClr val="lt1"/>
+              </a:fontRef>
+            </p:style>
+            <p:txBody>
+              <a:bodyPr rtlCol="0" anchor="ctr"/>
+              <a:lstStyle/>
+              <a:p>
+                <a:pPr algn="ctr"/>
+                <a:endParaRPr lang="zh-CN" altLang="en-US"/>
+              </a:p>
+            </p:txBody>
+          </p:sp>
+          <p:sp>
+            <p:nvSpPr>
+              <p:cNvPr id="61" name="椭圆 60">
+                <a:extLst>
+                  <a:ext uri="{FF2B5EF4-FFF2-40B4-BE49-F238E27FC236}">
+                    <a16:creationId xmlns:a16="http://schemas.microsoft.com/office/drawing/2014/main" id="{45D9F98D-146C-C476-C951-433E3F013840}"/>
+                  </a:ext>
+                </a:extLst>
+              </p:cNvPr>
+              <p:cNvSpPr/>
+              <p:nvPr/>
+            </p:nvSpPr>
+            <p:spPr>
+              <a:xfrm flipV="1">
+                <a:off x="6679907" y="2787977"/>
+                <a:ext cx="63580" cy="63580"/>
+              </a:xfrm>
+              <a:prstGeom prst="ellipse">
+                <a:avLst/>
+              </a:prstGeom>
+              <a:solidFill>
+                <a:srgbClr val="7C543D"/>
+              </a:solidFill>
+              <a:ln>
+                <a:noFill/>
+              </a:ln>
+            </p:spPr>
+            <p:style>
+              <a:lnRef idx="2">
+                <a:schemeClr val="accent1">
+                  <a:shade val="15000"/>
+                </a:schemeClr>
+              </a:lnRef>
+              <a:fillRef idx="1">
+                <a:schemeClr val="accent1"/>
+              </a:fillRef>
+              <a:effectRef idx="0">
+                <a:schemeClr val="accent1"/>
+              </a:effectRef>
+              <a:fontRef idx="minor">
+                <a:schemeClr val="lt1"/>
+              </a:fontRef>
+            </p:style>
+            <p:txBody>
+              <a:bodyPr rtlCol="0" anchor="ctr"/>
+              <a:lstStyle/>
+              <a:p>
+                <a:pPr algn="ctr"/>
+                <a:endParaRPr lang="zh-CN" altLang="en-US"/>
+              </a:p>
+            </p:txBody>
+          </p:sp>
+          <p:sp>
+            <p:nvSpPr>
+              <p:cNvPr id="62" name="椭圆 61">
+                <a:extLst>
+                  <a:ext uri="{FF2B5EF4-FFF2-40B4-BE49-F238E27FC236}">
+                    <a16:creationId xmlns:a16="http://schemas.microsoft.com/office/drawing/2014/main" id="{0EC24282-20D3-899A-08BF-EA64207DA6A4}"/>
+                  </a:ext>
+                </a:extLst>
+              </p:cNvPr>
+              <p:cNvSpPr/>
+              <p:nvPr/>
+            </p:nvSpPr>
+            <p:spPr>
+              <a:xfrm flipV="1">
+                <a:off x="6845829" y="2832343"/>
+                <a:ext cx="63580" cy="63580"/>
+              </a:xfrm>
+              <a:prstGeom prst="ellipse">
+                <a:avLst/>
+              </a:prstGeom>
+              <a:solidFill>
+                <a:srgbClr val="7C543D"/>
+              </a:solidFill>
+              <a:ln>
+                <a:noFill/>
+              </a:ln>
+            </p:spPr>
+            <p:style>
+              <a:lnRef idx="2">
+                <a:schemeClr val="accent1">
+                  <a:shade val="15000"/>
+                </a:schemeClr>
+              </a:lnRef>
+              <a:fillRef idx="1">
+                <a:schemeClr val="accent1"/>
+              </a:fillRef>
+              <a:effectRef idx="0">
+                <a:schemeClr val="accent1"/>
+              </a:effectRef>
+              <a:fontRef idx="minor">
+                <a:schemeClr val="lt1"/>
+              </a:fontRef>
+            </p:style>
+            <p:txBody>
+              <a:bodyPr rtlCol="0" anchor="ctr"/>
+              <a:lstStyle/>
+              <a:p>
+                <a:pPr algn="ctr"/>
+                <a:endParaRPr lang="zh-CN" altLang="en-US"/>
+              </a:p>
+            </p:txBody>
+          </p:sp>
+          <p:sp>
+            <p:nvSpPr>
+              <p:cNvPr id="63" name="椭圆 62">
+                <a:extLst>
+                  <a:ext uri="{FF2B5EF4-FFF2-40B4-BE49-F238E27FC236}">
+                    <a16:creationId xmlns:a16="http://schemas.microsoft.com/office/drawing/2014/main" id="{35DF3AA5-38C2-0713-3CBB-F9CD381543A6}"/>
+                  </a:ext>
+                </a:extLst>
+              </p:cNvPr>
+              <p:cNvSpPr/>
+              <p:nvPr/>
+            </p:nvSpPr>
+            <p:spPr>
+              <a:xfrm flipV="1">
+                <a:off x="6882383" y="2999712"/>
+                <a:ext cx="63580" cy="63580"/>
+              </a:xfrm>
+              <a:prstGeom prst="ellipse">
+                <a:avLst/>
+              </a:prstGeom>
+              <a:solidFill>
+                <a:srgbClr val="7C543D"/>
+              </a:solidFill>
+              <a:ln>
+                <a:noFill/>
+              </a:ln>
+            </p:spPr>
+            <p:style>
+              <a:lnRef idx="2">
+                <a:schemeClr val="accent1">
+                  <a:shade val="15000"/>
+                </a:schemeClr>
+              </a:lnRef>
+              <a:fillRef idx="1">
+                <a:schemeClr val="accent1"/>
+              </a:fillRef>
+              <a:effectRef idx="0">
+                <a:schemeClr val="accent1"/>
+              </a:effectRef>
+              <a:fontRef idx="minor">
+                <a:schemeClr val="lt1"/>
+              </a:fontRef>
+            </p:style>
+            <p:txBody>
+              <a:bodyPr rtlCol="0" anchor="ctr"/>
+              <a:lstStyle/>
+              <a:p>
+                <a:pPr algn="ctr"/>
+                <a:endParaRPr lang="zh-CN" altLang="en-US"/>
+              </a:p>
+            </p:txBody>
+          </p:sp>
+          <p:sp>
+            <p:nvSpPr>
+              <p:cNvPr id="64" name="椭圆 63">
+                <a:extLst>
+                  <a:ext uri="{FF2B5EF4-FFF2-40B4-BE49-F238E27FC236}">
+                    <a16:creationId xmlns:a16="http://schemas.microsoft.com/office/drawing/2014/main" id="{B4841CBD-558B-48A2-9DCD-2787E74A234D}"/>
+                  </a:ext>
+                </a:extLst>
+              </p:cNvPr>
+              <p:cNvSpPr/>
+              <p:nvPr/>
+            </p:nvSpPr>
+            <p:spPr>
+              <a:xfrm flipV="1">
+                <a:off x="6763320" y="3120361"/>
+                <a:ext cx="63580" cy="63580"/>
+              </a:xfrm>
+              <a:prstGeom prst="ellipse">
+                <a:avLst/>
+              </a:prstGeom>
+              <a:solidFill>
+                <a:srgbClr val="7C543D"/>
+              </a:solidFill>
+              <a:ln>
+                <a:noFill/>
+              </a:ln>
+            </p:spPr>
+            <p:style>
+              <a:lnRef idx="2">
+                <a:schemeClr val="accent1">
+                  <a:shade val="15000"/>
+                </a:schemeClr>
+              </a:lnRef>
+              <a:fillRef idx="1">
+                <a:schemeClr val="accent1"/>
+              </a:fillRef>
+              <a:effectRef idx="0">
+                <a:schemeClr val="accent1"/>
+              </a:effectRef>
+              <a:fontRef idx="minor">
+                <a:schemeClr val="lt1"/>
+              </a:fontRef>
+            </p:style>
+            <p:txBody>
+              <a:bodyPr rtlCol="0" anchor="ctr"/>
+              <a:lstStyle/>
+              <a:p>
+                <a:pPr algn="ctr"/>
+                <a:endParaRPr lang="zh-CN" altLang="en-US"/>
+              </a:p>
+            </p:txBody>
+          </p:sp>
+          <p:sp>
+            <p:nvSpPr>
+              <p:cNvPr id="65" name="椭圆 64">
+                <a:extLst>
+                  <a:ext uri="{FF2B5EF4-FFF2-40B4-BE49-F238E27FC236}">
+                    <a16:creationId xmlns:a16="http://schemas.microsoft.com/office/drawing/2014/main" id="{EDF5FA72-DCF7-8590-E0A1-5321A11061C0}"/>
+                  </a:ext>
+                </a:extLst>
+              </p:cNvPr>
+              <p:cNvSpPr/>
+              <p:nvPr/>
+            </p:nvSpPr>
+            <p:spPr>
+              <a:xfrm flipV="1">
+                <a:off x="6599504" y="3070335"/>
+                <a:ext cx="63580" cy="63580"/>
+              </a:xfrm>
+              <a:prstGeom prst="ellipse">
+                <a:avLst/>
+              </a:prstGeom>
+              <a:solidFill>
+                <a:srgbClr val="7C543D"/>
+              </a:solidFill>
+              <a:ln>
+                <a:noFill/>
+              </a:ln>
+            </p:spPr>
+            <p:style>
+              <a:lnRef idx="2">
+                <a:schemeClr val="accent1">
+                  <a:shade val="15000"/>
+                </a:schemeClr>
+              </a:lnRef>
+              <a:fillRef idx="1">
+                <a:schemeClr val="accent1"/>
+              </a:fillRef>
+              <a:effectRef idx="0">
+                <a:schemeClr val="accent1"/>
+              </a:effectRef>
+              <a:fontRef idx="minor">
+                <a:schemeClr val="lt1"/>
+              </a:fontRef>
+            </p:style>
+            <p:txBody>
+              <a:bodyPr rtlCol="0" anchor="ctr"/>
+              <a:lstStyle/>
+              <a:p>
+                <a:pPr algn="ctr"/>
+                <a:endParaRPr lang="zh-CN" altLang="en-US"/>
+              </a:p>
+            </p:txBody>
+          </p:sp>
+          <p:sp>
+            <p:nvSpPr>
+              <p:cNvPr id="66" name="椭圆 65">
+                <a:extLst>
+                  <a:ext uri="{FF2B5EF4-FFF2-40B4-BE49-F238E27FC236}">
+                    <a16:creationId xmlns:a16="http://schemas.microsoft.com/office/drawing/2014/main" id="{D112BE33-3746-E905-EDA5-135C94ABAE1A}"/>
+                  </a:ext>
+                </a:extLst>
+              </p:cNvPr>
+              <p:cNvSpPr/>
+              <p:nvPr/>
+            </p:nvSpPr>
+            <p:spPr>
+              <a:xfrm flipV="1">
+                <a:off x="6964578" y="2711651"/>
+                <a:ext cx="63580" cy="63580"/>
+              </a:xfrm>
+              <a:prstGeom prst="ellipse">
+                <a:avLst/>
+              </a:prstGeom>
+              <a:solidFill>
+                <a:srgbClr val="7C543D"/>
+              </a:solidFill>
+              <a:ln>
+                <a:noFill/>
+              </a:ln>
+            </p:spPr>
+            <p:style>
+              <a:lnRef idx="2">
+                <a:schemeClr val="accent1">
+                  <a:shade val="15000"/>
+                </a:schemeClr>
+              </a:lnRef>
+              <a:fillRef idx="1">
+                <a:schemeClr val="accent1"/>
+              </a:fillRef>
+              <a:effectRef idx="0">
+                <a:schemeClr val="accent1"/>
+              </a:effectRef>
+              <a:fontRef idx="minor">
+                <a:schemeClr val="lt1"/>
+              </a:fontRef>
+            </p:style>
+            <p:txBody>
+              <a:bodyPr rtlCol="0" anchor="ctr"/>
+              <a:lstStyle/>
+              <a:p>
+                <a:pPr algn="ctr"/>
+                <a:endParaRPr lang="zh-CN" altLang="en-US"/>
+              </a:p>
+            </p:txBody>
+          </p:sp>
+          <p:sp>
+            <p:nvSpPr>
+              <p:cNvPr id="67" name="椭圆 66">
+                <a:extLst>
+                  <a:ext uri="{FF2B5EF4-FFF2-40B4-BE49-F238E27FC236}">
+                    <a16:creationId xmlns:a16="http://schemas.microsoft.com/office/drawing/2014/main" id="{B85345B1-549C-0495-2041-F862D48A82B8}"/>
+                  </a:ext>
+                </a:extLst>
+              </p:cNvPr>
+              <p:cNvSpPr/>
+              <p:nvPr/>
+            </p:nvSpPr>
+            <p:spPr>
+              <a:xfrm flipV="1">
+                <a:off x="7124148" y="2746653"/>
+                <a:ext cx="63580" cy="63580"/>
+              </a:xfrm>
+              <a:prstGeom prst="ellipse">
+                <a:avLst/>
+              </a:prstGeom>
+              <a:solidFill>
+                <a:srgbClr val="989FBF"/>
+              </a:solidFill>
+              <a:ln>
+                <a:noFill/>
+              </a:ln>
+            </p:spPr>
+            <p:style>
+              <a:lnRef idx="2">
+                <a:schemeClr val="accent1">
+                  <a:shade val="15000"/>
+                </a:schemeClr>
+              </a:lnRef>
+              <a:fillRef idx="1">
+                <a:schemeClr val="accent1"/>
+              </a:fillRef>
+              <a:effectRef idx="0">
+                <a:schemeClr val="accent1"/>
+              </a:effectRef>
+              <a:fontRef idx="minor">
+                <a:schemeClr val="lt1"/>
+              </a:fontRef>
+            </p:style>
+            <p:txBody>
+              <a:bodyPr rtlCol="0" anchor="ctr"/>
+              <a:lstStyle/>
+              <a:p>
+                <a:pPr algn="ctr"/>
+                <a:endParaRPr lang="zh-CN" altLang="en-US"/>
+              </a:p>
+            </p:txBody>
+          </p:sp>
+          <p:sp>
+            <p:nvSpPr>
+              <p:cNvPr id="68" name="椭圆 67">
+                <a:extLst>
+                  <a:ext uri="{FF2B5EF4-FFF2-40B4-BE49-F238E27FC236}">
+                    <a16:creationId xmlns:a16="http://schemas.microsoft.com/office/drawing/2014/main" id="{ECCDD1A0-087B-1D08-B028-7F550DA4D843}"/>
+                  </a:ext>
+                </a:extLst>
+              </p:cNvPr>
+              <p:cNvSpPr/>
+              <p:nvPr/>
+            </p:nvSpPr>
+            <p:spPr>
+              <a:xfrm flipV="1">
+                <a:off x="6806099" y="3283277"/>
+                <a:ext cx="63580" cy="63580"/>
+              </a:xfrm>
+              <a:prstGeom prst="ellipse">
+                <a:avLst/>
+              </a:prstGeom>
+              <a:solidFill>
+                <a:srgbClr val="7C543D"/>
+              </a:solidFill>
+              <a:ln>
+                <a:noFill/>
+              </a:ln>
+            </p:spPr>
+            <p:style>
+              <a:lnRef idx="2">
+                <a:schemeClr val="accent1">
+                  <a:shade val="15000"/>
+                </a:schemeClr>
+              </a:lnRef>
+              <a:fillRef idx="1">
+                <a:schemeClr val="accent1"/>
+              </a:fillRef>
+              <a:effectRef idx="0">
+                <a:schemeClr val="accent1"/>
+              </a:effectRef>
+              <a:fontRef idx="minor">
+                <a:schemeClr val="lt1"/>
+              </a:fontRef>
+            </p:style>
+            <p:txBody>
+              <a:bodyPr rtlCol="0" anchor="ctr"/>
+              <a:lstStyle/>
+              <a:p>
+                <a:pPr algn="ctr"/>
+                <a:endParaRPr lang="zh-CN" altLang="en-US"/>
+              </a:p>
+            </p:txBody>
+          </p:sp>
+          <p:sp>
+            <p:nvSpPr>
+              <p:cNvPr id="69" name="椭圆 68">
+                <a:extLst>
+                  <a:ext uri="{FF2B5EF4-FFF2-40B4-BE49-F238E27FC236}">
+                    <a16:creationId xmlns:a16="http://schemas.microsoft.com/office/drawing/2014/main" id="{FB9DE5C5-A5BF-E2E8-B182-E594C12FB7C3}"/>
+                  </a:ext>
+                </a:extLst>
+              </p:cNvPr>
+              <p:cNvSpPr/>
+              <p:nvPr/>
+            </p:nvSpPr>
+            <p:spPr>
+              <a:xfrm flipV="1">
+                <a:off x="6699740" y="3413452"/>
+                <a:ext cx="63580" cy="63580"/>
+              </a:xfrm>
+              <a:prstGeom prst="ellipse">
+                <a:avLst/>
+              </a:prstGeom>
+              <a:solidFill>
+                <a:srgbClr val="989FBF"/>
+              </a:solidFill>
+              <a:ln>
+                <a:noFill/>
+              </a:ln>
+            </p:spPr>
+            <p:style>
+              <a:lnRef idx="2">
+                <a:schemeClr val="accent1">
+                  <a:shade val="15000"/>
+                </a:schemeClr>
+              </a:lnRef>
+              <a:fillRef idx="1">
+                <a:schemeClr val="accent1"/>
+              </a:fillRef>
+              <a:effectRef idx="0">
+                <a:schemeClr val="accent1"/>
+              </a:effectRef>
+              <a:fontRef idx="minor">
+                <a:schemeClr val="lt1"/>
+              </a:fontRef>
+            </p:style>
+            <p:txBody>
+              <a:bodyPr rtlCol="0" anchor="ctr"/>
+              <a:lstStyle/>
+              <a:p>
+                <a:pPr algn="ctr"/>
+                <a:endParaRPr lang="zh-CN" altLang="en-US"/>
+              </a:p>
+            </p:txBody>
+          </p:sp>
+          <p:sp>
+            <p:nvSpPr>
+              <p:cNvPr id="70" name="椭圆 69">
+                <a:extLst>
+                  <a:ext uri="{FF2B5EF4-FFF2-40B4-BE49-F238E27FC236}">
+                    <a16:creationId xmlns:a16="http://schemas.microsoft.com/office/drawing/2014/main" id="{95BD336D-E649-BC68-8D5F-255C56E04B43}"/>
+                  </a:ext>
+                </a:extLst>
+              </p:cNvPr>
+              <p:cNvSpPr/>
+              <p:nvPr/>
+            </p:nvSpPr>
+            <p:spPr>
+              <a:xfrm flipV="1">
+                <a:off x="5718274" y="2088314"/>
+                <a:ext cx="63580" cy="63580"/>
+              </a:xfrm>
+              <a:prstGeom prst="ellipse">
+                <a:avLst/>
+              </a:prstGeom>
+              <a:solidFill>
+                <a:srgbClr val="7C543D"/>
+              </a:solidFill>
+              <a:ln>
+                <a:noFill/>
+              </a:ln>
+            </p:spPr>
+            <p:style>
+              <a:lnRef idx="2">
+                <a:schemeClr val="accent1">
+                  <a:shade val="15000"/>
+                </a:schemeClr>
+              </a:lnRef>
+              <a:fillRef idx="1">
+                <a:schemeClr val="accent1"/>
+              </a:fillRef>
+              <a:effectRef idx="0">
+                <a:schemeClr val="accent1"/>
+              </a:effectRef>
+              <a:fontRef idx="minor">
+                <a:schemeClr val="lt1"/>
+              </a:fontRef>
+            </p:style>
+            <p:txBody>
+              <a:bodyPr rtlCol="0" anchor="ctr"/>
+              <a:lstStyle/>
+              <a:p>
+                <a:pPr algn="ctr"/>
+                <a:endParaRPr lang="zh-CN" altLang="en-US"/>
+              </a:p>
+            </p:txBody>
+          </p:sp>
+          <p:sp>
+            <p:nvSpPr>
+              <p:cNvPr id="71" name="椭圆 70">
+                <a:extLst>
+                  <a:ext uri="{FF2B5EF4-FFF2-40B4-BE49-F238E27FC236}">
+                    <a16:creationId xmlns:a16="http://schemas.microsoft.com/office/drawing/2014/main" id="{A9D5C0C2-44C1-9D8E-811B-9C56F9316586}"/>
+                  </a:ext>
+                </a:extLst>
+              </p:cNvPr>
+              <p:cNvSpPr/>
+              <p:nvPr/>
+            </p:nvSpPr>
+            <p:spPr>
+              <a:xfrm flipV="1">
+                <a:off x="5824758" y="1967247"/>
+                <a:ext cx="63580" cy="63580"/>
+              </a:xfrm>
+              <a:prstGeom prst="ellipse">
+                <a:avLst/>
+              </a:prstGeom>
+              <a:solidFill>
+                <a:srgbClr val="989FBF"/>
+              </a:solidFill>
+              <a:ln>
+                <a:noFill/>
+              </a:ln>
+            </p:spPr>
+            <p:style>
+              <a:lnRef idx="2">
+                <a:schemeClr val="accent1">
+                  <a:shade val="15000"/>
+                </a:schemeClr>
+              </a:lnRef>
+              <a:fillRef idx="1">
+                <a:schemeClr val="accent1"/>
+              </a:fillRef>
+              <a:effectRef idx="0">
+                <a:schemeClr val="accent1"/>
+              </a:effectRef>
+              <a:fontRef idx="minor">
+                <a:schemeClr val="lt1"/>
+              </a:fontRef>
+            </p:style>
+            <p:txBody>
+              <a:bodyPr rtlCol="0" anchor="ctr"/>
+              <a:lstStyle/>
+              <a:p>
+                <a:pPr algn="ctr"/>
+                <a:endParaRPr lang="zh-CN" altLang="en-US"/>
+              </a:p>
+            </p:txBody>
+          </p:sp>
+          <p:sp>
+            <p:nvSpPr>
+              <p:cNvPr id="72" name="椭圆 71">
+                <a:extLst>
+                  <a:ext uri="{FF2B5EF4-FFF2-40B4-BE49-F238E27FC236}">
+                    <a16:creationId xmlns:a16="http://schemas.microsoft.com/office/drawing/2014/main" id="{AECE818E-EABC-A41F-5867-FEA43E3BF518}"/>
+                  </a:ext>
+                </a:extLst>
+              </p:cNvPr>
+              <p:cNvSpPr/>
+              <p:nvPr/>
+            </p:nvSpPr>
+            <p:spPr>
+              <a:xfrm flipV="1">
+                <a:off x="5600932" y="2789165"/>
+                <a:ext cx="45720" cy="45720"/>
+              </a:xfrm>
+              <a:prstGeom prst="ellipse">
+                <a:avLst/>
+              </a:prstGeom>
+              <a:solidFill>
+                <a:srgbClr val="BAA1A1"/>
+              </a:solidFill>
+              <a:ln>
+                <a:noFill/>
+              </a:ln>
+            </p:spPr>
+            <p:style>
+              <a:lnRef idx="2">
+                <a:schemeClr val="accent1">
+                  <a:shade val="15000"/>
+                </a:schemeClr>
+              </a:lnRef>
+              <a:fillRef idx="1">
+                <a:schemeClr val="accent1"/>
+              </a:fillRef>
+              <a:effectRef idx="0">
+                <a:schemeClr val="accent1"/>
+              </a:effectRef>
+              <a:fontRef idx="minor">
+                <a:schemeClr val="lt1"/>
+              </a:fontRef>
+            </p:style>
+            <p:txBody>
+              <a:bodyPr rtlCol="0" anchor="ctr"/>
+              <a:lstStyle/>
+              <a:p>
+                <a:pPr algn="ctr"/>
+                <a:endParaRPr lang="zh-CN" altLang="en-US"/>
+              </a:p>
+            </p:txBody>
+          </p:sp>
+          <p:sp>
+            <p:nvSpPr>
+              <p:cNvPr id="73" name="椭圆 72">
+                <a:extLst>
+                  <a:ext uri="{FF2B5EF4-FFF2-40B4-BE49-F238E27FC236}">
+                    <a16:creationId xmlns:a16="http://schemas.microsoft.com/office/drawing/2014/main" id="{06E75DB2-A851-ACEA-984E-6E3C1146AA57}"/>
+                  </a:ext>
+                </a:extLst>
+              </p:cNvPr>
+              <p:cNvSpPr/>
+              <p:nvPr/>
+            </p:nvSpPr>
+            <p:spPr>
+              <a:xfrm flipV="1">
+                <a:off x="5883765" y="2713393"/>
+                <a:ext cx="45720" cy="45720"/>
+              </a:xfrm>
+              <a:prstGeom prst="ellipse">
+                <a:avLst/>
+              </a:prstGeom>
+              <a:solidFill>
+                <a:srgbClr val="BAA1A1"/>
+              </a:solidFill>
+              <a:ln>
+                <a:noFill/>
+              </a:ln>
+            </p:spPr>
+            <p:style>
+              <a:lnRef idx="2">
+                <a:schemeClr val="accent1">
+                  <a:shade val="15000"/>
+                </a:schemeClr>
+              </a:lnRef>
+              <a:fillRef idx="1">
+                <a:schemeClr val="accent1"/>
+              </a:fillRef>
+              <a:effectRef idx="0">
+                <a:schemeClr val="accent1"/>
+              </a:effectRef>
+              <a:fontRef idx="minor">
+                <a:schemeClr val="lt1"/>
+              </a:fontRef>
+            </p:style>
+            <p:txBody>
+              <a:bodyPr rtlCol="0" anchor="ctr"/>
+              <a:lstStyle/>
+              <a:p>
+                <a:pPr algn="ctr"/>
+                <a:endParaRPr lang="zh-CN" altLang="en-US"/>
+              </a:p>
+            </p:txBody>
+          </p:sp>
+          <p:sp>
+            <p:nvSpPr>
+              <p:cNvPr id="74" name="椭圆 73">
+                <a:extLst>
+                  <a:ext uri="{FF2B5EF4-FFF2-40B4-BE49-F238E27FC236}">
+                    <a16:creationId xmlns:a16="http://schemas.microsoft.com/office/drawing/2014/main" id="{46AF5962-C423-CF2D-6CDE-F086EC123FCD}"/>
+                  </a:ext>
+                </a:extLst>
+              </p:cNvPr>
+              <p:cNvSpPr/>
+              <p:nvPr/>
+            </p:nvSpPr>
+            <p:spPr>
+              <a:xfrm flipV="1">
+                <a:off x="5537352" y="2351605"/>
+                <a:ext cx="45720" cy="45720"/>
+              </a:xfrm>
+              <a:prstGeom prst="ellipse">
+                <a:avLst/>
+              </a:prstGeom>
+              <a:solidFill>
+                <a:srgbClr val="BAA1A1"/>
+              </a:solidFill>
+              <a:ln>
+                <a:noFill/>
+              </a:ln>
+            </p:spPr>
+            <p:style>
+              <a:lnRef idx="2">
+                <a:schemeClr val="accent1">
+                  <a:shade val="15000"/>
+                </a:schemeClr>
+              </a:lnRef>
+              <a:fillRef idx="1">
+                <a:schemeClr val="accent1"/>
+              </a:fillRef>
+              <a:effectRef idx="0">
+                <a:schemeClr val="accent1"/>
+              </a:effectRef>
+              <a:fontRef idx="minor">
+                <a:schemeClr val="lt1"/>
+              </a:fontRef>
+            </p:style>
+            <p:txBody>
+              <a:bodyPr rtlCol="0" anchor="ctr"/>
+              <a:lstStyle/>
+              <a:p>
+                <a:pPr algn="ctr"/>
+                <a:endParaRPr lang="zh-CN" altLang="en-US"/>
+              </a:p>
+            </p:txBody>
+          </p:sp>
+          <p:sp>
+            <p:nvSpPr>
+              <p:cNvPr id="75" name="椭圆 74">
+                <a:extLst>
+                  <a:ext uri="{FF2B5EF4-FFF2-40B4-BE49-F238E27FC236}">
+                    <a16:creationId xmlns:a16="http://schemas.microsoft.com/office/drawing/2014/main" id="{8757979A-9074-863B-C58D-43A0E434A493}"/>
+                  </a:ext>
+                </a:extLst>
+              </p:cNvPr>
+              <p:cNvSpPr/>
+              <p:nvPr/>
+            </p:nvSpPr>
+            <p:spPr>
+              <a:xfrm flipV="1">
+                <a:off x="5609729" y="2071340"/>
+                <a:ext cx="45720" cy="45720"/>
+              </a:xfrm>
+              <a:prstGeom prst="ellipse">
+                <a:avLst/>
+              </a:prstGeom>
+              <a:solidFill>
+                <a:srgbClr val="BAA1A1"/>
+              </a:solidFill>
+              <a:ln>
+                <a:noFill/>
+              </a:ln>
+            </p:spPr>
+            <p:style>
+              <a:lnRef idx="2">
+                <a:schemeClr val="accent1">
+                  <a:shade val="15000"/>
+                </a:schemeClr>
+              </a:lnRef>
+              <a:fillRef idx="1">
+                <a:schemeClr val="accent1"/>
+              </a:fillRef>
+              <a:effectRef idx="0">
+                <a:schemeClr val="accent1"/>
+              </a:effectRef>
+              <a:fontRef idx="minor">
+                <a:schemeClr val="lt1"/>
+              </a:fontRef>
+            </p:style>
+            <p:txBody>
+              <a:bodyPr rtlCol="0" anchor="ctr"/>
+              <a:lstStyle/>
+              <a:p>
+                <a:pPr algn="ctr"/>
+                <a:endParaRPr lang="zh-CN" altLang="en-US"/>
+              </a:p>
+            </p:txBody>
+          </p:sp>
+          <p:sp>
+            <p:nvSpPr>
+              <p:cNvPr id="76" name="椭圆 75">
+                <a:extLst>
+                  <a:ext uri="{FF2B5EF4-FFF2-40B4-BE49-F238E27FC236}">
+                    <a16:creationId xmlns:a16="http://schemas.microsoft.com/office/drawing/2014/main" id="{0EB71AB4-664C-94A9-AF0C-5AADB7776979}"/>
+                  </a:ext>
+                </a:extLst>
+              </p:cNvPr>
+              <p:cNvSpPr/>
+              <p:nvPr/>
+            </p:nvSpPr>
+            <p:spPr>
+              <a:xfrm flipV="1">
+                <a:off x="6022636" y="2227778"/>
+                <a:ext cx="45720" cy="45720"/>
+              </a:xfrm>
+              <a:prstGeom prst="ellipse">
+                <a:avLst/>
+              </a:prstGeom>
+              <a:solidFill>
+                <a:srgbClr val="BAA1A1"/>
+              </a:solidFill>
+              <a:ln>
+                <a:noFill/>
+              </a:ln>
+            </p:spPr>
+            <p:style>
+              <a:lnRef idx="2">
+                <a:schemeClr val="accent1">
+                  <a:shade val="15000"/>
+                </a:schemeClr>
+              </a:lnRef>
+              <a:fillRef idx="1">
+                <a:schemeClr val="accent1"/>
+              </a:fillRef>
+              <a:effectRef idx="0">
+                <a:schemeClr val="accent1"/>
+              </a:effectRef>
+              <a:fontRef idx="minor">
+                <a:schemeClr val="lt1"/>
+              </a:fontRef>
+            </p:style>
+            <p:txBody>
+              <a:bodyPr rtlCol="0" anchor="ctr"/>
+              <a:lstStyle/>
+              <a:p>
+                <a:pPr algn="ctr"/>
+                <a:endParaRPr lang="zh-CN" altLang="en-US"/>
+              </a:p>
+            </p:txBody>
+          </p:sp>
+          <p:sp>
+            <p:nvSpPr>
+              <p:cNvPr id="77" name="椭圆 76">
+                <a:extLst>
+                  <a:ext uri="{FF2B5EF4-FFF2-40B4-BE49-F238E27FC236}">
+                    <a16:creationId xmlns:a16="http://schemas.microsoft.com/office/drawing/2014/main" id="{70F2C80F-24A0-EAD7-64EC-01AD6D96B7EF}"/>
+                  </a:ext>
+                </a:extLst>
+              </p:cNvPr>
+              <p:cNvSpPr/>
+              <p:nvPr/>
+            </p:nvSpPr>
+            <p:spPr>
+              <a:xfrm flipV="1">
+                <a:off x="6228995" y="2433281"/>
+                <a:ext cx="45720" cy="45720"/>
+              </a:xfrm>
+              <a:prstGeom prst="ellipse">
+                <a:avLst/>
+              </a:prstGeom>
+              <a:solidFill>
+                <a:srgbClr val="BAA1A1"/>
+              </a:solidFill>
+              <a:ln>
+                <a:noFill/>
+              </a:ln>
+            </p:spPr>
+            <p:style>
+              <a:lnRef idx="2">
+                <a:schemeClr val="accent1">
+                  <a:shade val="15000"/>
+                </a:schemeClr>
+              </a:lnRef>
+              <a:fillRef idx="1">
+                <a:schemeClr val="accent1"/>
+              </a:fillRef>
+              <a:effectRef idx="0">
+                <a:schemeClr val="accent1"/>
+              </a:effectRef>
+              <a:fontRef idx="minor">
+                <a:schemeClr val="lt1"/>
+              </a:fontRef>
+            </p:style>
+            <p:txBody>
+              <a:bodyPr rtlCol="0" anchor="ctr"/>
+              <a:lstStyle/>
+              <a:p>
+                <a:pPr algn="ctr"/>
+                <a:endParaRPr lang="zh-CN" altLang="en-US"/>
+              </a:p>
+            </p:txBody>
+          </p:sp>
+          <p:sp>
+            <p:nvSpPr>
+              <p:cNvPr id="78" name="椭圆 77">
+                <a:extLst>
+                  <a:ext uri="{FF2B5EF4-FFF2-40B4-BE49-F238E27FC236}">
+                    <a16:creationId xmlns:a16="http://schemas.microsoft.com/office/drawing/2014/main" id="{A15AA920-2027-0392-DC26-22F629D01091}"/>
+                  </a:ext>
+                </a:extLst>
+              </p:cNvPr>
+              <p:cNvSpPr/>
+              <p:nvPr/>
+            </p:nvSpPr>
+            <p:spPr>
+              <a:xfrm flipV="1">
+                <a:off x="6311465" y="2955654"/>
+                <a:ext cx="45720" cy="45720"/>
+              </a:xfrm>
+              <a:prstGeom prst="ellipse">
+                <a:avLst/>
+              </a:prstGeom>
+              <a:solidFill>
+                <a:srgbClr val="BAA1A1"/>
+              </a:solidFill>
+              <a:ln>
+                <a:noFill/>
+              </a:ln>
+            </p:spPr>
+            <p:style>
+              <a:lnRef idx="2">
+                <a:schemeClr val="accent1">
+                  <a:shade val="15000"/>
+                </a:schemeClr>
+              </a:lnRef>
+              <a:fillRef idx="1">
+                <a:schemeClr val="accent1"/>
+              </a:fillRef>
+              <a:effectRef idx="0">
+                <a:schemeClr val="accent1"/>
+              </a:effectRef>
+              <a:fontRef idx="minor">
+                <a:schemeClr val="lt1"/>
+              </a:fontRef>
+            </p:style>
+            <p:txBody>
+              <a:bodyPr rtlCol="0" anchor="ctr"/>
+              <a:lstStyle/>
+              <a:p>
+                <a:pPr algn="ctr"/>
+                <a:endParaRPr lang="zh-CN" altLang="en-US"/>
+              </a:p>
+            </p:txBody>
+          </p:sp>
+          <p:sp>
+            <p:nvSpPr>
+              <p:cNvPr id="79" name="椭圆 78">
+                <a:extLst>
+                  <a:ext uri="{FF2B5EF4-FFF2-40B4-BE49-F238E27FC236}">
+                    <a16:creationId xmlns:a16="http://schemas.microsoft.com/office/drawing/2014/main" id="{470A0500-60AF-F338-F829-CA325AA3B4BF}"/>
+                  </a:ext>
+                </a:extLst>
+              </p:cNvPr>
+              <p:cNvSpPr/>
+              <p:nvPr/>
+            </p:nvSpPr>
+            <p:spPr>
+              <a:xfrm flipV="1">
+                <a:off x="6515128" y="3165845"/>
+                <a:ext cx="45720" cy="45720"/>
+              </a:xfrm>
+              <a:prstGeom prst="ellipse">
+                <a:avLst/>
+              </a:prstGeom>
+              <a:solidFill>
+                <a:srgbClr val="BAA1A1"/>
+              </a:solidFill>
+              <a:ln>
+                <a:noFill/>
+              </a:ln>
+            </p:spPr>
+            <p:style>
+              <a:lnRef idx="2">
+                <a:schemeClr val="accent1">
+                  <a:shade val="15000"/>
+                </a:schemeClr>
+              </a:lnRef>
+              <a:fillRef idx="1">
+                <a:schemeClr val="accent1"/>
+              </a:fillRef>
+              <a:effectRef idx="0">
+                <a:schemeClr val="accent1"/>
+              </a:effectRef>
+              <a:fontRef idx="minor">
+                <a:schemeClr val="lt1"/>
+              </a:fontRef>
+            </p:style>
+            <p:txBody>
+              <a:bodyPr rtlCol="0" anchor="ctr"/>
+              <a:lstStyle/>
+              <a:p>
+                <a:pPr algn="ctr"/>
+                <a:endParaRPr lang="zh-CN" altLang="en-US"/>
+              </a:p>
+            </p:txBody>
+          </p:sp>
+          <p:sp>
+            <p:nvSpPr>
+              <p:cNvPr id="80" name="椭圆 79">
+                <a:extLst>
+                  <a:ext uri="{FF2B5EF4-FFF2-40B4-BE49-F238E27FC236}">
+                    <a16:creationId xmlns:a16="http://schemas.microsoft.com/office/drawing/2014/main" id="{0F3E5EE5-7C73-1DFA-CA82-AC25A7C235B7}"/>
+                  </a:ext>
+                </a:extLst>
+              </p:cNvPr>
+              <p:cNvSpPr/>
+              <p:nvPr/>
+            </p:nvSpPr>
+            <p:spPr>
+              <a:xfrm flipV="1">
+                <a:off x="6658978" y="2677047"/>
+                <a:ext cx="45720" cy="45720"/>
+              </a:xfrm>
+              <a:prstGeom prst="ellipse">
+                <a:avLst/>
+              </a:prstGeom>
+              <a:solidFill>
+                <a:srgbClr val="BAA1A1"/>
+              </a:solidFill>
+              <a:ln>
+                <a:noFill/>
+              </a:ln>
+            </p:spPr>
+            <p:style>
+              <a:lnRef idx="2">
+                <a:schemeClr val="accent1">
+                  <a:shade val="15000"/>
+                </a:schemeClr>
+              </a:lnRef>
+              <a:fillRef idx="1">
+                <a:schemeClr val="accent1"/>
+              </a:fillRef>
+              <a:effectRef idx="0">
+                <a:schemeClr val="accent1"/>
+              </a:effectRef>
+              <a:fontRef idx="minor">
+                <a:schemeClr val="lt1"/>
+              </a:fontRef>
+            </p:style>
+            <p:txBody>
+              <a:bodyPr rtlCol="0" anchor="ctr"/>
+              <a:lstStyle/>
+              <a:p>
+                <a:pPr algn="ctr"/>
+                <a:endParaRPr lang="zh-CN" altLang="en-US"/>
+              </a:p>
+            </p:txBody>
+          </p:sp>
+          <p:sp>
+            <p:nvSpPr>
+              <p:cNvPr id="81" name="椭圆 80">
+                <a:extLst>
+                  <a:ext uri="{FF2B5EF4-FFF2-40B4-BE49-F238E27FC236}">
+                    <a16:creationId xmlns:a16="http://schemas.microsoft.com/office/drawing/2014/main" id="{CA511F4A-743E-51AE-4C35-E28F0779AF47}"/>
+                  </a:ext>
+                </a:extLst>
+              </p:cNvPr>
+              <p:cNvSpPr/>
+              <p:nvPr/>
+            </p:nvSpPr>
+            <p:spPr>
+              <a:xfrm flipV="1">
+                <a:off x="6939992" y="2604928"/>
+                <a:ext cx="45720" cy="45720"/>
+              </a:xfrm>
+              <a:prstGeom prst="ellipse">
+                <a:avLst/>
+              </a:prstGeom>
+              <a:solidFill>
+                <a:srgbClr val="BAA1A1"/>
+              </a:solidFill>
+              <a:ln>
+                <a:noFill/>
+              </a:ln>
+            </p:spPr>
+            <p:style>
+              <a:lnRef idx="2">
+                <a:schemeClr val="accent1">
+                  <a:shade val="15000"/>
+                </a:schemeClr>
+              </a:lnRef>
+              <a:fillRef idx="1">
+                <a:schemeClr val="accent1"/>
+              </a:fillRef>
+              <a:effectRef idx="0">
+                <a:schemeClr val="accent1"/>
+              </a:effectRef>
+              <a:fontRef idx="minor">
+                <a:schemeClr val="lt1"/>
+              </a:fontRef>
+            </p:style>
+            <p:txBody>
+              <a:bodyPr rtlCol="0" anchor="ctr"/>
+              <a:lstStyle/>
+              <a:p>
+                <a:pPr algn="ctr"/>
+                <a:endParaRPr lang="zh-CN" altLang="en-US"/>
+              </a:p>
+            </p:txBody>
+          </p:sp>
+          <p:sp>
+            <p:nvSpPr>
+              <p:cNvPr id="82" name="椭圆 81">
+                <a:extLst>
+                  <a:ext uri="{FF2B5EF4-FFF2-40B4-BE49-F238E27FC236}">
+                    <a16:creationId xmlns:a16="http://schemas.microsoft.com/office/drawing/2014/main" id="{15CFCE1F-D7DD-CFD2-B843-62C930D819A5}"/>
+                  </a:ext>
+                </a:extLst>
+              </p:cNvPr>
+              <p:cNvSpPr/>
+              <p:nvPr/>
+            </p:nvSpPr>
+            <p:spPr>
+              <a:xfrm flipV="1">
+                <a:off x="7010062" y="3040363"/>
+                <a:ext cx="45720" cy="45720"/>
+              </a:xfrm>
+              <a:prstGeom prst="ellipse">
+                <a:avLst/>
+              </a:prstGeom>
+              <a:solidFill>
+                <a:srgbClr val="BAA1A1"/>
+              </a:solidFill>
+              <a:ln>
+                <a:noFill/>
+              </a:ln>
+            </p:spPr>
+            <p:style>
+              <a:lnRef idx="2">
+                <a:schemeClr val="accent1">
+                  <a:shade val="15000"/>
+                </a:schemeClr>
+              </a:lnRef>
+              <a:fillRef idx="1">
+                <a:schemeClr val="accent1"/>
+              </a:fillRef>
+              <a:effectRef idx="0">
+                <a:schemeClr val="accent1"/>
+              </a:effectRef>
+              <a:fontRef idx="minor">
+                <a:schemeClr val="lt1"/>
+              </a:fontRef>
+            </p:style>
+            <p:txBody>
+              <a:bodyPr rtlCol="0" anchor="ctr"/>
+              <a:lstStyle/>
+              <a:p>
+                <a:pPr algn="ctr"/>
+                <a:endParaRPr lang="zh-CN" altLang="en-US"/>
+              </a:p>
+            </p:txBody>
+          </p:sp>
+          <p:sp>
+            <p:nvSpPr>
+              <p:cNvPr id="83" name="椭圆 82">
+                <a:extLst>
+                  <a:ext uri="{FF2B5EF4-FFF2-40B4-BE49-F238E27FC236}">
+                    <a16:creationId xmlns:a16="http://schemas.microsoft.com/office/drawing/2014/main" id="{7BA3E41C-1EDC-2756-676D-216BE9E227F5}"/>
+                  </a:ext>
+                </a:extLst>
+              </p:cNvPr>
+              <p:cNvSpPr/>
+              <p:nvPr/>
+            </p:nvSpPr>
+            <p:spPr>
+              <a:xfrm flipV="1">
+                <a:off x="6935557" y="3326560"/>
+                <a:ext cx="45720" cy="45720"/>
+              </a:xfrm>
+              <a:prstGeom prst="ellipse">
+                <a:avLst/>
+              </a:prstGeom>
+              <a:solidFill>
+                <a:srgbClr val="BAA1A1"/>
+              </a:solidFill>
+              <a:ln>
+                <a:noFill/>
+              </a:ln>
+            </p:spPr>
+            <p:style>
+              <a:lnRef idx="2">
+                <a:schemeClr val="accent1">
+                  <a:shade val="15000"/>
+                </a:schemeClr>
+              </a:lnRef>
+              <a:fillRef idx="1">
+                <a:schemeClr val="accent1"/>
+              </a:fillRef>
+              <a:effectRef idx="0">
+                <a:schemeClr val="accent1"/>
+              </a:effectRef>
+              <a:fontRef idx="minor">
+                <a:schemeClr val="lt1"/>
+              </a:fontRef>
+            </p:style>
+            <p:txBody>
+              <a:bodyPr rtlCol="0" anchor="ctr"/>
+              <a:lstStyle/>
+              <a:p>
+                <a:pPr algn="ctr"/>
+                <a:endParaRPr lang="zh-CN" altLang="en-US"/>
+              </a:p>
+            </p:txBody>
+          </p:sp>
+        </p:grpSp>
+        <p:sp>
+          <p:nvSpPr>
+            <p:cNvPr id="85" name="箭头: 右 84">
+              <a:extLst>
+                <a:ext uri="{FF2B5EF4-FFF2-40B4-BE49-F238E27FC236}">
+                  <a16:creationId xmlns:a16="http://schemas.microsoft.com/office/drawing/2014/main" id="{4BB5EAB2-4190-0E75-0C7A-C04B52491E26}"/>
+                </a:ext>
+              </a:extLst>
+            </p:cNvPr>
+            <p:cNvSpPr/>
+            <p:nvPr/>
+          </p:nvSpPr>
+          <p:spPr>
+            <a:xfrm flipV="1">
+              <a:off x="5040577" y="1782632"/>
+              <a:ext cx="431828" cy="205976"/>
+            </a:xfrm>
+            <a:prstGeom prst="rightArrow">
+              <a:avLst/>
+            </a:prstGeom>
+            <a:gradFill>
+              <a:gsLst>
+                <a:gs pos="0">
+                  <a:srgbClr val="BAA1A1"/>
+                </a:gs>
+                <a:gs pos="0">
+                  <a:schemeClr val="bg1"/>
+                </a:gs>
+                <a:gs pos="100000">
+                  <a:schemeClr val="accent1"/>
+                </a:gs>
+                <a:gs pos="98000">
+                  <a:schemeClr val="accent1"/>
+                </a:gs>
+              </a:gsLst>
+              <a:path path="shape">
+                <a:fillToRect l="50000" t="50000" r="50000" b="50000"/>
+              </a:path>
+            </a:gradFill>
+          </p:spPr>
+          <p:style>
+            <a:lnRef idx="2">
+              <a:schemeClr val="accent1">
+                <a:shade val="50000"/>
+              </a:schemeClr>
+            </a:lnRef>
+            <a:fillRef idx="1">
+              <a:schemeClr val="accent1"/>
+            </a:fillRef>
+            <a:effectRef idx="0">
+              <a:schemeClr val="accent1"/>
+            </a:effectRef>
+            <a:fontRef idx="minor">
+              <a:schemeClr val="lt1"/>
+            </a:fontRef>
+          </p:style>
+          <p:txBody>
+            <a:bodyPr rtlCol="0" anchor="ctr"/>
+            <a:lstStyle/>
+            <a:p>
+              <a:pPr algn="ctr"/>
+              <a:endParaRPr lang="zh-CN" altLang="en-US"/>
+            </a:p>
+          </p:txBody>
+        </p:sp>
+        <p:grpSp>
+          <p:nvGrpSpPr>
+            <p:cNvPr id="86" name="组合 85">
+              <a:extLst>
+                <a:ext uri="{FF2B5EF4-FFF2-40B4-BE49-F238E27FC236}">
+                  <a16:creationId xmlns:a16="http://schemas.microsoft.com/office/drawing/2014/main" id="{1A29BC63-4891-E1E1-E47B-C34829EEAAE6}"/>
+                </a:ext>
+              </a:extLst>
+            </p:cNvPr>
+            <p:cNvGrpSpPr/>
+            <p:nvPr/>
+          </p:nvGrpSpPr>
+          <p:grpSpPr>
+            <a:xfrm>
+              <a:off x="5221594" y="1100319"/>
+              <a:ext cx="2747434" cy="1581150"/>
+              <a:chOff x="5390929" y="2391837"/>
+              <a:chExt cx="2747434" cy="1581150"/>
+            </a:xfrm>
+          </p:grpSpPr>
+          <p:sp>
+            <p:nvSpPr>
+              <p:cNvPr id="87" name="椭圆 86">
+                <a:extLst>
+                  <a:ext uri="{FF2B5EF4-FFF2-40B4-BE49-F238E27FC236}">
+                    <a16:creationId xmlns:a16="http://schemas.microsoft.com/office/drawing/2014/main" id="{7885E833-B2D8-C8D1-1B05-5D4CD5FEF0F5}"/>
+                  </a:ext>
+                </a:extLst>
+              </p:cNvPr>
+              <p:cNvSpPr/>
+              <p:nvPr/>
+            </p:nvSpPr>
+            <p:spPr>
+              <a:xfrm>
+                <a:off x="6048067" y="2658532"/>
+                <a:ext cx="508000" cy="508000"/>
+              </a:xfrm>
+              <a:prstGeom prst="ellipse">
+                <a:avLst/>
+              </a:prstGeom>
+              <a:gradFill flip="none" rotWithShape="1">
+                <a:gsLst>
+                  <a:gs pos="0">
+                    <a:srgbClr val="BAA1A1"/>
+                  </a:gs>
+                  <a:gs pos="0">
+                    <a:schemeClr val="bg1"/>
+                  </a:gs>
+                  <a:gs pos="100000">
+                    <a:srgbClr val="885C41"/>
+                  </a:gs>
+                  <a:gs pos="100000">
+                    <a:srgbClr val="885C41"/>
+                  </a:gs>
+                </a:gsLst>
+                <a:path path="shape">
+                  <a:fillToRect l="50000" t="50000" r="50000" b="50000"/>
+                </a:path>
+                <a:tileRect/>
+              </a:gradFill>
+              <a:ln>
+                <a:noFill/>
+              </a:ln>
+            </p:spPr>
+            <p:style>
+              <a:lnRef idx="2">
+                <a:schemeClr val="accent1">
+                  <a:shade val="15000"/>
+                </a:schemeClr>
+              </a:lnRef>
+              <a:fillRef idx="1">
+                <a:schemeClr val="accent1"/>
+              </a:fillRef>
+              <a:effectRef idx="0">
+                <a:schemeClr val="accent1"/>
+              </a:effectRef>
+              <a:fontRef idx="minor">
+                <a:schemeClr val="lt1"/>
+              </a:fontRef>
+            </p:style>
+            <p:txBody>
+              <a:bodyPr rtlCol="0" anchor="ctr"/>
+              <a:lstStyle/>
+              <a:p>
+                <a:pPr algn="ctr"/>
+                <a:endParaRPr lang="zh-CN" altLang="en-US"/>
+              </a:p>
+            </p:txBody>
+          </p:sp>
+          <p:sp>
+            <p:nvSpPr>
+              <p:cNvPr id="88" name="椭圆 87">
+                <a:extLst>
+                  <a:ext uri="{FF2B5EF4-FFF2-40B4-BE49-F238E27FC236}">
+                    <a16:creationId xmlns:a16="http://schemas.microsoft.com/office/drawing/2014/main" id="{ACE868B8-D874-2FBD-F656-56E6FBA3B42A}"/>
+                  </a:ext>
+                </a:extLst>
+              </p:cNvPr>
+              <p:cNvSpPr/>
+              <p:nvPr/>
+            </p:nvSpPr>
+            <p:spPr>
+              <a:xfrm>
+                <a:off x="6962467" y="3191932"/>
+                <a:ext cx="508000" cy="508000"/>
+              </a:xfrm>
+              <a:prstGeom prst="ellipse">
+                <a:avLst/>
+              </a:prstGeom>
+              <a:gradFill flip="none" rotWithShape="1">
+                <a:gsLst>
+                  <a:gs pos="0">
+                    <a:srgbClr val="BAA1A1"/>
+                  </a:gs>
+                  <a:gs pos="0">
+                    <a:schemeClr val="bg1"/>
+                  </a:gs>
+                  <a:gs pos="100000">
+                    <a:srgbClr val="885C41"/>
+                  </a:gs>
+                  <a:gs pos="100000">
+                    <a:srgbClr val="885C41"/>
+                  </a:gs>
+                </a:gsLst>
+                <a:path path="shape">
+                  <a:fillToRect l="50000" t="50000" r="50000" b="50000"/>
+                </a:path>
+                <a:tileRect/>
+              </a:gradFill>
+              <a:ln>
+                <a:noFill/>
+              </a:ln>
+            </p:spPr>
+            <p:style>
+              <a:lnRef idx="2">
+                <a:schemeClr val="accent1">
+                  <a:shade val="15000"/>
+                </a:schemeClr>
+              </a:lnRef>
+              <a:fillRef idx="1">
+                <a:schemeClr val="accent1"/>
+              </a:fillRef>
+              <a:effectRef idx="0">
+                <a:schemeClr val="accent1"/>
+              </a:effectRef>
+              <a:fontRef idx="minor">
+                <a:schemeClr val="lt1"/>
+              </a:fontRef>
+            </p:style>
+            <p:txBody>
+              <a:bodyPr rtlCol="0" anchor="ctr"/>
+              <a:lstStyle/>
+              <a:p>
+                <a:pPr algn="ctr"/>
+                <a:endParaRPr lang="zh-CN" altLang="en-US"/>
+              </a:p>
+            </p:txBody>
+          </p:sp>
+          <p:sp>
+            <p:nvSpPr>
+              <p:cNvPr id="89" name="平行四边形 88">
+                <a:extLst>
+                  <a:ext uri="{FF2B5EF4-FFF2-40B4-BE49-F238E27FC236}">
+                    <a16:creationId xmlns:a16="http://schemas.microsoft.com/office/drawing/2014/main" id="{EEB8D7E4-4179-D4A7-0170-A67F16377580}"/>
+                  </a:ext>
+                </a:extLst>
+              </p:cNvPr>
+              <p:cNvSpPr/>
+              <p:nvPr/>
+            </p:nvSpPr>
+            <p:spPr>
+              <a:xfrm flipV="1">
+                <a:off x="5390929" y="2391837"/>
+                <a:ext cx="2747434" cy="1581150"/>
+              </a:xfrm>
+              <a:prstGeom prst="parallelogram">
+                <a:avLst>
+                  <a:gd name="adj" fmla="val 58467"/>
+                </a:avLst>
+              </a:prstGeom>
+              <a:noFill/>
+              <a:ln>
+                <a:solidFill>
+                  <a:schemeClr val="bg2">
+                    <a:lumMod val="75000"/>
+                  </a:schemeClr>
+                </a:solidFill>
+                <a:prstDash val="lgDash"/>
+              </a:ln>
+            </p:spPr>
+            <p:style>
+              <a:lnRef idx="2">
+                <a:schemeClr val="accent1">
+                  <a:shade val="15000"/>
+                </a:schemeClr>
+              </a:lnRef>
+              <a:fillRef idx="1">
+                <a:schemeClr val="accent1"/>
+              </a:fillRef>
+              <a:effectRef idx="0">
+                <a:schemeClr val="accent1"/>
+              </a:effectRef>
+              <a:fontRef idx="minor">
+                <a:schemeClr val="lt1"/>
+              </a:fontRef>
+            </p:style>
+            <p:txBody>
+              <a:bodyPr rtlCol="0" anchor="ctr"/>
+              <a:lstStyle/>
+              <a:p>
+                <a:pPr algn="ctr"/>
+                <a:endParaRPr lang="zh-CN" altLang="en-US" dirty="0"/>
+              </a:p>
+            </p:txBody>
+          </p:sp>
+        </p:grpSp>
+        <p:sp>
+          <p:nvSpPr>
+            <p:cNvPr id="91" name="椭圆 90">
+              <a:extLst>
+                <a:ext uri="{FF2B5EF4-FFF2-40B4-BE49-F238E27FC236}">
+                  <a16:creationId xmlns:a16="http://schemas.microsoft.com/office/drawing/2014/main" id="{E21DE3C2-B4AC-4A80-1283-6D9538A59A70}"/>
+                </a:ext>
+              </a:extLst>
+            </p:cNvPr>
+            <p:cNvSpPr/>
+            <p:nvPr/>
+          </p:nvSpPr>
+          <p:spPr>
+            <a:xfrm>
+              <a:off x="2916800" y="1089771"/>
+              <a:ext cx="1061092" cy="1061092"/>
+            </a:xfrm>
+            <a:prstGeom prst="ellipse">
+              <a:avLst/>
+            </a:prstGeom>
+            <a:noFill/>
+            <a:ln>
+              <a:solidFill>
+                <a:schemeClr val="tx1"/>
+              </a:solidFill>
+            </a:ln>
+          </p:spPr>
+          <p:style>
+            <a:lnRef idx="2">
+              <a:schemeClr val="accent1">
+                <a:shade val="15000"/>
+              </a:schemeClr>
+            </a:lnRef>
+            <a:fillRef idx="1">
+              <a:schemeClr val="accent1"/>
+            </a:fillRef>
+            <a:effectRef idx="0">
+              <a:schemeClr val="accent1"/>
+            </a:effectRef>
+            <a:fontRef idx="minor">
+              <a:schemeClr val="lt1"/>
+            </a:fontRef>
+          </p:style>
+          <p:txBody>
+            <a:bodyPr rtlCol="0" anchor="ctr"/>
+            <a:lstStyle/>
+            <a:p>
+              <a:pPr algn="ctr"/>
+              <a:endParaRPr lang="zh-CN" altLang="en-US"/>
+            </a:p>
+          </p:txBody>
+        </p:sp>
+        <p:sp>
+          <p:nvSpPr>
+            <p:cNvPr id="92" name="椭圆 91">
+              <a:extLst>
+                <a:ext uri="{FF2B5EF4-FFF2-40B4-BE49-F238E27FC236}">
+                  <a16:creationId xmlns:a16="http://schemas.microsoft.com/office/drawing/2014/main" id="{5D2C1400-7C9A-6350-D362-D2238846E1DE}"/>
+                </a:ext>
+              </a:extLst>
+            </p:cNvPr>
+            <p:cNvSpPr/>
+            <p:nvPr/>
+          </p:nvSpPr>
+          <p:spPr>
+            <a:xfrm>
+              <a:off x="3844756" y="1620317"/>
+              <a:ext cx="1061092" cy="1061092"/>
+            </a:xfrm>
+            <a:prstGeom prst="ellipse">
+              <a:avLst/>
+            </a:prstGeom>
+            <a:noFill/>
+            <a:ln>
+              <a:solidFill>
+                <a:schemeClr val="tx1"/>
+              </a:solidFill>
+            </a:ln>
+          </p:spPr>
+          <p:style>
+            <a:lnRef idx="2">
+              <a:schemeClr val="accent1">
+                <a:shade val="15000"/>
+              </a:schemeClr>
+            </a:lnRef>
+            <a:fillRef idx="1">
+              <a:schemeClr val="accent1"/>
+            </a:fillRef>
+            <a:effectRef idx="0">
+              <a:schemeClr val="accent1"/>
+            </a:effectRef>
+            <a:fontRef idx="minor">
+              <a:schemeClr val="lt1"/>
+            </a:fontRef>
+          </p:style>
+          <p:txBody>
+            <a:bodyPr rtlCol="0" anchor="ctr"/>
+            <a:lstStyle/>
+            <a:p>
+              <a:pPr algn="ctr"/>
+              <a:endParaRPr lang="zh-CN" altLang="en-US"/>
+            </a:p>
+          </p:txBody>
+        </p:sp>
+        <p:sp>
+          <p:nvSpPr>
+            <p:cNvPr id="96" name="矩形: 圆角 95">
+              <a:extLst>
+                <a:ext uri="{FF2B5EF4-FFF2-40B4-BE49-F238E27FC236}">
+                  <a16:creationId xmlns:a16="http://schemas.microsoft.com/office/drawing/2014/main" id="{4743D459-F54D-D302-4A9A-1BBDEB82465C}"/>
+                </a:ext>
+              </a:extLst>
+            </p:cNvPr>
+            <p:cNvSpPr/>
+            <p:nvPr/>
+          </p:nvSpPr>
+          <p:spPr>
+            <a:xfrm>
+              <a:off x="8248649" y="810683"/>
+              <a:ext cx="711200" cy="2152650"/>
+            </a:xfrm>
+            <a:prstGeom prst="roundRect">
+              <a:avLst>
+                <a:gd name="adj" fmla="val 26488"/>
+              </a:avLst>
+            </a:prstGeom>
+            <a:solidFill>
+              <a:schemeClr val="accent4">
+                <a:lumMod val="60000"/>
+                <a:lumOff val="40000"/>
+              </a:schemeClr>
+            </a:solidFill>
+            <a:ln>
+              <a:noFill/>
+            </a:ln>
+          </p:spPr>
+          <p:style>
+            <a:lnRef idx="2">
+              <a:schemeClr val="accent1">
+                <a:shade val="15000"/>
+              </a:schemeClr>
+            </a:lnRef>
+            <a:fillRef idx="1">
+              <a:schemeClr val="accent1"/>
+            </a:fillRef>
+            <a:effectRef idx="0">
+              <a:schemeClr val="accent1"/>
+            </a:effectRef>
+            <a:fontRef idx="minor">
+              <a:schemeClr val="lt1"/>
+            </a:fontRef>
+          </p:style>
+          <p:txBody>
+            <a:bodyPr rtlCol="0" anchor="ctr"/>
+            <a:lstStyle/>
+            <a:p>
+              <a:pPr algn="ctr"/>
+              <a:r>
+                <a:rPr lang="zh-CN" altLang="en-US" sz="2000" dirty="0">
+                  <a:solidFill>
+                    <a:schemeClr val="tx1"/>
+                  </a:solidFill>
+                  <a:latin typeface="宋体" panose="02010600030101010101" pitchFamily="2" charset="-122"/>
+                  <a:ea typeface="宋体" panose="02010600030101010101" pitchFamily="2" charset="-122"/>
+                </a:rPr>
+                <a:t>拓扑</a:t>
+              </a:r>
+            </a:p>
+          </p:txBody>
+        </p:sp>
+        <p:sp>
+          <p:nvSpPr>
+            <p:cNvPr id="97" name="箭头: 右 96">
+              <a:extLst>
+                <a:ext uri="{FF2B5EF4-FFF2-40B4-BE49-F238E27FC236}">
+                  <a16:creationId xmlns:a16="http://schemas.microsoft.com/office/drawing/2014/main" id="{41E189F3-4E02-F5C1-2321-00D40B6B26DD}"/>
+                </a:ext>
+              </a:extLst>
+            </p:cNvPr>
+            <p:cNvSpPr/>
+            <p:nvPr/>
+          </p:nvSpPr>
+          <p:spPr>
+            <a:xfrm flipV="1">
+              <a:off x="7686660" y="1782632"/>
+              <a:ext cx="431828" cy="205976"/>
+            </a:xfrm>
+            <a:prstGeom prst="rightArrow">
+              <a:avLst/>
+            </a:prstGeom>
+          </p:spPr>
+          <p:style>
+            <a:lnRef idx="2">
+              <a:schemeClr val="accent1">
+                <a:shade val="50000"/>
+              </a:schemeClr>
+            </a:lnRef>
+            <a:fillRef idx="1">
+              <a:schemeClr val="accent1"/>
+            </a:fillRef>
+            <a:effectRef idx="0">
+              <a:schemeClr val="accent1"/>
+            </a:effectRef>
+            <a:fontRef idx="minor">
+              <a:schemeClr val="lt1"/>
+            </a:fontRef>
+          </p:style>
+          <p:txBody>
+            <a:bodyPr rtlCol="0" anchor="ctr"/>
+            <a:lstStyle/>
+            <a:p>
+              <a:pPr algn="ctr"/>
+              <a:endParaRPr lang="zh-CN" altLang="en-US"/>
+            </a:p>
+          </p:txBody>
+        </p:sp>
+        <p:sp>
+          <p:nvSpPr>
+            <p:cNvPr id="98" name="矩形: 圆角 97">
+              <a:extLst>
+                <a:ext uri="{FF2B5EF4-FFF2-40B4-BE49-F238E27FC236}">
+                  <a16:creationId xmlns:a16="http://schemas.microsoft.com/office/drawing/2014/main" id="{164CB114-ACCF-CC00-3045-3A5F1288B7E0}"/>
+                </a:ext>
+              </a:extLst>
+            </p:cNvPr>
+            <p:cNvSpPr/>
+            <p:nvPr/>
+          </p:nvSpPr>
+          <p:spPr>
+            <a:xfrm>
+              <a:off x="9671052" y="810682"/>
+              <a:ext cx="711200" cy="2152650"/>
+            </a:xfrm>
+            <a:prstGeom prst="roundRect">
+              <a:avLst>
+                <a:gd name="adj" fmla="val 26488"/>
+              </a:avLst>
+            </a:prstGeom>
+            <a:solidFill>
+              <a:schemeClr val="accent4">
+                <a:lumMod val="60000"/>
+                <a:lumOff val="40000"/>
+              </a:schemeClr>
+            </a:solidFill>
+            <a:ln>
+              <a:noFill/>
+            </a:ln>
+          </p:spPr>
+          <p:style>
+            <a:lnRef idx="2">
+              <a:schemeClr val="accent1">
+                <a:shade val="15000"/>
+              </a:schemeClr>
+            </a:lnRef>
+            <a:fillRef idx="1">
+              <a:schemeClr val="accent1"/>
+            </a:fillRef>
+            <a:effectRef idx="0">
+              <a:schemeClr val="accent1"/>
+            </a:effectRef>
+            <a:fontRef idx="minor">
+              <a:schemeClr val="lt1"/>
+            </a:fontRef>
+          </p:style>
+          <p:txBody>
+            <a:bodyPr rtlCol="0" anchor="ctr"/>
+            <a:lstStyle/>
+            <a:p>
+              <a:pPr algn="ctr"/>
+              <a:r>
+                <a:rPr lang="zh-CN" altLang="en-US" sz="2000" dirty="0">
+                  <a:solidFill>
+                    <a:schemeClr val="tx1"/>
+                  </a:solidFill>
+                  <a:latin typeface="宋体" panose="02010600030101010101" pitchFamily="2" charset="-122"/>
+                  <a:ea typeface="宋体" panose="02010600030101010101" pitchFamily="2" charset="-122"/>
+                </a:rPr>
+                <a:t>拓扑图网络</a:t>
+              </a:r>
+            </a:p>
+          </p:txBody>
+        </p:sp>
+        <p:sp>
+          <p:nvSpPr>
+            <p:cNvPr id="99" name="箭头: 右 98">
+              <a:extLst>
+                <a:ext uri="{FF2B5EF4-FFF2-40B4-BE49-F238E27FC236}">
+                  <a16:creationId xmlns:a16="http://schemas.microsoft.com/office/drawing/2014/main" id="{005977B8-F80E-0AB7-5277-AA4DA6CA5BE4}"/>
+                </a:ext>
+              </a:extLst>
+            </p:cNvPr>
+            <p:cNvSpPr/>
+            <p:nvPr/>
+          </p:nvSpPr>
+          <p:spPr>
+            <a:xfrm flipV="1">
+              <a:off x="9083662" y="1782629"/>
+              <a:ext cx="431828" cy="205976"/>
+            </a:xfrm>
+            <a:prstGeom prst="rightArrow">
+              <a:avLst/>
+            </a:prstGeom>
+          </p:spPr>
+          <p:style>
+            <a:lnRef idx="2">
+              <a:schemeClr val="accent1">
+                <a:shade val="50000"/>
+              </a:schemeClr>
+            </a:lnRef>
+            <a:fillRef idx="1">
+              <a:schemeClr val="accent1"/>
+            </a:fillRef>
+            <a:effectRef idx="0">
+              <a:schemeClr val="accent1"/>
+            </a:effectRef>
+            <a:fontRef idx="minor">
+              <a:schemeClr val="lt1"/>
+            </a:fontRef>
+          </p:style>
+          <p:txBody>
+            <a:bodyPr rtlCol="0" anchor="ctr"/>
+            <a:lstStyle/>
+            <a:p>
+              <a:pPr algn="ctr"/>
+              <a:endParaRPr lang="zh-CN" altLang="en-US"/>
+            </a:p>
+          </p:txBody>
+        </p:sp>
+        <p:sp>
+          <p:nvSpPr>
+            <p:cNvPr id="100" name="箭头: 右 99">
+              <a:extLst>
+                <a:ext uri="{FF2B5EF4-FFF2-40B4-BE49-F238E27FC236}">
+                  <a16:creationId xmlns:a16="http://schemas.microsoft.com/office/drawing/2014/main" id="{329BB91B-93CA-5941-2F87-9F0095D1CE38}"/>
+                </a:ext>
+              </a:extLst>
+            </p:cNvPr>
+            <p:cNvSpPr/>
+            <p:nvPr/>
+          </p:nvSpPr>
+          <p:spPr>
+            <a:xfrm flipV="1">
+              <a:off x="10556863" y="1782628"/>
+              <a:ext cx="431828" cy="205976"/>
+            </a:xfrm>
+            <a:prstGeom prst="rightArrow">
+              <a:avLst/>
+            </a:prstGeom>
+          </p:spPr>
+          <p:style>
+            <a:lnRef idx="2">
+              <a:schemeClr val="accent1">
+                <a:shade val="50000"/>
+              </a:schemeClr>
+            </a:lnRef>
+            <a:fillRef idx="1">
+              <a:schemeClr val="accent1"/>
+            </a:fillRef>
+            <a:effectRef idx="0">
+              <a:schemeClr val="accent1"/>
+            </a:effectRef>
+            <a:fontRef idx="minor">
+              <a:schemeClr val="lt1"/>
+            </a:fontRef>
+          </p:style>
+          <p:txBody>
+            <a:bodyPr rtlCol="0" anchor="ctr"/>
+            <a:lstStyle/>
+            <a:p>
+              <a:pPr algn="ctr"/>
+              <a:endParaRPr lang="zh-CN" altLang="en-US"/>
+            </a:p>
+          </p:txBody>
+        </p:sp>
+        <p:sp>
+          <p:nvSpPr>
+            <p:cNvPr id="101" name="矩形 100">
+              <a:extLst>
+                <a:ext uri="{FF2B5EF4-FFF2-40B4-BE49-F238E27FC236}">
+                  <a16:creationId xmlns:a16="http://schemas.microsoft.com/office/drawing/2014/main" id="{74978CD2-3124-355C-39B1-F362BB0629EE}"/>
+                </a:ext>
+              </a:extLst>
+            </p:cNvPr>
+            <p:cNvSpPr/>
+            <p:nvPr/>
+          </p:nvSpPr>
+          <p:spPr>
+            <a:xfrm flipH="1">
+              <a:off x="11276920" y="1298573"/>
+              <a:ext cx="190468" cy="190468"/>
+            </a:xfrm>
+            <a:prstGeom prst="rect">
+              <a:avLst/>
+            </a:prstGeom>
+            <a:solidFill>
+              <a:srgbClr val="FF0000"/>
+            </a:solidFill>
+            <a:ln>
+              <a:noFill/>
+            </a:ln>
+          </p:spPr>
+          <p:style>
+            <a:lnRef idx="2">
+              <a:schemeClr val="accent1">
+                <a:shade val="15000"/>
+              </a:schemeClr>
+            </a:lnRef>
+            <a:fillRef idx="1">
+              <a:schemeClr val="accent1"/>
+            </a:fillRef>
+            <a:effectRef idx="0">
+              <a:schemeClr val="accent1"/>
+            </a:effectRef>
+            <a:fontRef idx="minor">
+              <a:schemeClr val="lt1"/>
+            </a:fontRef>
+          </p:style>
+          <p:txBody>
+            <a:bodyPr rtlCol="0" anchor="ctr"/>
+            <a:lstStyle/>
+            <a:p>
+              <a:pPr algn="ctr"/>
+              <a:endParaRPr lang="zh-CN" altLang="en-US"/>
+            </a:p>
+          </p:txBody>
+        </p:sp>
+        <p:sp>
+          <p:nvSpPr>
+            <p:cNvPr id="102" name="矩形 101">
+              <a:extLst>
+                <a:ext uri="{FF2B5EF4-FFF2-40B4-BE49-F238E27FC236}">
+                  <a16:creationId xmlns:a16="http://schemas.microsoft.com/office/drawing/2014/main" id="{4F43DA06-C393-12C9-4EAB-17FA0482E8C7}"/>
+                </a:ext>
+              </a:extLst>
+            </p:cNvPr>
+            <p:cNvSpPr/>
+            <p:nvPr/>
+          </p:nvSpPr>
+          <p:spPr>
+            <a:xfrm flipH="1">
+              <a:off x="11276920" y="1489042"/>
+              <a:ext cx="190468" cy="190468"/>
+            </a:xfrm>
+            <a:prstGeom prst="rect">
+              <a:avLst/>
+            </a:prstGeom>
+            <a:solidFill>
+              <a:srgbClr val="FFC000"/>
+            </a:solidFill>
+            <a:ln>
+              <a:noFill/>
+            </a:ln>
+          </p:spPr>
+          <p:style>
+            <a:lnRef idx="2">
+              <a:schemeClr val="accent1">
+                <a:shade val="15000"/>
+              </a:schemeClr>
+            </a:lnRef>
+            <a:fillRef idx="1">
+              <a:schemeClr val="accent1"/>
+            </a:fillRef>
+            <a:effectRef idx="0">
+              <a:schemeClr val="accent1"/>
+            </a:effectRef>
+            <a:fontRef idx="minor">
+              <a:schemeClr val="lt1"/>
+            </a:fontRef>
+          </p:style>
+          <p:txBody>
+            <a:bodyPr rtlCol="0" anchor="ctr"/>
+            <a:lstStyle/>
+            <a:p>
+              <a:pPr algn="ctr"/>
+              <a:endParaRPr lang="zh-CN" altLang="en-US"/>
+            </a:p>
+          </p:txBody>
+        </p:sp>
+        <p:sp>
+          <p:nvSpPr>
+            <p:cNvPr id="103" name="矩形 102">
+              <a:extLst>
+                <a:ext uri="{FF2B5EF4-FFF2-40B4-BE49-F238E27FC236}">
+                  <a16:creationId xmlns:a16="http://schemas.microsoft.com/office/drawing/2014/main" id="{B3AEAE4D-2109-3051-06DB-445241049AC2}"/>
+                </a:ext>
+              </a:extLst>
+            </p:cNvPr>
+            <p:cNvSpPr/>
+            <p:nvPr/>
+          </p:nvSpPr>
+          <p:spPr>
+            <a:xfrm flipH="1">
+              <a:off x="11276913" y="1679546"/>
+              <a:ext cx="190468" cy="190468"/>
+            </a:xfrm>
+            <a:prstGeom prst="rect">
+              <a:avLst/>
+            </a:prstGeom>
+            <a:solidFill>
+              <a:srgbClr val="FFFF00"/>
+            </a:solidFill>
+            <a:ln>
+              <a:noFill/>
+            </a:ln>
+          </p:spPr>
+          <p:style>
+            <a:lnRef idx="2">
+              <a:schemeClr val="accent1">
+                <a:shade val="15000"/>
+              </a:schemeClr>
+            </a:lnRef>
+            <a:fillRef idx="1">
+              <a:schemeClr val="accent1"/>
+            </a:fillRef>
+            <a:effectRef idx="0">
+              <a:schemeClr val="accent1"/>
+            </a:effectRef>
+            <a:fontRef idx="minor">
+              <a:schemeClr val="lt1"/>
+            </a:fontRef>
+          </p:style>
+          <p:txBody>
+            <a:bodyPr rtlCol="0" anchor="ctr"/>
+            <a:lstStyle/>
+            <a:p>
+              <a:pPr algn="ctr"/>
+              <a:endParaRPr lang="zh-CN" altLang="en-US"/>
+            </a:p>
+          </p:txBody>
+        </p:sp>
+        <p:sp>
+          <p:nvSpPr>
+            <p:cNvPr id="104" name="矩形 103">
+              <a:extLst>
+                <a:ext uri="{FF2B5EF4-FFF2-40B4-BE49-F238E27FC236}">
+                  <a16:creationId xmlns:a16="http://schemas.microsoft.com/office/drawing/2014/main" id="{CB170701-82E1-B314-97E5-DA0F7265ED7B}"/>
+                </a:ext>
+              </a:extLst>
+            </p:cNvPr>
+            <p:cNvSpPr/>
+            <p:nvPr/>
+          </p:nvSpPr>
+          <p:spPr>
+            <a:xfrm flipH="1">
+              <a:off x="11276913" y="1870094"/>
+              <a:ext cx="190468" cy="190468"/>
+            </a:xfrm>
+            <a:prstGeom prst="rect">
+              <a:avLst/>
+            </a:prstGeom>
+            <a:solidFill>
+              <a:srgbClr val="92D050"/>
+            </a:solidFill>
+            <a:ln>
+              <a:noFill/>
+            </a:ln>
+          </p:spPr>
+          <p:style>
+            <a:lnRef idx="2">
+              <a:schemeClr val="accent1">
+                <a:shade val="15000"/>
+              </a:schemeClr>
+            </a:lnRef>
+            <a:fillRef idx="1">
+              <a:schemeClr val="accent1"/>
+            </a:fillRef>
+            <a:effectRef idx="0">
+              <a:schemeClr val="accent1"/>
+            </a:effectRef>
+            <a:fontRef idx="minor">
+              <a:schemeClr val="lt1"/>
+            </a:fontRef>
+          </p:style>
+          <p:txBody>
+            <a:bodyPr rtlCol="0" anchor="ctr"/>
+            <a:lstStyle/>
+            <a:p>
+              <a:pPr algn="ctr"/>
+              <a:endParaRPr lang="zh-CN" altLang="en-US"/>
+            </a:p>
+          </p:txBody>
+        </p:sp>
+        <p:sp>
+          <p:nvSpPr>
+            <p:cNvPr id="105" name="矩形 104">
+              <a:extLst>
+                <a:ext uri="{FF2B5EF4-FFF2-40B4-BE49-F238E27FC236}">
+                  <a16:creationId xmlns:a16="http://schemas.microsoft.com/office/drawing/2014/main" id="{C30A56F7-02B3-2D16-8B46-1F3351027E29}"/>
+                </a:ext>
+              </a:extLst>
+            </p:cNvPr>
+            <p:cNvSpPr/>
+            <p:nvPr/>
+          </p:nvSpPr>
+          <p:spPr>
+            <a:xfrm flipH="1">
+              <a:off x="11276913" y="2060563"/>
+              <a:ext cx="190468" cy="190468"/>
+            </a:xfrm>
+            <a:prstGeom prst="rect">
+              <a:avLst/>
+            </a:prstGeom>
+            <a:solidFill>
+              <a:srgbClr val="00B050"/>
+            </a:solidFill>
+            <a:ln>
+              <a:noFill/>
+            </a:ln>
+          </p:spPr>
+          <p:style>
+            <a:lnRef idx="2">
+              <a:schemeClr val="accent1">
+                <a:shade val="15000"/>
+              </a:schemeClr>
+            </a:lnRef>
+            <a:fillRef idx="1">
+              <a:schemeClr val="accent1"/>
+            </a:fillRef>
+            <a:effectRef idx="0">
+              <a:schemeClr val="accent1"/>
+            </a:effectRef>
+            <a:fontRef idx="minor">
+              <a:schemeClr val="lt1"/>
+            </a:fontRef>
+          </p:style>
+          <p:txBody>
+            <a:bodyPr rtlCol="0" anchor="ctr"/>
+            <a:lstStyle/>
+            <a:p>
+              <a:pPr algn="ctr"/>
+              <a:endParaRPr lang="zh-CN" altLang="en-US"/>
+            </a:p>
+          </p:txBody>
+        </p:sp>
+        <p:sp>
+          <p:nvSpPr>
+            <p:cNvPr id="106" name="矩形 105">
+              <a:extLst>
+                <a:ext uri="{FF2B5EF4-FFF2-40B4-BE49-F238E27FC236}">
+                  <a16:creationId xmlns:a16="http://schemas.microsoft.com/office/drawing/2014/main" id="{134AA015-496D-5D94-750C-F4FF0D121EB5}"/>
+                </a:ext>
+              </a:extLst>
+            </p:cNvPr>
+            <p:cNvSpPr/>
+            <p:nvPr/>
+          </p:nvSpPr>
+          <p:spPr>
+            <a:xfrm flipH="1">
+              <a:off x="11276906" y="2251067"/>
+              <a:ext cx="190468" cy="190468"/>
+            </a:xfrm>
+            <a:prstGeom prst="rect">
+              <a:avLst/>
+            </a:prstGeom>
+            <a:solidFill>
+              <a:srgbClr val="00B0F0"/>
+            </a:solidFill>
+            <a:ln>
+              <a:noFill/>
+            </a:ln>
+          </p:spPr>
+          <p:style>
+            <a:lnRef idx="2">
+              <a:schemeClr val="accent1">
+                <a:shade val="15000"/>
+              </a:schemeClr>
+            </a:lnRef>
+            <a:fillRef idx="1">
+              <a:schemeClr val="accent1"/>
+            </a:fillRef>
+            <a:effectRef idx="0">
+              <a:schemeClr val="accent1"/>
+            </a:effectRef>
+            <a:fontRef idx="minor">
+              <a:schemeClr val="lt1"/>
+            </a:fontRef>
+          </p:style>
+          <p:txBody>
+            <a:bodyPr rtlCol="0" anchor="ctr"/>
+            <a:lstStyle/>
+            <a:p>
+              <a:pPr algn="ctr"/>
+              <a:endParaRPr lang="zh-CN" altLang="en-US"/>
+            </a:p>
+          </p:txBody>
+        </p:sp>
+        <p:sp>
+          <p:nvSpPr>
+            <p:cNvPr id="109" name="文本框 108">
+              <a:extLst>
+                <a:ext uri="{FF2B5EF4-FFF2-40B4-BE49-F238E27FC236}">
+                  <a16:creationId xmlns:a16="http://schemas.microsoft.com/office/drawing/2014/main" id="{64B63FCF-7829-0ED2-5266-CA96F00F60A8}"/>
+                </a:ext>
+              </a:extLst>
+            </p:cNvPr>
+            <p:cNvSpPr txBox="1"/>
+            <p:nvPr/>
+          </p:nvSpPr>
+          <p:spPr>
+            <a:xfrm>
+              <a:off x="4880511" y="1426817"/>
+              <a:ext cx="667604" cy="369332"/>
+            </a:xfrm>
+            <a:prstGeom prst="rect">
+              <a:avLst/>
+            </a:prstGeom>
+            <a:noFill/>
+          </p:spPr>
+          <p:txBody>
+            <a:bodyPr wrap="square" rtlCol="0">
+              <a:spAutoFit/>
+            </a:bodyPr>
+            <a:lstStyle/>
+            <a:p>
+              <a:r>
+                <a:rPr lang="zh-CN" altLang="en-US" dirty="0">
+                  <a:latin typeface="Times New Roman" panose="02020603050405020304" pitchFamily="18" charset="0"/>
+                  <a:ea typeface="宋体" panose="02010600030101010101" pitchFamily="2" charset="-122"/>
+                  <a:cs typeface="Times New Roman" panose="02020603050405020304" pitchFamily="18" charset="0"/>
+                </a:rPr>
+                <a:t>池化</a:t>
+              </a:r>
+            </a:p>
+          </p:txBody>
+        </p:sp>
+        <p:sp>
+          <p:nvSpPr>
+            <p:cNvPr id="113" name="文本框 112">
+              <a:extLst>
+                <a:ext uri="{FF2B5EF4-FFF2-40B4-BE49-F238E27FC236}">
+                  <a16:creationId xmlns:a16="http://schemas.microsoft.com/office/drawing/2014/main" id="{58BFA301-3694-A617-F963-DDA03522CF07}"/>
+                </a:ext>
+              </a:extLst>
+            </p:cNvPr>
+            <p:cNvSpPr txBox="1"/>
+            <p:nvPr/>
+          </p:nvSpPr>
+          <p:spPr>
+            <a:xfrm>
+              <a:off x="10811864" y="2657941"/>
+              <a:ext cx="1109213" cy="369332"/>
+            </a:xfrm>
+            <a:prstGeom prst="rect">
+              <a:avLst/>
+            </a:prstGeom>
+            <a:noFill/>
+          </p:spPr>
+          <p:txBody>
+            <a:bodyPr wrap="square" rtlCol="0">
+              <a:spAutoFit/>
+            </a:bodyPr>
+            <a:lstStyle/>
+            <a:p>
+              <a:r>
+                <a:rPr lang="zh-CN" altLang="en-US" dirty="0">
+                  <a:latin typeface="Times New Roman" panose="02020603050405020304" pitchFamily="18" charset="0"/>
+                  <a:ea typeface="宋体" panose="02010600030101010101" pitchFamily="2" charset="-122"/>
+                  <a:cs typeface="Times New Roman" panose="02020603050405020304" pitchFamily="18" charset="0"/>
+                </a:rPr>
+                <a:t>向量表征</a:t>
+              </a:r>
+            </a:p>
+          </p:txBody>
+        </p:sp>
+        <p:grpSp>
+          <p:nvGrpSpPr>
+            <p:cNvPr id="171" name="组合 170">
+              <a:extLst>
+                <a:ext uri="{FF2B5EF4-FFF2-40B4-BE49-F238E27FC236}">
+                  <a16:creationId xmlns:a16="http://schemas.microsoft.com/office/drawing/2014/main" id="{E21DB675-1B5A-63CC-E512-1756C989506E}"/>
+                </a:ext>
+              </a:extLst>
+            </p:cNvPr>
+            <p:cNvGrpSpPr/>
+            <p:nvPr/>
+          </p:nvGrpSpPr>
+          <p:grpSpPr>
+            <a:xfrm>
+              <a:off x="3679032" y="2929328"/>
+              <a:ext cx="1209798" cy="1085850"/>
+              <a:chOff x="3576796" y="3391077"/>
+              <a:chExt cx="1209798" cy="1085850"/>
+            </a:xfrm>
+          </p:grpSpPr>
+          <p:sp>
+            <p:nvSpPr>
+              <p:cNvPr id="114" name="椭圆 113">
+                <a:extLst>
+                  <a:ext uri="{FF2B5EF4-FFF2-40B4-BE49-F238E27FC236}">
+                    <a16:creationId xmlns:a16="http://schemas.microsoft.com/office/drawing/2014/main" id="{E5B6FDDB-1CDE-6358-64BF-EBBC0C2BD237}"/>
+                  </a:ext>
+                </a:extLst>
+              </p:cNvPr>
+              <p:cNvSpPr/>
+              <p:nvPr/>
+            </p:nvSpPr>
+            <p:spPr>
+              <a:xfrm>
+                <a:off x="3689203" y="3431784"/>
+                <a:ext cx="113460" cy="113460"/>
+              </a:xfrm>
+              <a:prstGeom prst="ellipse">
+                <a:avLst/>
+              </a:prstGeom>
+              <a:solidFill>
+                <a:schemeClr val="accent4">
+                  <a:lumMod val="60000"/>
+                  <a:lumOff val="40000"/>
+                </a:schemeClr>
+              </a:solidFill>
+              <a:ln>
+                <a:noFill/>
+              </a:ln>
+            </p:spPr>
+            <p:style>
+              <a:lnRef idx="2">
+                <a:schemeClr val="accent1">
+                  <a:shade val="50000"/>
+                </a:schemeClr>
+              </a:lnRef>
+              <a:fillRef idx="1">
+                <a:schemeClr val="accent1"/>
+              </a:fillRef>
+              <a:effectRef idx="0">
+                <a:schemeClr val="accent1"/>
+              </a:effectRef>
+              <a:fontRef idx="minor">
+                <a:schemeClr val="lt1"/>
+              </a:fontRef>
+            </p:style>
+            <p:txBody>
+              <a:bodyPr rtlCol="0" anchor="ctr"/>
+              <a:lstStyle/>
+              <a:p>
+                <a:pPr algn="ctr"/>
+                <a:endParaRPr lang="zh-CN" altLang="en-US"/>
+              </a:p>
+            </p:txBody>
+          </p:sp>
+          <p:sp>
+            <p:nvSpPr>
+              <p:cNvPr id="116" name="椭圆 115">
+                <a:extLst>
+                  <a:ext uri="{FF2B5EF4-FFF2-40B4-BE49-F238E27FC236}">
+                    <a16:creationId xmlns:a16="http://schemas.microsoft.com/office/drawing/2014/main" id="{B1927AF7-59C6-7B01-7F11-66F8530CC3F8}"/>
+                  </a:ext>
+                </a:extLst>
+              </p:cNvPr>
+              <p:cNvSpPr/>
+              <p:nvPr/>
+            </p:nvSpPr>
+            <p:spPr>
+              <a:xfrm>
+                <a:off x="3905826" y="3429000"/>
+                <a:ext cx="113460" cy="113460"/>
+              </a:xfrm>
+              <a:prstGeom prst="ellipse">
+                <a:avLst/>
+              </a:prstGeom>
+              <a:solidFill>
+                <a:schemeClr val="accent4">
+                  <a:lumMod val="60000"/>
+                  <a:lumOff val="40000"/>
+                </a:schemeClr>
+              </a:solidFill>
+              <a:ln>
+                <a:noFill/>
+              </a:ln>
+            </p:spPr>
+            <p:style>
+              <a:lnRef idx="2">
+                <a:schemeClr val="accent1">
+                  <a:shade val="50000"/>
+                </a:schemeClr>
+              </a:lnRef>
+              <a:fillRef idx="1">
+                <a:schemeClr val="accent1"/>
+              </a:fillRef>
+              <a:effectRef idx="0">
+                <a:schemeClr val="accent1"/>
+              </a:effectRef>
+              <a:fontRef idx="minor">
+                <a:schemeClr val="lt1"/>
+              </a:fontRef>
+            </p:style>
+            <p:txBody>
+              <a:bodyPr rtlCol="0" anchor="ctr"/>
+              <a:lstStyle/>
+              <a:p>
+                <a:pPr algn="ctr"/>
+                <a:endParaRPr lang="zh-CN" altLang="en-US"/>
+              </a:p>
+            </p:txBody>
+          </p:sp>
+          <p:sp>
+            <p:nvSpPr>
+              <p:cNvPr id="117" name="椭圆 116">
+                <a:extLst>
+                  <a:ext uri="{FF2B5EF4-FFF2-40B4-BE49-F238E27FC236}">
+                    <a16:creationId xmlns:a16="http://schemas.microsoft.com/office/drawing/2014/main" id="{41FF9260-C88C-058B-8A2C-795E983CE87A}"/>
+                  </a:ext>
+                </a:extLst>
+              </p:cNvPr>
+              <p:cNvSpPr/>
+              <p:nvPr/>
+            </p:nvSpPr>
+            <p:spPr>
+              <a:xfrm>
+                <a:off x="4338220" y="3429000"/>
+                <a:ext cx="113460" cy="113460"/>
+              </a:xfrm>
+              <a:prstGeom prst="ellipse">
+                <a:avLst/>
+              </a:prstGeom>
+              <a:solidFill>
+                <a:schemeClr val="accent4">
+                  <a:lumMod val="60000"/>
+                  <a:lumOff val="40000"/>
+                </a:schemeClr>
+              </a:solidFill>
+              <a:ln>
+                <a:noFill/>
+              </a:ln>
+            </p:spPr>
+            <p:style>
+              <a:lnRef idx="2">
+                <a:schemeClr val="accent1">
+                  <a:shade val="50000"/>
+                </a:schemeClr>
+              </a:lnRef>
+              <a:fillRef idx="1">
+                <a:schemeClr val="accent1"/>
+              </a:fillRef>
+              <a:effectRef idx="0">
+                <a:schemeClr val="accent1"/>
+              </a:effectRef>
+              <a:fontRef idx="minor">
+                <a:schemeClr val="lt1"/>
+              </a:fontRef>
+            </p:style>
+            <p:txBody>
+              <a:bodyPr rtlCol="0" anchor="ctr"/>
+              <a:lstStyle/>
+              <a:p>
+                <a:pPr algn="ctr"/>
+                <a:endParaRPr lang="zh-CN" altLang="en-US"/>
+              </a:p>
+            </p:txBody>
+          </p:sp>
+          <p:sp>
+            <p:nvSpPr>
+              <p:cNvPr id="118" name="椭圆 117">
+                <a:extLst>
+                  <a:ext uri="{FF2B5EF4-FFF2-40B4-BE49-F238E27FC236}">
+                    <a16:creationId xmlns:a16="http://schemas.microsoft.com/office/drawing/2014/main" id="{82AAC7E3-70CE-6512-9F4F-4F6FD5B19F43}"/>
+                  </a:ext>
+                </a:extLst>
+              </p:cNvPr>
+              <p:cNvSpPr/>
+              <p:nvPr/>
+            </p:nvSpPr>
+            <p:spPr>
+              <a:xfrm>
+                <a:off x="4124965" y="3429000"/>
+                <a:ext cx="113460" cy="113460"/>
+              </a:xfrm>
+              <a:prstGeom prst="ellipse">
+                <a:avLst/>
+              </a:prstGeom>
+              <a:solidFill>
+                <a:schemeClr val="accent4">
+                  <a:lumMod val="60000"/>
+                  <a:lumOff val="40000"/>
+                </a:schemeClr>
+              </a:solidFill>
+              <a:ln>
+                <a:noFill/>
+              </a:ln>
+            </p:spPr>
+            <p:style>
+              <a:lnRef idx="2">
+                <a:schemeClr val="accent1">
+                  <a:shade val="50000"/>
+                </a:schemeClr>
+              </a:lnRef>
+              <a:fillRef idx="1">
+                <a:schemeClr val="accent1"/>
+              </a:fillRef>
+              <a:effectRef idx="0">
+                <a:schemeClr val="accent1"/>
+              </a:effectRef>
+              <a:fontRef idx="minor">
+                <a:schemeClr val="lt1"/>
+              </a:fontRef>
+            </p:style>
+            <p:txBody>
+              <a:bodyPr rtlCol="0" anchor="ctr"/>
+              <a:lstStyle/>
+              <a:p>
+                <a:pPr algn="ctr"/>
+                <a:endParaRPr lang="zh-CN" altLang="en-US"/>
+              </a:p>
+            </p:txBody>
+          </p:sp>
+          <p:sp>
+            <p:nvSpPr>
+              <p:cNvPr id="119" name="椭圆 118">
+                <a:extLst>
+                  <a:ext uri="{FF2B5EF4-FFF2-40B4-BE49-F238E27FC236}">
+                    <a16:creationId xmlns:a16="http://schemas.microsoft.com/office/drawing/2014/main" id="{912CA292-C3C8-14BD-7258-0925845FFE5D}"/>
+                  </a:ext>
+                </a:extLst>
+              </p:cNvPr>
+              <p:cNvSpPr/>
+              <p:nvPr/>
+            </p:nvSpPr>
+            <p:spPr>
+              <a:xfrm>
+                <a:off x="4551475" y="3429000"/>
+                <a:ext cx="113460" cy="113460"/>
+              </a:xfrm>
+              <a:prstGeom prst="ellipse">
+                <a:avLst/>
+              </a:prstGeom>
+              <a:solidFill>
+                <a:schemeClr val="accent4">
+                  <a:lumMod val="60000"/>
+                  <a:lumOff val="40000"/>
+                </a:schemeClr>
+              </a:solidFill>
+              <a:ln>
+                <a:noFill/>
+              </a:ln>
+            </p:spPr>
+            <p:style>
+              <a:lnRef idx="2">
+                <a:schemeClr val="accent1">
+                  <a:shade val="50000"/>
+                </a:schemeClr>
+              </a:lnRef>
+              <a:fillRef idx="1">
+                <a:schemeClr val="accent1"/>
+              </a:fillRef>
+              <a:effectRef idx="0">
+                <a:schemeClr val="accent1"/>
+              </a:effectRef>
+              <a:fontRef idx="minor">
+                <a:schemeClr val="lt1"/>
+              </a:fontRef>
+            </p:style>
+            <p:txBody>
+              <a:bodyPr rtlCol="0" anchor="ctr"/>
+              <a:lstStyle/>
+              <a:p>
+                <a:pPr algn="ctr"/>
+                <a:endParaRPr lang="zh-CN" altLang="en-US"/>
+              </a:p>
+            </p:txBody>
+          </p:sp>
+          <p:sp>
+            <p:nvSpPr>
+              <p:cNvPr id="120" name="椭圆 119">
+                <a:extLst>
+                  <a:ext uri="{FF2B5EF4-FFF2-40B4-BE49-F238E27FC236}">
+                    <a16:creationId xmlns:a16="http://schemas.microsoft.com/office/drawing/2014/main" id="{52C67F7E-1284-77E3-04EB-B1DA72CAB93C}"/>
+                  </a:ext>
+                </a:extLst>
+              </p:cNvPr>
+              <p:cNvSpPr/>
+              <p:nvPr/>
+            </p:nvSpPr>
+            <p:spPr>
+              <a:xfrm>
+                <a:off x="3689203" y="3880056"/>
+                <a:ext cx="113460" cy="113460"/>
+              </a:xfrm>
+              <a:prstGeom prst="ellipse">
+                <a:avLst/>
+              </a:prstGeom>
+              <a:solidFill>
+                <a:schemeClr val="accent4">
+                  <a:lumMod val="60000"/>
+                  <a:lumOff val="40000"/>
+                </a:schemeClr>
+              </a:solidFill>
+              <a:ln>
+                <a:noFill/>
+              </a:ln>
+            </p:spPr>
+            <p:style>
+              <a:lnRef idx="2">
+                <a:schemeClr val="accent1">
+                  <a:shade val="50000"/>
+                </a:schemeClr>
+              </a:lnRef>
+              <a:fillRef idx="1">
+                <a:schemeClr val="accent1"/>
+              </a:fillRef>
+              <a:effectRef idx="0">
+                <a:schemeClr val="accent1"/>
+              </a:effectRef>
+              <a:fontRef idx="minor">
+                <a:schemeClr val="lt1"/>
+              </a:fontRef>
+            </p:style>
+            <p:txBody>
+              <a:bodyPr rtlCol="0" anchor="ctr"/>
+              <a:lstStyle/>
+              <a:p>
+                <a:pPr algn="ctr"/>
+                <a:endParaRPr lang="zh-CN" altLang="en-US"/>
+              </a:p>
+            </p:txBody>
+          </p:sp>
+          <p:sp>
+            <p:nvSpPr>
+              <p:cNvPr id="121" name="椭圆 120">
+                <a:extLst>
+                  <a:ext uri="{FF2B5EF4-FFF2-40B4-BE49-F238E27FC236}">
+                    <a16:creationId xmlns:a16="http://schemas.microsoft.com/office/drawing/2014/main" id="{CB4A2507-5257-D526-28DE-A17672E0D770}"/>
+                  </a:ext>
+                </a:extLst>
+              </p:cNvPr>
+              <p:cNvSpPr/>
+              <p:nvPr/>
+            </p:nvSpPr>
+            <p:spPr>
+              <a:xfrm>
+                <a:off x="3905826" y="3877272"/>
+                <a:ext cx="113460" cy="113460"/>
+              </a:xfrm>
+              <a:prstGeom prst="ellipse">
+                <a:avLst/>
+              </a:prstGeom>
+              <a:solidFill>
+                <a:schemeClr val="accent4">
+                  <a:lumMod val="60000"/>
+                  <a:lumOff val="40000"/>
+                </a:schemeClr>
+              </a:solidFill>
+              <a:ln>
+                <a:noFill/>
+              </a:ln>
+            </p:spPr>
+            <p:style>
+              <a:lnRef idx="2">
+                <a:schemeClr val="accent1">
+                  <a:shade val="50000"/>
+                </a:schemeClr>
+              </a:lnRef>
+              <a:fillRef idx="1">
+                <a:schemeClr val="accent1"/>
+              </a:fillRef>
+              <a:effectRef idx="0">
+                <a:schemeClr val="accent1"/>
+              </a:effectRef>
+              <a:fontRef idx="minor">
+                <a:schemeClr val="lt1"/>
+              </a:fontRef>
+            </p:style>
+            <p:txBody>
+              <a:bodyPr rtlCol="0" anchor="ctr"/>
+              <a:lstStyle/>
+              <a:p>
+                <a:pPr algn="ctr"/>
+                <a:endParaRPr lang="zh-CN" altLang="en-US"/>
+              </a:p>
+            </p:txBody>
+          </p:sp>
+          <p:sp>
+            <p:nvSpPr>
+              <p:cNvPr id="122" name="椭圆 121">
+                <a:extLst>
+                  <a:ext uri="{FF2B5EF4-FFF2-40B4-BE49-F238E27FC236}">
+                    <a16:creationId xmlns:a16="http://schemas.microsoft.com/office/drawing/2014/main" id="{62C46B2D-7176-F06E-3E65-FD86A362636A}"/>
+                  </a:ext>
+                </a:extLst>
+              </p:cNvPr>
+              <p:cNvSpPr/>
+              <p:nvPr/>
+            </p:nvSpPr>
+            <p:spPr>
+              <a:xfrm>
+                <a:off x="4338220" y="3877272"/>
+                <a:ext cx="113460" cy="113460"/>
+              </a:xfrm>
+              <a:prstGeom prst="ellipse">
+                <a:avLst/>
+              </a:prstGeom>
+              <a:solidFill>
+                <a:schemeClr val="accent4">
+                  <a:lumMod val="60000"/>
+                  <a:lumOff val="40000"/>
+                </a:schemeClr>
+              </a:solidFill>
+              <a:ln>
+                <a:noFill/>
+              </a:ln>
+            </p:spPr>
+            <p:style>
+              <a:lnRef idx="2">
+                <a:schemeClr val="accent1">
+                  <a:shade val="50000"/>
+                </a:schemeClr>
+              </a:lnRef>
+              <a:fillRef idx="1">
+                <a:schemeClr val="accent1"/>
+              </a:fillRef>
+              <a:effectRef idx="0">
+                <a:schemeClr val="accent1"/>
+              </a:effectRef>
+              <a:fontRef idx="minor">
+                <a:schemeClr val="lt1"/>
+              </a:fontRef>
+            </p:style>
+            <p:txBody>
+              <a:bodyPr rtlCol="0" anchor="ctr"/>
+              <a:lstStyle/>
+              <a:p>
+                <a:pPr algn="ctr"/>
+                <a:endParaRPr lang="zh-CN" altLang="en-US"/>
+              </a:p>
+            </p:txBody>
+          </p:sp>
+          <p:sp>
+            <p:nvSpPr>
+              <p:cNvPr id="123" name="椭圆 122">
+                <a:extLst>
+                  <a:ext uri="{FF2B5EF4-FFF2-40B4-BE49-F238E27FC236}">
+                    <a16:creationId xmlns:a16="http://schemas.microsoft.com/office/drawing/2014/main" id="{F08F8292-B0B9-51D6-D83E-17887EFC3CCD}"/>
+                  </a:ext>
+                </a:extLst>
+              </p:cNvPr>
+              <p:cNvSpPr/>
+              <p:nvPr/>
+            </p:nvSpPr>
+            <p:spPr>
+              <a:xfrm>
+                <a:off x="4124965" y="3877272"/>
+                <a:ext cx="113460" cy="113460"/>
+              </a:xfrm>
+              <a:prstGeom prst="ellipse">
+                <a:avLst/>
+              </a:prstGeom>
+              <a:solidFill>
+                <a:schemeClr val="accent4">
+                  <a:lumMod val="60000"/>
+                  <a:lumOff val="40000"/>
+                </a:schemeClr>
+              </a:solidFill>
+              <a:ln>
+                <a:noFill/>
+              </a:ln>
+            </p:spPr>
+            <p:style>
+              <a:lnRef idx="2">
+                <a:schemeClr val="accent1">
+                  <a:shade val="50000"/>
+                </a:schemeClr>
+              </a:lnRef>
+              <a:fillRef idx="1">
+                <a:schemeClr val="accent1"/>
+              </a:fillRef>
+              <a:effectRef idx="0">
+                <a:schemeClr val="accent1"/>
+              </a:effectRef>
+              <a:fontRef idx="minor">
+                <a:schemeClr val="lt1"/>
+              </a:fontRef>
+            </p:style>
+            <p:txBody>
+              <a:bodyPr rtlCol="0" anchor="ctr"/>
+              <a:lstStyle/>
+              <a:p>
+                <a:pPr algn="ctr"/>
+                <a:endParaRPr lang="zh-CN" altLang="en-US"/>
+              </a:p>
+            </p:txBody>
+          </p:sp>
+          <p:sp>
+            <p:nvSpPr>
+              <p:cNvPr id="124" name="椭圆 123">
+                <a:extLst>
+                  <a:ext uri="{FF2B5EF4-FFF2-40B4-BE49-F238E27FC236}">
+                    <a16:creationId xmlns:a16="http://schemas.microsoft.com/office/drawing/2014/main" id="{AC1AE004-4BE3-D109-5924-C1F857471475}"/>
+                  </a:ext>
+                </a:extLst>
+              </p:cNvPr>
+              <p:cNvSpPr/>
+              <p:nvPr/>
+            </p:nvSpPr>
+            <p:spPr>
+              <a:xfrm>
+                <a:off x="4551475" y="3877272"/>
+                <a:ext cx="113460" cy="113460"/>
+              </a:xfrm>
+              <a:prstGeom prst="ellipse">
+                <a:avLst/>
+              </a:prstGeom>
+              <a:solidFill>
+                <a:schemeClr val="accent4">
+                  <a:lumMod val="60000"/>
+                  <a:lumOff val="40000"/>
+                </a:schemeClr>
+              </a:solidFill>
+              <a:ln>
+                <a:noFill/>
+              </a:ln>
+            </p:spPr>
+            <p:style>
+              <a:lnRef idx="2">
+                <a:schemeClr val="accent1">
+                  <a:shade val="50000"/>
+                </a:schemeClr>
+              </a:lnRef>
+              <a:fillRef idx="1">
+                <a:schemeClr val="accent1"/>
+              </a:fillRef>
+              <a:effectRef idx="0">
+                <a:schemeClr val="accent1"/>
+              </a:effectRef>
+              <a:fontRef idx="minor">
+                <a:schemeClr val="lt1"/>
+              </a:fontRef>
+            </p:style>
+            <p:txBody>
+              <a:bodyPr rtlCol="0" anchor="ctr"/>
+              <a:lstStyle/>
+              <a:p>
+                <a:pPr algn="ctr"/>
+                <a:endParaRPr lang="zh-CN" altLang="en-US"/>
+              </a:p>
+            </p:txBody>
+          </p:sp>
+          <p:sp>
+            <p:nvSpPr>
+              <p:cNvPr id="125" name="椭圆 124">
+                <a:extLst>
+                  <a:ext uri="{FF2B5EF4-FFF2-40B4-BE49-F238E27FC236}">
+                    <a16:creationId xmlns:a16="http://schemas.microsoft.com/office/drawing/2014/main" id="{A1ED23CA-A439-38C3-B5AB-78FCB9352186}"/>
+                  </a:ext>
+                </a:extLst>
+              </p:cNvPr>
+              <p:cNvSpPr/>
+              <p:nvPr/>
+            </p:nvSpPr>
+            <p:spPr>
+              <a:xfrm>
+                <a:off x="3693449" y="3655920"/>
+                <a:ext cx="113460" cy="113460"/>
+              </a:xfrm>
+              <a:prstGeom prst="ellipse">
+                <a:avLst/>
+              </a:prstGeom>
+              <a:solidFill>
+                <a:schemeClr val="accent4">
+                  <a:lumMod val="60000"/>
+                  <a:lumOff val="40000"/>
+                </a:schemeClr>
+              </a:solidFill>
+              <a:ln>
+                <a:noFill/>
+              </a:ln>
+            </p:spPr>
+            <p:style>
+              <a:lnRef idx="2">
+                <a:schemeClr val="accent1">
+                  <a:shade val="50000"/>
+                </a:schemeClr>
+              </a:lnRef>
+              <a:fillRef idx="1">
+                <a:schemeClr val="accent1"/>
+              </a:fillRef>
+              <a:effectRef idx="0">
+                <a:schemeClr val="accent1"/>
+              </a:effectRef>
+              <a:fontRef idx="minor">
+                <a:schemeClr val="lt1"/>
+              </a:fontRef>
+            </p:style>
+            <p:txBody>
+              <a:bodyPr rtlCol="0" anchor="ctr"/>
+              <a:lstStyle/>
+              <a:p>
+                <a:pPr algn="ctr"/>
+                <a:endParaRPr lang="zh-CN" altLang="en-US"/>
+              </a:p>
+            </p:txBody>
+          </p:sp>
+          <p:sp>
+            <p:nvSpPr>
+              <p:cNvPr id="126" name="椭圆 125">
+                <a:extLst>
+                  <a:ext uri="{FF2B5EF4-FFF2-40B4-BE49-F238E27FC236}">
+                    <a16:creationId xmlns:a16="http://schemas.microsoft.com/office/drawing/2014/main" id="{6C062BCA-80E7-58F4-630F-D3C515C52F2E}"/>
+                  </a:ext>
+                </a:extLst>
+              </p:cNvPr>
+              <p:cNvSpPr/>
+              <p:nvPr/>
+            </p:nvSpPr>
+            <p:spPr>
+              <a:xfrm>
+                <a:off x="3910072" y="3653136"/>
+                <a:ext cx="113460" cy="113460"/>
+              </a:xfrm>
+              <a:prstGeom prst="ellipse">
+                <a:avLst/>
+              </a:prstGeom>
+              <a:solidFill>
+                <a:schemeClr val="accent4">
+                  <a:lumMod val="60000"/>
+                  <a:lumOff val="40000"/>
+                </a:schemeClr>
+              </a:solidFill>
+              <a:ln>
+                <a:noFill/>
+              </a:ln>
+            </p:spPr>
+            <p:style>
+              <a:lnRef idx="2">
+                <a:schemeClr val="accent1">
+                  <a:shade val="50000"/>
+                </a:schemeClr>
+              </a:lnRef>
+              <a:fillRef idx="1">
+                <a:schemeClr val="accent1"/>
+              </a:fillRef>
+              <a:effectRef idx="0">
+                <a:schemeClr val="accent1"/>
+              </a:effectRef>
+              <a:fontRef idx="minor">
+                <a:schemeClr val="lt1"/>
+              </a:fontRef>
+            </p:style>
+            <p:txBody>
+              <a:bodyPr rtlCol="0" anchor="ctr"/>
+              <a:lstStyle/>
+              <a:p>
+                <a:pPr algn="ctr"/>
+                <a:endParaRPr lang="zh-CN" altLang="en-US"/>
+              </a:p>
+            </p:txBody>
+          </p:sp>
+          <p:sp>
+            <p:nvSpPr>
+              <p:cNvPr id="127" name="椭圆 126">
+                <a:extLst>
+                  <a:ext uri="{FF2B5EF4-FFF2-40B4-BE49-F238E27FC236}">
+                    <a16:creationId xmlns:a16="http://schemas.microsoft.com/office/drawing/2014/main" id="{A55C0A08-2880-605A-AF8B-B908E1195F48}"/>
+                  </a:ext>
+                </a:extLst>
+              </p:cNvPr>
+              <p:cNvSpPr/>
+              <p:nvPr/>
+            </p:nvSpPr>
+            <p:spPr>
+              <a:xfrm>
+                <a:off x="4342466" y="3653136"/>
+                <a:ext cx="113460" cy="113460"/>
+              </a:xfrm>
+              <a:prstGeom prst="ellipse">
+                <a:avLst/>
+              </a:prstGeom>
+              <a:solidFill>
+                <a:schemeClr val="accent4">
+                  <a:lumMod val="60000"/>
+                  <a:lumOff val="40000"/>
+                </a:schemeClr>
+              </a:solidFill>
+              <a:ln>
+                <a:noFill/>
+              </a:ln>
+            </p:spPr>
+            <p:style>
+              <a:lnRef idx="2">
+                <a:schemeClr val="accent1">
+                  <a:shade val="50000"/>
+                </a:schemeClr>
+              </a:lnRef>
+              <a:fillRef idx="1">
+                <a:schemeClr val="accent1"/>
+              </a:fillRef>
+              <a:effectRef idx="0">
+                <a:schemeClr val="accent1"/>
+              </a:effectRef>
+              <a:fontRef idx="minor">
+                <a:schemeClr val="lt1"/>
+              </a:fontRef>
+            </p:style>
+            <p:txBody>
+              <a:bodyPr rtlCol="0" anchor="ctr"/>
+              <a:lstStyle/>
+              <a:p>
+                <a:pPr algn="ctr"/>
+                <a:endParaRPr lang="zh-CN" altLang="en-US"/>
+              </a:p>
+            </p:txBody>
+          </p:sp>
+          <p:sp>
+            <p:nvSpPr>
+              <p:cNvPr id="128" name="椭圆 127">
+                <a:extLst>
+                  <a:ext uri="{FF2B5EF4-FFF2-40B4-BE49-F238E27FC236}">
+                    <a16:creationId xmlns:a16="http://schemas.microsoft.com/office/drawing/2014/main" id="{AEEC40AB-FDA6-8EE7-4BA9-9C0CC747C222}"/>
+                  </a:ext>
+                </a:extLst>
+              </p:cNvPr>
+              <p:cNvSpPr/>
+              <p:nvPr/>
+            </p:nvSpPr>
+            <p:spPr>
+              <a:xfrm>
+                <a:off x="4129211" y="3653136"/>
+                <a:ext cx="113460" cy="113460"/>
+              </a:xfrm>
+              <a:prstGeom prst="ellipse">
+                <a:avLst/>
+              </a:prstGeom>
+              <a:solidFill>
+                <a:schemeClr val="accent4">
+                  <a:lumMod val="60000"/>
+                  <a:lumOff val="40000"/>
+                </a:schemeClr>
+              </a:solidFill>
+              <a:ln>
+                <a:noFill/>
+              </a:ln>
+            </p:spPr>
+            <p:style>
+              <a:lnRef idx="2">
+                <a:schemeClr val="accent1">
+                  <a:shade val="50000"/>
+                </a:schemeClr>
+              </a:lnRef>
+              <a:fillRef idx="1">
+                <a:schemeClr val="accent1"/>
+              </a:fillRef>
+              <a:effectRef idx="0">
+                <a:schemeClr val="accent1"/>
+              </a:effectRef>
+              <a:fontRef idx="minor">
+                <a:schemeClr val="lt1"/>
+              </a:fontRef>
+            </p:style>
+            <p:txBody>
+              <a:bodyPr rtlCol="0" anchor="ctr"/>
+              <a:lstStyle/>
+              <a:p>
+                <a:pPr algn="ctr"/>
+                <a:endParaRPr lang="zh-CN" altLang="en-US"/>
+              </a:p>
+            </p:txBody>
+          </p:sp>
+          <p:sp>
+            <p:nvSpPr>
+              <p:cNvPr id="129" name="椭圆 128">
+                <a:extLst>
+                  <a:ext uri="{FF2B5EF4-FFF2-40B4-BE49-F238E27FC236}">
+                    <a16:creationId xmlns:a16="http://schemas.microsoft.com/office/drawing/2014/main" id="{5E83EF2D-CFBE-796A-D0F3-D676A0279F7A}"/>
+                  </a:ext>
+                </a:extLst>
+              </p:cNvPr>
+              <p:cNvSpPr/>
+              <p:nvPr/>
+            </p:nvSpPr>
+            <p:spPr>
+              <a:xfrm>
+                <a:off x="4555721" y="3653136"/>
+                <a:ext cx="113460" cy="113460"/>
+              </a:xfrm>
+              <a:prstGeom prst="ellipse">
+                <a:avLst/>
+              </a:prstGeom>
+              <a:solidFill>
+                <a:schemeClr val="accent4">
+                  <a:lumMod val="60000"/>
+                  <a:lumOff val="40000"/>
+                </a:schemeClr>
+              </a:solidFill>
+              <a:ln>
+                <a:noFill/>
+              </a:ln>
+            </p:spPr>
+            <p:style>
+              <a:lnRef idx="2">
+                <a:schemeClr val="accent1">
+                  <a:shade val="50000"/>
+                </a:schemeClr>
+              </a:lnRef>
+              <a:fillRef idx="1">
+                <a:schemeClr val="accent1"/>
+              </a:fillRef>
+              <a:effectRef idx="0">
+                <a:schemeClr val="accent1"/>
+              </a:effectRef>
+              <a:fontRef idx="minor">
+                <a:schemeClr val="lt1"/>
+              </a:fontRef>
+            </p:style>
+            <p:txBody>
+              <a:bodyPr rtlCol="0" anchor="ctr"/>
+              <a:lstStyle/>
+              <a:p>
+                <a:pPr algn="ctr"/>
+                <a:endParaRPr lang="zh-CN" altLang="en-US"/>
+              </a:p>
+            </p:txBody>
+          </p:sp>
+          <p:sp>
+            <p:nvSpPr>
+              <p:cNvPr id="135" name="椭圆 134">
+                <a:extLst>
+                  <a:ext uri="{FF2B5EF4-FFF2-40B4-BE49-F238E27FC236}">
+                    <a16:creationId xmlns:a16="http://schemas.microsoft.com/office/drawing/2014/main" id="{83C9B861-F66F-0566-9EB6-149F8718D492}"/>
+                  </a:ext>
+                </a:extLst>
+              </p:cNvPr>
+              <p:cNvSpPr/>
+              <p:nvPr/>
+            </p:nvSpPr>
+            <p:spPr>
+              <a:xfrm>
+                <a:off x="3689203" y="4104192"/>
+                <a:ext cx="113460" cy="113460"/>
+              </a:xfrm>
+              <a:prstGeom prst="ellipse">
+                <a:avLst/>
+              </a:prstGeom>
+              <a:solidFill>
+                <a:schemeClr val="accent4">
+                  <a:lumMod val="60000"/>
+                  <a:lumOff val="40000"/>
+                </a:schemeClr>
+              </a:solidFill>
+              <a:ln>
+                <a:noFill/>
+              </a:ln>
+            </p:spPr>
+            <p:style>
+              <a:lnRef idx="2">
+                <a:schemeClr val="accent1">
+                  <a:shade val="50000"/>
+                </a:schemeClr>
+              </a:lnRef>
+              <a:fillRef idx="1">
+                <a:schemeClr val="accent1"/>
+              </a:fillRef>
+              <a:effectRef idx="0">
+                <a:schemeClr val="accent1"/>
+              </a:effectRef>
+              <a:fontRef idx="minor">
+                <a:schemeClr val="lt1"/>
+              </a:fontRef>
+            </p:style>
+            <p:txBody>
+              <a:bodyPr rtlCol="0" anchor="ctr"/>
+              <a:lstStyle/>
+              <a:p>
+                <a:pPr algn="ctr"/>
+                <a:endParaRPr lang="zh-CN" altLang="en-US"/>
+              </a:p>
+            </p:txBody>
+          </p:sp>
+          <p:sp>
+            <p:nvSpPr>
+              <p:cNvPr id="136" name="椭圆 135">
+                <a:extLst>
+                  <a:ext uri="{FF2B5EF4-FFF2-40B4-BE49-F238E27FC236}">
+                    <a16:creationId xmlns:a16="http://schemas.microsoft.com/office/drawing/2014/main" id="{9EC963C5-F59D-546F-C2B7-B4929FBD8723}"/>
+                  </a:ext>
+                </a:extLst>
+              </p:cNvPr>
+              <p:cNvSpPr/>
+              <p:nvPr/>
+            </p:nvSpPr>
+            <p:spPr>
+              <a:xfrm>
+                <a:off x="3905826" y="4101408"/>
+                <a:ext cx="113460" cy="113460"/>
+              </a:xfrm>
+              <a:prstGeom prst="ellipse">
+                <a:avLst/>
+              </a:prstGeom>
+              <a:solidFill>
+                <a:schemeClr val="accent4">
+                  <a:lumMod val="60000"/>
+                  <a:lumOff val="40000"/>
+                </a:schemeClr>
+              </a:solidFill>
+              <a:ln>
+                <a:noFill/>
+              </a:ln>
+            </p:spPr>
+            <p:style>
+              <a:lnRef idx="2">
+                <a:schemeClr val="accent1">
+                  <a:shade val="50000"/>
+                </a:schemeClr>
+              </a:lnRef>
+              <a:fillRef idx="1">
+                <a:schemeClr val="accent1"/>
+              </a:fillRef>
+              <a:effectRef idx="0">
+                <a:schemeClr val="accent1"/>
+              </a:effectRef>
+              <a:fontRef idx="minor">
+                <a:schemeClr val="lt1"/>
+              </a:fontRef>
+            </p:style>
+            <p:txBody>
+              <a:bodyPr rtlCol="0" anchor="ctr"/>
+              <a:lstStyle/>
+              <a:p>
+                <a:pPr algn="ctr"/>
+                <a:endParaRPr lang="zh-CN" altLang="en-US"/>
+              </a:p>
+            </p:txBody>
+          </p:sp>
+          <p:sp>
+            <p:nvSpPr>
+              <p:cNvPr id="137" name="椭圆 136">
+                <a:extLst>
+                  <a:ext uri="{FF2B5EF4-FFF2-40B4-BE49-F238E27FC236}">
+                    <a16:creationId xmlns:a16="http://schemas.microsoft.com/office/drawing/2014/main" id="{E4E233FE-22F1-DAF2-9A06-AD621DC398F7}"/>
+                  </a:ext>
+                </a:extLst>
+              </p:cNvPr>
+              <p:cNvSpPr/>
+              <p:nvPr/>
+            </p:nvSpPr>
+            <p:spPr>
+              <a:xfrm>
+                <a:off x="4338220" y="4101408"/>
+                <a:ext cx="113460" cy="113460"/>
+              </a:xfrm>
+              <a:prstGeom prst="ellipse">
+                <a:avLst/>
+              </a:prstGeom>
+              <a:solidFill>
+                <a:schemeClr val="accent4">
+                  <a:lumMod val="60000"/>
+                  <a:lumOff val="40000"/>
+                </a:schemeClr>
+              </a:solidFill>
+              <a:ln>
+                <a:noFill/>
+              </a:ln>
+            </p:spPr>
+            <p:style>
+              <a:lnRef idx="2">
+                <a:schemeClr val="accent1">
+                  <a:shade val="50000"/>
+                </a:schemeClr>
+              </a:lnRef>
+              <a:fillRef idx="1">
+                <a:schemeClr val="accent1"/>
+              </a:fillRef>
+              <a:effectRef idx="0">
+                <a:schemeClr val="accent1"/>
+              </a:effectRef>
+              <a:fontRef idx="minor">
+                <a:schemeClr val="lt1"/>
+              </a:fontRef>
+            </p:style>
+            <p:txBody>
+              <a:bodyPr rtlCol="0" anchor="ctr"/>
+              <a:lstStyle/>
+              <a:p>
+                <a:pPr algn="ctr"/>
+                <a:endParaRPr lang="zh-CN" altLang="en-US"/>
+              </a:p>
+            </p:txBody>
+          </p:sp>
+          <p:sp>
+            <p:nvSpPr>
+              <p:cNvPr id="138" name="椭圆 137">
+                <a:extLst>
+                  <a:ext uri="{FF2B5EF4-FFF2-40B4-BE49-F238E27FC236}">
+                    <a16:creationId xmlns:a16="http://schemas.microsoft.com/office/drawing/2014/main" id="{6E7EDFDB-39F6-973E-862E-2BD0C2E44D24}"/>
+                  </a:ext>
+                </a:extLst>
+              </p:cNvPr>
+              <p:cNvSpPr/>
+              <p:nvPr/>
+            </p:nvSpPr>
+            <p:spPr>
+              <a:xfrm>
+                <a:off x="4124965" y="4101408"/>
+                <a:ext cx="113460" cy="113460"/>
+              </a:xfrm>
+              <a:prstGeom prst="ellipse">
+                <a:avLst/>
+              </a:prstGeom>
+              <a:solidFill>
+                <a:schemeClr val="accent4">
+                  <a:lumMod val="60000"/>
+                  <a:lumOff val="40000"/>
+                </a:schemeClr>
+              </a:solidFill>
+              <a:ln>
+                <a:noFill/>
+              </a:ln>
+            </p:spPr>
+            <p:style>
+              <a:lnRef idx="2">
+                <a:schemeClr val="accent1">
+                  <a:shade val="50000"/>
+                </a:schemeClr>
+              </a:lnRef>
+              <a:fillRef idx="1">
+                <a:schemeClr val="accent1"/>
+              </a:fillRef>
+              <a:effectRef idx="0">
+                <a:schemeClr val="accent1"/>
+              </a:effectRef>
+              <a:fontRef idx="minor">
+                <a:schemeClr val="lt1"/>
+              </a:fontRef>
+            </p:style>
+            <p:txBody>
+              <a:bodyPr rtlCol="0" anchor="ctr"/>
+              <a:lstStyle/>
+              <a:p>
+                <a:pPr algn="ctr"/>
+                <a:endParaRPr lang="zh-CN" altLang="en-US"/>
+              </a:p>
+            </p:txBody>
+          </p:sp>
+          <p:sp>
+            <p:nvSpPr>
+              <p:cNvPr id="139" name="椭圆 138">
+                <a:extLst>
+                  <a:ext uri="{FF2B5EF4-FFF2-40B4-BE49-F238E27FC236}">
+                    <a16:creationId xmlns:a16="http://schemas.microsoft.com/office/drawing/2014/main" id="{B87B394A-3A18-ADAC-101A-2A2704F5CBD0}"/>
+                  </a:ext>
+                </a:extLst>
+              </p:cNvPr>
+              <p:cNvSpPr/>
+              <p:nvPr/>
+            </p:nvSpPr>
+            <p:spPr>
+              <a:xfrm>
+                <a:off x="4551475" y="4101408"/>
+                <a:ext cx="113460" cy="113460"/>
+              </a:xfrm>
+              <a:prstGeom prst="ellipse">
+                <a:avLst/>
+              </a:prstGeom>
+              <a:solidFill>
+                <a:schemeClr val="accent4">
+                  <a:lumMod val="60000"/>
+                  <a:lumOff val="40000"/>
+                </a:schemeClr>
+              </a:solidFill>
+              <a:ln>
+                <a:noFill/>
+              </a:ln>
+            </p:spPr>
+            <p:style>
+              <a:lnRef idx="2">
+                <a:schemeClr val="accent1">
+                  <a:shade val="50000"/>
+                </a:schemeClr>
+              </a:lnRef>
+              <a:fillRef idx="1">
+                <a:schemeClr val="accent1"/>
+              </a:fillRef>
+              <a:effectRef idx="0">
+                <a:schemeClr val="accent1"/>
+              </a:effectRef>
+              <a:fontRef idx="minor">
+                <a:schemeClr val="lt1"/>
+              </a:fontRef>
+            </p:style>
+            <p:txBody>
+              <a:bodyPr rtlCol="0" anchor="ctr"/>
+              <a:lstStyle/>
+              <a:p>
+                <a:pPr algn="ctr"/>
+                <a:endParaRPr lang="zh-CN" altLang="en-US"/>
+              </a:p>
+            </p:txBody>
+          </p:sp>
+          <p:sp>
+            <p:nvSpPr>
+              <p:cNvPr id="140" name="椭圆 139">
+                <a:extLst>
+                  <a:ext uri="{FF2B5EF4-FFF2-40B4-BE49-F238E27FC236}">
+                    <a16:creationId xmlns:a16="http://schemas.microsoft.com/office/drawing/2014/main" id="{0DBD6C45-FE65-C416-D9BA-83812578B93D}"/>
+                  </a:ext>
+                </a:extLst>
+              </p:cNvPr>
+              <p:cNvSpPr/>
+              <p:nvPr/>
+            </p:nvSpPr>
+            <p:spPr>
+              <a:xfrm>
+                <a:off x="3693449" y="4328328"/>
+                <a:ext cx="113460" cy="113460"/>
+              </a:xfrm>
+              <a:prstGeom prst="ellipse">
+                <a:avLst/>
+              </a:prstGeom>
+              <a:solidFill>
+                <a:schemeClr val="accent4">
+                  <a:lumMod val="60000"/>
+                  <a:lumOff val="40000"/>
+                </a:schemeClr>
+              </a:solidFill>
+              <a:ln>
+                <a:noFill/>
+              </a:ln>
+            </p:spPr>
+            <p:style>
+              <a:lnRef idx="2">
+                <a:schemeClr val="accent1">
+                  <a:shade val="50000"/>
+                </a:schemeClr>
+              </a:lnRef>
+              <a:fillRef idx="1">
+                <a:schemeClr val="accent1"/>
+              </a:fillRef>
+              <a:effectRef idx="0">
+                <a:schemeClr val="accent1"/>
+              </a:effectRef>
+              <a:fontRef idx="minor">
+                <a:schemeClr val="lt1"/>
+              </a:fontRef>
+            </p:style>
+            <p:txBody>
+              <a:bodyPr rtlCol="0" anchor="ctr"/>
+              <a:lstStyle/>
+              <a:p>
+                <a:pPr algn="ctr"/>
+                <a:endParaRPr lang="zh-CN" altLang="en-US"/>
+              </a:p>
+            </p:txBody>
+          </p:sp>
+          <p:sp>
+            <p:nvSpPr>
+              <p:cNvPr id="141" name="椭圆 140">
+                <a:extLst>
+                  <a:ext uri="{FF2B5EF4-FFF2-40B4-BE49-F238E27FC236}">
+                    <a16:creationId xmlns:a16="http://schemas.microsoft.com/office/drawing/2014/main" id="{621490D5-B0F5-AC0E-201F-D47BAD0707BD}"/>
+                  </a:ext>
+                </a:extLst>
+              </p:cNvPr>
+              <p:cNvSpPr/>
+              <p:nvPr/>
+            </p:nvSpPr>
+            <p:spPr>
+              <a:xfrm>
+                <a:off x="3910072" y="4325544"/>
+                <a:ext cx="113460" cy="113460"/>
+              </a:xfrm>
+              <a:prstGeom prst="ellipse">
+                <a:avLst/>
+              </a:prstGeom>
+              <a:solidFill>
+                <a:schemeClr val="accent4">
+                  <a:lumMod val="60000"/>
+                  <a:lumOff val="40000"/>
+                </a:schemeClr>
+              </a:solidFill>
+              <a:ln>
+                <a:noFill/>
+              </a:ln>
+            </p:spPr>
+            <p:style>
+              <a:lnRef idx="2">
+                <a:schemeClr val="accent1">
+                  <a:shade val="50000"/>
+                </a:schemeClr>
+              </a:lnRef>
+              <a:fillRef idx="1">
+                <a:schemeClr val="accent1"/>
+              </a:fillRef>
+              <a:effectRef idx="0">
+                <a:schemeClr val="accent1"/>
+              </a:effectRef>
+              <a:fontRef idx="minor">
+                <a:schemeClr val="lt1"/>
+              </a:fontRef>
+            </p:style>
+            <p:txBody>
+              <a:bodyPr rtlCol="0" anchor="ctr"/>
+              <a:lstStyle/>
+              <a:p>
+                <a:pPr algn="ctr"/>
+                <a:endParaRPr lang="zh-CN" altLang="en-US"/>
+              </a:p>
+            </p:txBody>
+          </p:sp>
+          <p:sp>
+            <p:nvSpPr>
+              <p:cNvPr id="142" name="椭圆 141">
+                <a:extLst>
+                  <a:ext uri="{FF2B5EF4-FFF2-40B4-BE49-F238E27FC236}">
+                    <a16:creationId xmlns:a16="http://schemas.microsoft.com/office/drawing/2014/main" id="{06582FC0-891D-2F95-C3AB-E30AC29FAD1A}"/>
+                  </a:ext>
+                </a:extLst>
+              </p:cNvPr>
+              <p:cNvSpPr/>
+              <p:nvPr/>
+            </p:nvSpPr>
+            <p:spPr>
+              <a:xfrm>
+                <a:off x="4342466" y="4325544"/>
+                <a:ext cx="113460" cy="113460"/>
+              </a:xfrm>
+              <a:prstGeom prst="ellipse">
+                <a:avLst/>
+              </a:prstGeom>
+              <a:solidFill>
+                <a:schemeClr val="accent4">
+                  <a:lumMod val="60000"/>
+                  <a:lumOff val="40000"/>
+                </a:schemeClr>
+              </a:solidFill>
+              <a:ln>
+                <a:noFill/>
+              </a:ln>
+            </p:spPr>
+            <p:style>
+              <a:lnRef idx="2">
+                <a:schemeClr val="accent1">
+                  <a:shade val="50000"/>
+                </a:schemeClr>
+              </a:lnRef>
+              <a:fillRef idx="1">
+                <a:schemeClr val="accent1"/>
+              </a:fillRef>
+              <a:effectRef idx="0">
+                <a:schemeClr val="accent1"/>
+              </a:effectRef>
+              <a:fontRef idx="minor">
+                <a:schemeClr val="lt1"/>
+              </a:fontRef>
+            </p:style>
+            <p:txBody>
+              <a:bodyPr rtlCol="0" anchor="ctr"/>
+              <a:lstStyle/>
+              <a:p>
+                <a:pPr algn="ctr"/>
+                <a:endParaRPr lang="zh-CN" altLang="en-US"/>
+              </a:p>
+            </p:txBody>
+          </p:sp>
+          <p:sp>
+            <p:nvSpPr>
+              <p:cNvPr id="143" name="椭圆 142">
+                <a:extLst>
+                  <a:ext uri="{FF2B5EF4-FFF2-40B4-BE49-F238E27FC236}">
+                    <a16:creationId xmlns:a16="http://schemas.microsoft.com/office/drawing/2014/main" id="{3A088041-3442-F60F-29CE-90123420644B}"/>
+                  </a:ext>
+                </a:extLst>
+              </p:cNvPr>
+              <p:cNvSpPr/>
+              <p:nvPr/>
+            </p:nvSpPr>
+            <p:spPr>
+              <a:xfrm>
+                <a:off x="4129211" y="4325544"/>
+                <a:ext cx="113460" cy="113460"/>
+              </a:xfrm>
+              <a:prstGeom prst="ellipse">
+                <a:avLst/>
+              </a:prstGeom>
+              <a:solidFill>
+                <a:schemeClr val="accent4">
+                  <a:lumMod val="60000"/>
+                  <a:lumOff val="40000"/>
+                </a:schemeClr>
+              </a:solidFill>
+              <a:ln>
+                <a:noFill/>
+              </a:ln>
+            </p:spPr>
+            <p:style>
+              <a:lnRef idx="2">
+                <a:schemeClr val="accent1">
+                  <a:shade val="50000"/>
+                </a:schemeClr>
+              </a:lnRef>
+              <a:fillRef idx="1">
+                <a:schemeClr val="accent1"/>
+              </a:fillRef>
+              <a:effectRef idx="0">
+                <a:schemeClr val="accent1"/>
+              </a:effectRef>
+              <a:fontRef idx="minor">
+                <a:schemeClr val="lt1"/>
+              </a:fontRef>
+            </p:style>
+            <p:txBody>
+              <a:bodyPr rtlCol="0" anchor="ctr"/>
+              <a:lstStyle/>
+              <a:p>
+                <a:pPr algn="ctr"/>
+                <a:endParaRPr lang="zh-CN" altLang="en-US"/>
+              </a:p>
+            </p:txBody>
+          </p:sp>
+          <p:sp>
+            <p:nvSpPr>
+              <p:cNvPr id="144" name="椭圆 143">
+                <a:extLst>
+                  <a:ext uri="{FF2B5EF4-FFF2-40B4-BE49-F238E27FC236}">
+                    <a16:creationId xmlns:a16="http://schemas.microsoft.com/office/drawing/2014/main" id="{2DB7EEF1-7C04-B679-4378-9237098E78E5}"/>
+                  </a:ext>
+                </a:extLst>
+              </p:cNvPr>
+              <p:cNvSpPr/>
+              <p:nvPr/>
+            </p:nvSpPr>
+            <p:spPr>
+              <a:xfrm>
+                <a:off x="4555721" y="4325544"/>
+                <a:ext cx="113460" cy="113460"/>
+              </a:xfrm>
+              <a:prstGeom prst="ellipse">
+                <a:avLst/>
+              </a:prstGeom>
+              <a:solidFill>
+                <a:schemeClr val="accent4">
+                  <a:lumMod val="60000"/>
+                  <a:lumOff val="40000"/>
+                </a:schemeClr>
+              </a:solidFill>
+              <a:ln>
+                <a:noFill/>
+              </a:ln>
+            </p:spPr>
+            <p:style>
+              <a:lnRef idx="2">
+                <a:schemeClr val="accent1">
+                  <a:shade val="50000"/>
+                </a:schemeClr>
+              </a:lnRef>
+              <a:fillRef idx="1">
+                <a:schemeClr val="accent1"/>
+              </a:fillRef>
+              <a:effectRef idx="0">
+                <a:schemeClr val="accent1"/>
+              </a:effectRef>
+              <a:fontRef idx="minor">
+                <a:schemeClr val="lt1"/>
+              </a:fontRef>
+            </p:style>
+            <p:txBody>
+              <a:bodyPr rtlCol="0" anchor="ctr"/>
+              <a:lstStyle/>
+              <a:p>
+                <a:pPr algn="ctr"/>
+                <a:endParaRPr lang="zh-CN" altLang="en-US"/>
+              </a:p>
+            </p:txBody>
+          </p:sp>
+          <p:sp>
+            <p:nvSpPr>
+              <p:cNvPr id="170" name="矩形 169">
+                <a:extLst>
+                  <a:ext uri="{FF2B5EF4-FFF2-40B4-BE49-F238E27FC236}">
+                    <a16:creationId xmlns:a16="http://schemas.microsoft.com/office/drawing/2014/main" id="{43BAD55D-B375-0974-22C8-CEA1A9A197C9}"/>
+                  </a:ext>
+                </a:extLst>
+              </p:cNvPr>
+              <p:cNvSpPr/>
+              <p:nvPr/>
+            </p:nvSpPr>
+            <p:spPr>
+              <a:xfrm>
+                <a:off x="3576796" y="3391077"/>
+                <a:ext cx="1209798" cy="1085850"/>
+              </a:xfrm>
+              <a:prstGeom prst="rect">
+                <a:avLst/>
+              </a:prstGeom>
+              <a:noFill/>
+              <a:ln w="3175">
+                <a:solidFill>
+                  <a:schemeClr val="tx1"/>
+                </a:solidFill>
+              </a:ln>
+            </p:spPr>
+            <p:style>
+              <a:lnRef idx="2">
+                <a:schemeClr val="accent1">
+                  <a:shade val="15000"/>
+                </a:schemeClr>
+              </a:lnRef>
+              <a:fillRef idx="1">
+                <a:schemeClr val="accent1"/>
+              </a:fillRef>
+              <a:effectRef idx="0">
+                <a:schemeClr val="accent1"/>
+              </a:effectRef>
+              <a:fontRef idx="minor">
+                <a:schemeClr val="lt1"/>
+              </a:fontRef>
+            </p:style>
+            <p:txBody>
+              <a:bodyPr rtlCol="0" anchor="ctr"/>
+              <a:lstStyle/>
+              <a:p>
+                <a:pPr algn="ctr"/>
+                <a:endParaRPr lang="zh-CN" altLang="en-US"/>
+              </a:p>
+            </p:txBody>
+          </p:sp>
+        </p:grpSp>
+        <p:sp>
+          <p:nvSpPr>
+            <p:cNvPr id="172" name="文本框 171">
+              <a:extLst>
+                <a:ext uri="{FF2B5EF4-FFF2-40B4-BE49-F238E27FC236}">
+                  <a16:creationId xmlns:a16="http://schemas.microsoft.com/office/drawing/2014/main" id="{67C8C661-E675-E4A0-18F0-8B34B7120523}"/>
+                </a:ext>
+              </a:extLst>
+            </p:cNvPr>
+            <p:cNvSpPr txBox="1"/>
+            <p:nvPr/>
+          </p:nvSpPr>
+          <p:spPr>
+            <a:xfrm>
+              <a:off x="3117416" y="4128282"/>
+              <a:ext cx="2366676" cy="369332"/>
+            </a:xfrm>
+            <a:prstGeom prst="rect">
+              <a:avLst/>
+            </a:prstGeom>
+            <a:noFill/>
+          </p:spPr>
+          <p:txBody>
+            <a:bodyPr wrap="square" rtlCol="0">
+              <a:spAutoFit/>
+            </a:bodyPr>
+            <a:lstStyle/>
+            <a:p>
+              <a:r>
+                <a:rPr lang="zh-CN" altLang="en-US" dirty="0">
+                  <a:latin typeface="Times New Roman" panose="02020603050405020304" pitchFamily="18" charset="0"/>
+                  <a:ea typeface="宋体" panose="02010600030101010101" pitchFamily="2" charset="-122"/>
+                  <a:cs typeface="Times New Roman" panose="02020603050405020304" pitchFamily="18" charset="0"/>
+                </a:rPr>
+                <a:t>原子尺度图嵌入向量</a:t>
+              </a:r>
+            </a:p>
+          </p:txBody>
+        </p:sp>
+        <p:sp>
+          <p:nvSpPr>
+            <p:cNvPr id="174" name="椭圆 173">
+              <a:extLst>
+                <a:ext uri="{FF2B5EF4-FFF2-40B4-BE49-F238E27FC236}">
+                  <a16:creationId xmlns:a16="http://schemas.microsoft.com/office/drawing/2014/main" id="{2CBD8145-FCA1-1276-D2F5-81D2E75ED847}"/>
+                </a:ext>
+              </a:extLst>
+            </p:cNvPr>
+            <p:cNvSpPr/>
+            <p:nvPr/>
+          </p:nvSpPr>
+          <p:spPr>
+            <a:xfrm>
+              <a:off x="6550439" y="2986123"/>
+              <a:ext cx="113460" cy="113460"/>
+            </a:xfrm>
+            <a:prstGeom prst="ellipse">
+              <a:avLst/>
+            </a:prstGeom>
+            <a:solidFill>
+              <a:schemeClr val="accent6">
+                <a:lumMod val="60000"/>
+                <a:lumOff val="40000"/>
+              </a:schemeClr>
+            </a:solidFill>
+            <a:ln>
+              <a:noFill/>
+            </a:ln>
+          </p:spPr>
+          <p:style>
+            <a:lnRef idx="2">
+              <a:schemeClr val="accent1">
+                <a:shade val="50000"/>
+              </a:schemeClr>
+            </a:lnRef>
+            <a:fillRef idx="1">
+              <a:schemeClr val="accent1"/>
+            </a:fillRef>
+            <a:effectRef idx="0">
+              <a:schemeClr val="accent1"/>
+            </a:effectRef>
+            <a:fontRef idx="minor">
+              <a:schemeClr val="lt1"/>
+            </a:fontRef>
+          </p:style>
+          <p:txBody>
+            <a:bodyPr rtlCol="0" anchor="ctr"/>
+            <a:lstStyle/>
+            <a:p>
+              <a:pPr algn="ctr"/>
+              <a:endParaRPr lang="zh-CN" altLang="en-US"/>
+            </a:p>
+          </p:txBody>
+        </p:sp>
+        <p:sp>
+          <p:nvSpPr>
+            <p:cNvPr id="175" name="椭圆 174">
+              <a:extLst>
+                <a:ext uri="{FF2B5EF4-FFF2-40B4-BE49-F238E27FC236}">
+                  <a16:creationId xmlns:a16="http://schemas.microsoft.com/office/drawing/2014/main" id="{046F4464-E68C-0718-B639-2AC43789FCB0}"/>
+                </a:ext>
+              </a:extLst>
+            </p:cNvPr>
+            <p:cNvSpPr/>
+            <p:nvPr/>
+          </p:nvSpPr>
+          <p:spPr>
+            <a:xfrm>
+              <a:off x="6767062" y="2983339"/>
+              <a:ext cx="113460" cy="113460"/>
+            </a:xfrm>
+            <a:prstGeom prst="ellipse">
+              <a:avLst/>
+            </a:prstGeom>
+            <a:solidFill>
+              <a:schemeClr val="accent6">
+                <a:lumMod val="60000"/>
+                <a:lumOff val="40000"/>
+              </a:schemeClr>
+            </a:solidFill>
+            <a:ln>
+              <a:noFill/>
+            </a:ln>
+          </p:spPr>
+          <p:style>
+            <a:lnRef idx="2">
+              <a:schemeClr val="accent1">
+                <a:shade val="50000"/>
+              </a:schemeClr>
+            </a:lnRef>
+            <a:fillRef idx="1">
+              <a:schemeClr val="accent1"/>
+            </a:fillRef>
+            <a:effectRef idx="0">
+              <a:schemeClr val="accent1"/>
+            </a:effectRef>
+            <a:fontRef idx="minor">
+              <a:schemeClr val="lt1"/>
+            </a:fontRef>
+          </p:style>
+          <p:txBody>
+            <a:bodyPr rtlCol="0" anchor="ctr"/>
+            <a:lstStyle/>
+            <a:p>
+              <a:pPr algn="ctr"/>
+              <a:endParaRPr lang="zh-CN" altLang="en-US"/>
+            </a:p>
+          </p:txBody>
+        </p:sp>
+        <p:sp>
+          <p:nvSpPr>
+            <p:cNvPr id="176" name="椭圆 175">
+              <a:extLst>
+                <a:ext uri="{FF2B5EF4-FFF2-40B4-BE49-F238E27FC236}">
+                  <a16:creationId xmlns:a16="http://schemas.microsoft.com/office/drawing/2014/main" id="{9FBB4C60-C4E0-1E92-1F02-D790B49C0BD5}"/>
+                </a:ext>
+              </a:extLst>
+            </p:cNvPr>
+            <p:cNvSpPr/>
+            <p:nvPr/>
+          </p:nvSpPr>
+          <p:spPr>
+            <a:xfrm>
+              <a:off x="7199456" y="2983339"/>
+              <a:ext cx="113460" cy="113460"/>
+            </a:xfrm>
+            <a:prstGeom prst="ellipse">
+              <a:avLst/>
+            </a:prstGeom>
+            <a:solidFill>
+              <a:schemeClr val="accent6">
+                <a:lumMod val="60000"/>
+                <a:lumOff val="40000"/>
+              </a:schemeClr>
+            </a:solidFill>
+            <a:ln>
+              <a:noFill/>
+            </a:ln>
+          </p:spPr>
+          <p:style>
+            <a:lnRef idx="2">
+              <a:schemeClr val="accent1">
+                <a:shade val="50000"/>
+              </a:schemeClr>
+            </a:lnRef>
+            <a:fillRef idx="1">
+              <a:schemeClr val="accent1"/>
+            </a:fillRef>
+            <a:effectRef idx="0">
+              <a:schemeClr val="accent1"/>
+            </a:effectRef>
+            <a:fontRef idx="minor">
+              <a:schemeClr val="lt1"/>
+            </a:fontRef>
+          </p:style>
+          <p:txBody>
+            <a:bodyPr rtlCol="0" anchor="ctr"/>
+            <a:lstStyle/>
+            <a:p>
+              <a:pPr algn="ctr"/>
+              <a:endParaRPr lang="zh-CN" altLang="en-US"/>
+            </a:p>
+          </p:txBody>
+        </p:sp>
+        <p:sp>
+          <p:nvSpPr>
+            <p:cNvPr id="177" name="椭圆 176">
+              <a:extLst>
+                <a:ext uri="{FF2B5EF4-FFF2-40B4-BE49-F238E27FC236}">
+                  <a16:creationId xmlns:a16="http://schemas.microsoft.com/office/drawing/2014/main" id="{D290D700-D332-63EC-F1AF-E45859C9232D}"/>
+                </a:ext>
+              </a:extLst>
+            </p:cNvPr>
+            <p:cNvSpPr/>
+            <p:nvPr/>
+          </p:nvSpPr>
+          <p:spPr>
+            <a:xfrm>
+              <a:off x="6986201" y="2983339"/>
+              <a:ext cx="113460" cy="113460"/>
+            </a:xfrm>
+            <a:prstGeom prst="ellipse">
+              <a:avLst/>
+            </a:prstGeom>
+            <a:solidFill>
+              <a:schemeClr val="accent6">
+                <a:lumMod val="60000"/>
+                <a:lumOff val="40000"/>
+              </a:schemeClr>
+            </a:solidFill>
+            <a:ln>
+              <a:noFill/>
+            </a:ln>
+          </p:spPr>
+          <p:style>
+            <a:lnRef idx="2">
+              <a:schemeClr val="accent1">
+                <a:shade val="50000"/>
+              </a:schemeClr>
+            </a:lnRef>
+            <a:fillRef idx="1">
+              <a:schemeClr val="accent1"/>
+            </a:fillRef>
+            <a:effectRef idx="0">
+              <a:schemeClr val="accent1"/>
+            </a:effectRef>
+            <a:fontRef idx="minor">
+              <a:schemeClr val="lt1"/>
+            </a:fontRef>
+          </p:style>
+          <p:txBody>
+            <a:bodyPr rtlCol="0" anchor="ctr"/>
+            <a:lstStyle/>
+            <a:p>
+              <a:pPr algn="ctr"/>
+              <a:endParaRPr lang="zh-CN" altLang="en-US"/>
+            </a:p>
+          </p:txBody>
+        </p:sp>
+        <p:sp>
+          <p:nvSpPr>
+            <p:cNvPr id="178" name="椭圆 177">
+              <a:extLst>
+                <a:ext uri="{FF2B5EF4-FFF2-40B4-BE49-F238E27FC236}">
+                  <a16:creationId xmlns:a16="http://schemas.microsoft.com/office/drawing/2014/main" id="{100386F7-6C84-3ECA-6EBF-B5056794FC49}"/>
+                </a:ext>
+              </a:extLst>
+            </p:cNvPr>
+            <p:cNvSpPr/>
+            <p:nvPr/>
+          </p:nvSpPr>
+          <p:spPr>
+            <a:xfrm>
+              <a:off x="7412711" y="2983339"/>
+              <a:ext cx="113460" cy="113460"/>
+            </a:xfrm>
+            <a:prstGeom prst="ellipse">
+              <a:avLst/>
+            </a:prstGeom>
+            <a:solidFill>
+              <a:schemeClr val="accent6">
+                <a:lumMod val="60000"/>
+                <a:lumOff val="40000"/>
+              </a:schemeClr>
+            </a:solidFill>
+            <a:ln>
+              <a:noFill/>
+            </a:ln>
+          </p:spPr>
+          <p:style>
+            <a:lnRef idx="2">
+              <a:schemeClr val="accent1">
+                <a:shade val="50000"/>
+              </a:schemeClr>
+            </a:lnRef>
+            <a:fillRef idx="1">
+              <a:schemeClr val="accent1"/>
+            </a:fillRef>
+            <a:effectRef idx="0">
+              <a:schemeClr val="accent1"/>
+            </a:effectRef>
+            <a:fontRef idx="minor">
+              <a:schemeClr val="lt1"/>
+            </a:fontRef>
+          </p:style>
+          <p:txBody>
+            <a:bodyPr rtlCol="0" anchor="ctr"/>
+            <a:lstStyle/>
+            <a:p>
+              <a:pPr algn="ctr"/>
+              <a:endParaRPr lang="zh-CN" altLang="en-US"/>
+            </a:p>
+          </p:txBody>
+        </p:sp>
+        <p:sp>
+          <p:nvSpPr>
+            <p:cNvPr id="179" name="椭圆 178">
+              <a:extLst>
+                <a:ext uri="{FF2B5EF4-FFF2-40B4-BE49-F238E27FC236}">
+                  <a16:creationId xmlns:a16="http://schemas.microsoft.com/office/drawing/2014/main" id="{7F9B80E4-DC93-21E3-46A1-81128C599534}"/>
+                </a:ext>
+              </a:extLst>
+            </p:cNvPr>
+            <p:cNvSpPr/>
+            <p:nvPr/>
+          </p:nvSpPr>
+          <p:spPr>
+            <a:xfrm>
+              <a:off x="6550439" y="3434395"/>
+              <a:ext cx="113460" cy="113460"/>
+            </a:xfrm>
+            <a:prstGeom prst="ellipse">
+              <a:avLst/>
+            </a:prstGeom>
+            <a:solidFill>
+              <a:schemeClr val="accent6">
+                <a:lumMod val="60000"/>
+                <a:lumOff val="40000"/>
+              </a:schemeClr>
+            </a:solidFill>
+            <a:ln>
+              <a:noFill/>
+            </a:ln>
+          </p:spPr>
+          <p:style>
+            <a:lnRef idx="2">
+              <a:schemeClr val="accent1">
+                <a:shade val="50000"/>
+              </a:schemeClr>
+            </a:lnRef>
+            <a:fillRef idx="1">
+              <a:schemeClr val="accent1"/>
+            </a:fillRef>
+            <a:effectRef idx="0">
+              <a:schemeClr val="accent1"/>
+            </a:effectRef>
+            <a:fontRef idx="minor">
+              <a:schemeClr val="lt1"/>
+            </a:fontRef>
+          </p:style>
+          <p:txBody>
+            <a:bodyPr rtlCol="0" anchor="ctr"/>
+            <a:lstStyle/>
+            <a:p>
+              <a:pPr algn="ctr"/>
+              <a:endParaRPr lang="zh-CN" altLang="en-US"/>
+            </a:p>
+          </p:txBody>
+        </p:sp>
+        <p:sp>
+          <p:nvSpPr>
+            <p:cNvPr id="180" name="椭圆 179">
+              <a:extLst>
+                <a:ext uri="{FF2B5EF4-FFF2-40B4-BE49-F238E27FC236}">
+                  <a16:creationId xmlns:a16="http://schemas.microsoft.com/office/drawing/2014/main" id="{2D09A7B6-D151-9EC0-D9C1-9711B7E1C544}"/>
+                </a:ext>
+              </a:extLst>
+            </p:cNvPr>
+            <p:cNvSpPr/>
+            <p:nvPr/>
+          </p:nvSpPr>
+          <p:spPr>
+            <a:xfrm>
+              <a:off x="6767062" y="3431611"/>
+              <a:ext cx="113460" cy="113460"/>
+            </a:xfrm>
+            <a:prstGeom prst="ellipse">
+              <a:avLst/>
+            </a:prstGeom>
+            <a:solidFill>
+              <a:schemeClr val="accent6">
+                <a:lumMod val="60000"/>
+                <a:lumOff val="40000"/>
+              </a:schemeClr>
+            </a:solidFill>
+            <a:ln>
+              <a:noFill/>
+            </a:ln>
+          </p:spPr>
+          <p:style>
+            <a:lnRef idx="2">
+              <a:schemeClr val="accent1">
+                <a:shade val="50000"/>
+              </a:schemeClr>
+            </a:lnRef>
+            <a:fillRef idx="1">
+              <a:schemeClr val="accent1"/>
+            </a:fillRef>
+            <a:effectRef idx="0">
+              <a:schemeClr val="accent1"/>
+            </a:effectRef>
+            <a:fontRef idx="minor">
+              <a:schemeClr val="lt1"/>
+            </a:fontRef>
+          </p:style>
+          <p:txBody>
+            <a:bodyPr rtlCol="0" anchor="ctr"/>
+            <a:lstStyle/>
+            <a:p>
+              <a:pPr algn="ctr"/>
+              <a:endParaRPr lang="zh-CN" altLang="en-US"/>
+            </a:p>
+          </p:txBody>
+        </p:sp>
+        <p:sp>
+          <p:nvSpPr>
+            <p:cNvPr id="181" name="椭圆 180">
+              <a:extLst>
+                <a:ext uri="{FF2B5EF4-FFF2-40B4-BE49-F238E27FC236}">
+                  <a16:creationId xmlns:a16="http://schemas.microsoft.com/office/drawing/2014/main" id="{5E2FD963-F681-D96C-4FD9-28A7AE7A51A6}"/>
+                </a:ext>
+              </a:extLst>
+            </p:cNvPr>
+            <p:cNvSpPr/>
+            <p:nvPr/>
+          </p:nvSpPr>
+          <p:spPr>
+            <a:xfrm>
+              <a:off x="7199456" y="3431611"/>
+              <a:ext cx="113460" cy="113460"/>
+            </a:xfrm>
+            <a:prstGeom prst="ellipse">
+              <a:avLst/>
+            </a:prstGeom>
+            <a:solidFill>
+              <a:schemeClr val="accent6">
+                <a:lumMod val="60000"/>
+                <a:lumOff val="40000"/>
+              </a:schemeClr>
+            </a:solidFill>
+            <a:ln>
+              <a:noFill/>
+            </a:ln>
+          </p:spPr>
+          <p:style>
+            <a:lnRef idx="2">
+              <a:schemeClr val="accent1">
+                <a:shade val="50000"/>
+              </a:schemeClr>
+            </a:lnRef>
+            <a:fillRef idx="1">
+              <a:schemeClr val="accent1"/>
+            </a:fillRef>
+            <a:effectRef idx="0">
+              <a:schemeClr val="accent1"/>
+            </a:effectRef>
+            <a:fontRef idx="minor">
+              <a:schemeClr val="lt1"/>
+            </a:fontRef>
+          </p:style>
+          <p:txBody>
+            <a:bodyPr rtlCol="0" anchor="ctr"/>
+            <a:lstStyle/>
+            <a:p>
+              <a:pPr algn="ctr"/>
+              <a:endParaRPr lang="zh-CN" altLang="en-US"/>
+            </a:p>
+          </p:txBody>
+        </p:sp>
+        <p:sp>
+          <p:nvSpPr>
+            <p:cNvPr id="182" name="椭圆 181">
+              <a:extLst>
+                <a:ext uri="{FF2B5EF4-FFF2-40B4-BE49-F238E27FC236}">
+                  <a16:creationId xmlns:a16="http://schemas.microsoft.com/office/drawing/2014/main" id="{123302C5-84E8-F7F6-4D48-DE17F2EFE0B6}"/>
+                </a:ext>
+              </a:extLst>
+            </p:cNvPr>
+            <p:cNvSpPr/>
+            <p:nvPr/>
+          </p:nvSpPr>
+          <p:spPr>
+            <a:xfrm>
+              <a:off x="6986201" y="3431611"/>
+              <a:ext cx="113460" cy="113460"/>
+            </a:xfrm>
+            <a:prstGeom prst="ellipse">
+              <a:avLst/>
+            </a:prstGeom>
+            <a:solidFill>
+              <a:schemeClr val="accent6">
+                <a:lumMod val="60000"/>
+                <a:lumOff val="40000"/>
+              </a:schemeClr>
+            </a:solidFill>
+            <a:ln>
+              <a:noFill/>
+            </a:ln>
+          </p:spPr>
+          <p:style>
+            <a:lnRef idx="2">
+              <a:schemeClr val="accent1">
+                <a:shade val="50000"/>
+              </a:schemeClr>
+            </a:lnRef>
+            <a:fillRef idx="1">
+              <a:schemeClr val="accent1"/>
+            </a:fillRef>
+            <a:effectRef idx="0">
+              <a:schemeClr val="accent1"/>
+            </a:effectRef>
+            <a:fontRef idx="minor">
+              <a:schemeClr val="lt1"/>
+            </a:fontRef>
+          </p:style>
+          <p:txBody>
+            <a:bodyPr rtlCol="0" anchor="ctr"/>
+            <a:lstStyle/>
+            <a:p>
+              <a:pPr algn="ctr"/>
+              <a:endParaRPr lang="zh-CN" altLang="en-US"/>
+            </a:p>
+          </p:txBody>
+        </p:sp>
+        <p:sp>
+          <p:nvSpPr>
+            <p:cNvPr id="183" name="椭圆 182">
+              <a:extLst>
+                <a:ext uri="{FF2B5EF4-FFF2-40B4-BE49-F238E27FC236}">
+                  <a16:creationId xmlns:a16="http://schemas.microsoft.com/office/drawing/2014/main" id="{74564BC3-3A88-79F8-F210-8AEFD4014934}"/>
+                </a:ext>
+              </a:extLst>
+            </p:cNvPr>
+            <p:cNvSpPr/>
+            <p:nvPr/>
+          </p:nvSpPr>
+          <p:spPr>
+            <a:xfrm>
+              <a:off x="7412711" y="3431611"/>
+              <a:ext cx="113460" cy="113460"/>
+            </a:xfrm>
+            <a:prstGeom prst="ellipse">
+              <a:avLst/>
+            </a:prstGeom>
+            <a:solidFill>
+              <a:schemeClr val="accent6">
+                <a:lumMod val="60000"/>
+                <a:lumOff val="40000"/>
+              </a:schemeClr>
+            </a:solidFill>
+            <a:ln>
+              <a:noFill/>
+            </a:ln>
+          </p:spPr>
+          <p:style>
+            <a:lnRef idx="2">
+              <a:schemeClr val="accent1">
+                <a:shade val="50000"/>
+              </a:schemeClr>
+            </a:lnRef>
+            <a:fillRef idx="1">
+              <a:schemeClr val="accent1"/>
+            </a:fillRef>
+            <a:effectRef idx="0">
+              <a:schemeClr val="accent1"/>
+            </a:effectRef>
+            <a:fontRef idx="minor">
+              <a:schemeClr val="lt1"/>
+            </a:fontRef>
+          </p:style>
+          <p:txBody>
+            <a:bodyPr rtlCol="0" anchor="ctr"/>
+            <a:lstStyle/>
+            <a:p>
+              <a:pPr algn="ctr"/>
+              <a:endParaRPr lang="zh-CN" altLang="en-US"/>
+            </a:p>
+          </p:txBody>
+        </p:sp>
+        <p:sp>
+          <p:nvSpPr>
+            <p:cNvPr id="184" name="椭圆 183">
+              <a:extLst>
+                <a:ext uri="{FF2B5EF4-FFF2-40B4-BE49-F238E27FC236}">
+                  <a16:creationId xmlns:a16="http://schemas.microsoft.com/office/drawing/2014/main" id="{C237BA4E-1248-FCF4-BC06-D8257FE60FE8}"/>
+                </a:ext>
+              </a:extLst>
+            </p:cNvPr>
+            <p:cNvSpPr/>
+            <p:nvPr/>
+          </p:nvSpPr>
+          <p:spPr>
+            <a:xfrm>
+              <a:off x="6554685" y="3210259"/>
+              <a:ext cx="113460" cy="113460"/>
+            </a:xfrm>
+            <a:prstGeom prst="ellipse">
+              <a:avLst/>
+            </a:prstGeom>
+            <a:solidFill>
+              <a:schemeClr val="accent6">
+                <a:lumMod val="60000"/>
+                <a:lumOff val="40000"/>
+              </a:schemeClr>
+            </a:solidFill>
+            <a:ln>
+              <a:noFill/>
+            </a:ln>
+          </p:spPr>
+          <p:style>
+            <a:lnRef idx="2">
+              <a:schemeClr val="accent1">
+                <a:shade val="50000"/>
+              </a:schemeClr>
+            </a:lnRef>
+            <a:fillRef idx="1">
+              <a:schemeClr val="accent1"/>
+            </a:fillRef>
+            <a:effectRef idx="0">
+              <a:schemeClr val="accent1"/>
+            </a:effectRef>
+            <a:fontRef idx="minor">
+              <a:schemeClr val="lt1"/>
+            </a:fontRef>
+          </p:style>
+          <p:txBody>
+            <a:bodyPr rtlCol="0" anchor="ctr"/>
+            <a:lstStyle/>
+            <a:p>
+              <a:pPr algn="ctr"/>
+              <a:endParaRPr lang="zh-CN" altLang="en-US"/>
+            </a:p>
+          </p:txBody>
+        </p:sp>
+        <p:sp>
+          <p:nvSpPr>
+            <p:cNvPr id="185" name="椭圆 184">
+              <a:extLst>
+                <a:ext uri="{FF2B5EF4-FFF2-40B4-BE49-F238E27FC236}">
+                  <a16:creationId xmlns:a16="http://schemas.microsoft.com/office/drawing/2014/main" id="{07292DCA-AB80-2083-C797-DF648152A050}"/>
+                </a:ext>
+              </a:extLst>
+            </p:cNvPr>
+            <p:cNvSpPr/>
+            <p:nvPr/>
+          </p:nvSpPr>
+          <p:spPr>
+            <a:xfrm>
+              <a:off x="6771308" y="3207475"/>
+              <a:ext cx="113460" cy="113460"/>
+            </a:xfrm>
+            <a:prstGeom prst="ellipse">
+              <a:avLst/>
+            </a:prstGeom>
+            <a:solidFill>
+              <a:schemeClr val="accent6">
+                <a:lumMod val="60000"/>
+                <a:lumOff val="40000"/>
+              </a:schemeClr>
+            </a:solidFill>
+            <a:ln>
+              <a:noFill/>
+            </a:ln>
+          </p:spPr>
+          <p:style>
+            <a:lnRef idx="2">
+              <a:schemeClr val="accent1">
+                <a:shade val="50000"/>
+              </a:schemeClr>
+            </a:lnRef>
+            <a:fillRef idx="1">
+              <a:schemeClr val="accent1"/>
+            </a:fillRef>
+            <a:effectRef idx="0">
+              <a:schemeClr val="accent1"/>
+            </a:effectRef>
+            <a:fontRef idx="minor">
+              <a:schemeClr val="lt1"/>
+            </a:fontRef>
+          </p:style>
+          <p:txBody>
+            <a:bodyPr rtlCol="0" anchor="ctr"/>
+            <a:lstStyle/>
+            <a:p>
+              <a:pPr algn="ctr"/>
+              <a:endParaRPr lang="zh-CN" altLang="en-US"/>
+            </a:p>
+          </p:txBody>
+        </p:sp>
+        <p:sp>
+          <p:nvSpPr>
+            <p:cNvPr id="186" name="椭圆 185">
+              <a:extLst>
+                <a:ext uri="{FF2B5EF4-FFF2-40B4-BE49-F238E27FC236}">
+                  <a16:creationId xmlns:a16="http://schemas.microsoft.com/office/drawing/2014/main" id="{B441ECFB-B950-111C-C57D-249495EDE49E}"/>
+                </a:ext>
+              </a:extLst>
+            </p:cNvPr>
+            <p:cNvSpPr/>
+            <p:nvPr/>
+          </p:nvSpPr>
+          <p:spPr>
+            <a:xfrm>
+              <a:off x="7203702" y="3207475"/>
+              <a:ext cx="113460" cy="113460"/>
+            </a:xfrm>
+            <a:prstGeom prst="ellipse">
+              <a:avLst/>
+            </a:prstGeom>
+            <a:solidFill>
+              <a:schemeClr val="accent6">
+                <a:lumMod val="60000"/>
+                <a:lumOff val="40000"/>
+              </a:schemeClr>
+            </a:solidFill>
+            <a:ln>
+              <a:noFill/>
+            </a:ln>
+          </p:spPr>
+          <p:style>
+            <a:lnRef idx="2">
+              <a:schemeClr val="accent1">
+                <a:shade val="50000"/>
+              </a:schemeClr>
+            </a:lnRef>
+            <a:fillRef idx="1">
+              <a:schemeClr val="accent1"/>
+            </a:fillRef>
+            <a:effectRef idx="0">
+              <a:schemeClr val="accent1"/>
+            </a:effectRef>
+            <a:fontRef idx="minor">
+              <a:schemeClr val="lt1"/>
+            </a:fontRef>
+          </p:style>
+          <p:txBody>
+            <a:bodyPr rtlCol="0" anchor="ctr"/>
+            <a:lstStyle/>
+            <a:p>
+              <a:pPr algn="ctr"/>
+              <a:endParaRPr lang="zh-CN" altLang="en-US"/>
+            </a:p>
+          </p:txBody>
+        </p:sp>
+        <p:sp>
+          <p:nvSpPr>
+            <p:cNvPr id="187" name="椭圆 186">
+              <a:extLst>
+                <a:ext uri="{FF2B5EF4-FFF2-40B4-BE49-F238E27FC236}">
+                  <a16:creationId xmlns:a16="http://schemas.microsoft.com/office/drawing/2014/main" id="{9B1E6C2B-E553-474B-1A9D-9DD6E9DF4B8E}"/>
+                </a:ext>
+              </a:extLst>
+            </p:cNvPr>
+            <p:cNvSpPr/>
+            <p:nvPr/>
+          </p:nvSpPr>
+          <p:spPr>
+            <a:xfrm>
+              <a:off x="6990447" y="3207475"/>
+              <a:ext cx="113460" cy="113460"/>
+            </a:xfrm>
+            <a:prstGeom prst="ellipse">
+              <a:avLst/>
+            </a:prstGeom>
+            <a:solidFill>
+              <a:schemeClr val="accent6">
+                <a:lumMod val="60000"/>
+                <a:lumOff val="40000"/>
+              </a:schemeClr>
+            </a:solidFill>
+            <a:ln>
+              <a:noFill/>
+            </a:ln>
+          </p:spPr>
+          <p:style>
+            <a:lnRef idx="2">
+              <a:schemeClr val="accent1">
+                <a:shade val="50000"/>
+              </a:schemeClr>
+            </a:lnRef>
+            <a:fillRef idx="1">
+              <a:schemeClr val="accent1"/>
+            </a:fillRef>
+            <a:effectRef idx="0">
+              <a:schemeClr val="accent1"/>
+            </a:effectRef>
+            <a:fontRef idx="minor">
+              <a:schemeClr val="lt1"/>
+            </a:fontRef>
+          </p:style>
+          <p:txBody>
+            <a:bodyPr rtlCol="0" anchor="ctr"/>
+            <a:lstStyle/>
+            <a:p>
+              <a:pPr algn="ctr"/>
+              <a:endParaRPr lang="zh-CN" altLang="en-US"/>
+            </a:p>
+          </p:txBody>
+        </p:sp>
+        <p:sp>
+          <p:nvSpPr>
+            <p:cNvPr id="188" name="椭圆 187">
+              <a:extLst>
+                <a:ext uri="{FF2B5EF4-FFF2-40B4-BE49-F238E27FC236}">
+                  <a16:creationId xmlns:a16="http://schemas.microsoft.com/office/drawing/2014/main" id="{DAB45244-02BC-15E5-2B60-B50F3131E4F2}"/>
+                </a:ext>
+              </a:extLst>
+            </p:cNvPr>
+            <p:cNvSpPr/>
+            <p:nvPr/>
+          </p:nvSpPr>
+          <p:spPr>
+            <a:xfrm>
+              <a:off x="7416957" y="3207475"/>
+              <a:ext cx="113460" cy="113460"/>
+            </a:xfrm>
+            <a:prstGeom prst="ellipse">
+              <a:avLst/>
+            </a:prstGeom>
+            <a:solidFill>
+              <a:schemeClr val="accent6">
+                <a:lumMod val="60000"/>
+                <a:lumOff val="40000"/>
+              </a:schemeClr>
+            </a:solidFill>
+            <a:ln>
+              <a:noFill/>
+            </a:ln>
+          </p:spPr>
+          <p:style>
+            <a:lnRef idx="2">
+              <a:schemeClr val="accent1">
+                <a:shade val="50000"/>
+              </a:schemeClr>
+            </a:lnRef>
+            <a:fillRef idx="1">
+              <a:schemeClr val="accent1"/>
+            </a:fillRef>
+            <a:effectRef idx="0">
+              <a:schemeClr val="accent1"/>
+            </a:effectRef>
+            <a:fontRef idx="minor">
+              <a:schemeClr val="lt1"/>
+            </a:fontRef>
+          </p:style>
+          <p:txBody>
+            <a:bodyPr rtlCol="0" anchor="ctr"/>
+            <a:lstStyle/>
+            <a:p>
+              <a:pPr algn="ctr"/>
+              <a:endParaRPr lang="zh-CN" altLang="en-US"/>
+            </a:p>
+          </p:txBody>
+        </p:sp>
+        <p:sp>
+          <p:nvSpPr>
+            <p:cNvPr id="189" name="椭圆 188">
+              <a:extLst>
+                <a:ext uri="{FF2B5EF4-FFF2-40B4-BE49-F238E27FC236}">
+                  <a16:creationId xmlns:a16="http://schemas.microsoft.com/office/drawing/2014/main" id="{95300CAD-EADC-F154-F58D-1DB7AFC3EED9}"/>
+                </a:ext>
+              </a:extLst>
+            </p:cNvPr>
+            <p:cNvSpPr/>
+            <p:nvPr/>
+          </p:nvSpPr>
+          <p:spPr>
+            <a:xfrm>
+              <a:off x="6550439" y="3658531"/>
+              <a:ext cx="113460" cy="113460"/>
+            </a:xfrm>
+            <a:prstGeom prst="ellipse">
+              <a:avLst/>
+            </a:prstGeom>
+            <a:solidFill>
+              <a:schemeClr val="accent6">
+                <a:lumMod val="60000"/>
+                <a:lumOff val="40000"/>
+              </a:schemeClr>
+            </a:solidFill>
+            <a:ln>
+              <a:noFill/>
+            </a:ln>
+          </p:spPr>
+          <p:style>
+            <a:lnRef idx="2">
+              <a:schemeClr val="accent1">
+                <a:shade val="50000"/>
+              </a:schemeClr>
+            </a:lnRef>
+            <a:fillRef idx="1">
+              <a:schemeClr val="accent1"/>
+            </a:fillRef>
+            <a:effectRef idx="0">
+              <a:schemeClr val="accent1"/>
+            </a:effectRef>
+            <a:fontRef idx="minor">
+              <a:schemeClr val="lt1"/>
+            </a:fontRef>
+          </p:style>
+          <p:txBody>
+            <a:bodyPr rtlCol="0" anchor="ctr"/>
+            <a:lstStyle/>
+            <a:p>
+              <a:pPr algn="ctr"/>
+              <a:endParaRPr lang="zh-CN" altLang="en-US"/>
+            </a:p>
+          </p:txBody>
+        </p:sp>
+        <p:sp>
+          <p:nvSpPr>
+            <p:cNvPr id="190" name="椭圆 189">
+              <a:extLst>
+                <a:ext uri="{FF2B5EF4-FFF2-40B4-BE49-F238E27FC236}">
+                  <a16:creationId xmlns:a16="http://schemas.microsoft.com/office/drawing/2014/main" id="{0B9282B4-D01E-6F9D-7DF9-3FDEDD7ECBD6}"/>
+                </a:ext>
+              </a:extLst>
+            </p:cNvPr>
+            <p:cNvSpPr/>
+            <p:nvPr/>
+          </p:nvSpPr>
+          <p:spPr>
+            <a:xfrm>
+              <a:off x="6767062" y="3655747"/>
+              <a:ext cx="113460" cy="113460"/>
+            </a:xfrm>
+            <a:prstGeom prst="ellipse">
+              <a:avLst/>
+            </a:prstGeom>
+            <a:solidFill>
+              <a:schemeClr val="accent6">
+                <a:lumMod val="60000"/>
+                <a:lumOff val="40000"/>
+              </a:schemeClr>
+            </a:solidFill>
+            <a:ln>
+              <a:noFill/>
+            </a:ln>
+          </p:spPr>
+          <p:style>
+            <a:lnRef idx="2">
+              <a:schemeClr val="accent1">
+                <a:shade val="50000"/>
+              </a:schemeClr>
+            </a:lnRef>
+            <a:fillRef idx="1">
+              <a:schemeClr val="accent1"/>
+            </a:fillRef>
+            <a:effectRef idx="0">
+              <a:schemeClr val="accent1"/>
+            </a:effectRef>
+            <a:fontRef idx="minor">
+              <a:schemeClr val="lt1"/>
+            </a:fontRef>
+          </p:style>
+          <p:txBody>
+            <a:bodyPr rtlCol="0" anchor="ctr"/>
+            <a:lstStyle/>
+            <a:p>
+              <a:pPr algn="ctr"/>
+              <a:endParaRPr lang="zh-CN" altLang="en-US"/>
+            </a:p>
+          </p:txBody>
+        </p:sp>
+        <p:sp>
+          <p:nvSpPr>
+            <p:cNvPr id="191" name="椭圆 190">
+              <a:extLst>
+                <a:ext uri="{FF2B5EF4-FFF2-40B4-BE49-F238E27FC236}">
+                  <a16:creationId xmlns:a16="http://schemas.microsoft.com/office/drawing/2014/main" id="{4A9633C2-FB47-9ECE-0AD5-48C5565EF06D}"/>
+                </a:ext>
+              </a:extLst>
+            </p:cNvPr>
+            <p:cNvSpPr/>
+            <p:nvPr/>
+          </p:nvSpPr>
+          <p:spPr>
+            <a:xfrm>
+              <a:off x="7199456" y="3655747"/>
+              <a:ext cx="113460" cy="113460"/>
+            </a:xfrm>
+            <a:prstGeom prst="ellipse">
+              <a:avLst/>
+            </a:prstGeom>
+            <a:solidFill>
+              <a:schemeClr val="accent6">
+                <a:lumMod val="60000"/>
+                <a:lumOff val="40000"/>
+              </a:schemeClr>
+            </a:solidFill>
+            <a:ln>
+              <a:noFill/>
+            </a:ln>
+          </p:spPr>
+          <p:style>
+            <a:lnRef idx="2">
+              <a:schemeClr val="accent1">
+                <a:shade val="50000"/>
+              </a:schemeClr>
+            </a:lnRef>
+            <a:fillRef idx="1">
+              <a:schemeClr val="accent1"/>
+            </a:fillRef>
+            <a:effectRef idx="0">
+              <a:schemeClr val="accent1"/>
+            </a:effectRef>
+            <a:fontRef idx="minor">
+              <a:schemeClr val="lt1"/>
+            </a:fontRef>
+          </p:style>
+          <p:txBody>
+            <a:bodyPr rtlCol="0" anchor="ctr"/>
+            <a:lstStyle/>
+            <a:p>
+              <a:pPr algn="ctr"/>
+              <a:endParaRPr lang="zh-CN" altLang="en-US"/>
+            </a:p>
+          </p:txBody>
+        </p:sp>
+        <p:sp>
+          <p:nvSpPr>
+            <p:cNvPr id="192" name="椭圆 191">
+              <a:extLst>
+                <a:ext uri="{FF2B5EF4-FFF2-40B4-BE49-F238E27FC236}">
+                  <a16:creationId xmlns:a16="http://schemas.microsoft.com/office/drawing/2014/main" id="{C7B59421-9A4F-33CA-DB22-D95DE78FC0F4}"/>
+                </a:ext>
+              </a:extLst>
+            </p:cNvPr>
+            <p:cNvSpPr/>
+            <p:nvPr/>
+          </p:nvSpPr>
+          <p:spPr>
+            <a:xfrm>
+              <a:off x="6986201" y="3655747"/>
+              <a:ext cx="113460" cy="113460"/>
+            </a:xfrm>
+            <a:prstGeom prst="ellipse">
+              <a:avLst/>
+            </a:prstGeom>
+            <a:solidFill>
+              <a:schemeClr val="accent6">
+                <a:lumMod val="60000"/>
+                <a:lumOff val="40000"/>
+              </a:schemeClr>
+            </a:solidFill>
+            <a:ln>
+              <a:noFill/>
+            </a:ln>
+          </p:spPr>
+          <p:style>
+            <a:lnRef idx="2">
+              <a:schemeClr val="accent1">
+                <a:shade val="50000"/>
+              </a:schemeClr>
+            </a:lnRef>
+            <a:fillRef idx="1">
+              <a:schemeClr val="accent1"/>
+            </a:fillRef>
+            <a:effectRef idx="0">
+              <a:schemeClr val="accent1"/>
+            </a:effectRef>
+            <a:fontRef idx="minor">
+              <a:schemeClr val="lt1"/>
+            </a:fontRef>
+          </p:style>
+          <p:txBody>
+            <a:bodyPr rtlCol="0" anchor="ctr"/>
+            <a:lstStyle/>
+            <a:p>
+              <a:pPr algn="ctr"/>
+              <a:endParaRPr lang="zh-CN" altLang="en-US"/>
+            </a:p>
+          </p:txBody>
+        </p:sp>
+        <p:sp>
+          <p:nvSpPr>
+            <p:cNvPr id="193" name="椭圆 192">
+              <a:extLst>
+                <a:ext uri="{FF2B5EF4-FFF2-40B4-BE49-F238E27FC236}">
+                  <a16:creationId xmlns:a16="http://schemas.microsoft.com/office/drawing/2014/main" id="{83169961-6A02-A6DE-2543-C6D83BF27A93}"/>
+                </a:ext>
+              </a:extLst>
+            </p:cNvPr>
+            <p:cNvSpPr/>
+            <p:nvPr/>
+          </p:nvSpPr>
+          <p:spPr>
+            <a:xfrm>
+              <a:off x="7412711" y="3655747"/>
+              <a:ext cx="113460" cy="113460"/>
+            </a:xfrm>
+            <a:prstGeom prst="ellipse">
+              <a:avLst/>
+            </a:prstGeom>
+            <a:solidFill>
+              <a:schemeClr val="accent6">
+                <a:lumMod val="60000"/>
+                <a:lumOff val="40000"/>
+              </a:schemeClr>
+            </a:solidFill>
+            <a:ln>
+              <a:noFill/>
+            </a:ln>
+          </p:spPr>
+          <p:style>
+            <a:lnRef idx="2">
+              <a:schemeClr val="accent1">
+                <a:shade val="50000"/>
+              </a:schemeClr>
+            </a:lnRef>
+            <a:fillRef idx="1">
+              <a:schemeClr val="accent1"/>
+            </a:fillRef>
+            <a:effectRef idx="0">
+              <a:schemeClr val="accent1"/>
+            </a:effectRef>
+            <a:fontRef idx="minor">
+              <a:schemeClr val="lt1"/>
+            </a:fontRef>
+          </p:style>
+          <p:txBody>
+            <a:bodyPr rtlCol="0" anchor="ctr"/>
+            <a:lstStyle/>
+            <a:p>
+              <a:pPr algn="ctr"/>
+              <a:endParaRPr lang="zh-CN" altLang="en-US"/>
+            </a:p>
+          </p:txBody>
+        </p:sp>
+        <p:sp>
+          <p:nvSpPr>
+            <p:cNvPr id="194" name="椭圆 193">
+              <a:extLst>
+                <a:ext uri="{FF2B5EF4-FFF2-40B4-BE49-F238E27FC236}">
+                  <a16:creationId xmlns:a16="http://schemas.microsoft.com/office/drawing/2014/main" id="{5FF8CE6E-9D6F-444C-8E67-71FEAAE679F2}"/>
+                </a:ext>
+              </a:extLst>
+            </p:cNvPr>
+            <p:cNvSpPr/>
+            <p:nvPr/>
+          </p:nvSpPr>
+          <p:spPr>
+            <a:xfrm>
+              <a:off x="6554685" y="3882667"/>
+              <a:ext cx="113460" cy="113460"/>
+            </a:xfrm>
+            <a:prstGeom prst="ellipse">
+              <a:avLst/>
+            </a:prstGeom>
+            <a:solidFill>
+              <a:schemeClr val="accent6">
+                <a:lumMod val="60000"/>
+                <a:lumOff val="40000"/>
+              </a:schemeClr>
+            </a:solidFill>
+            <a:ln>
+              <a:noFill/>
+            </a:ln>
+          </p:spPr>
+          <p:style>
+            <a:lnRef idx="2">
+              <a:schemeClr val="accent1">
+                <a:shade val="50000"/>
+              </a:schemeClr>
+            </a:lnRef>
+            <a:fillRef idx="1">
+              <a:schemeClr val="accent1"/>
+            </a:fillRef>
+            <a:effectRef idx="0">
+              <a:schemeClr val="accent1"/>
+            </a:effectRef>
+            <a:fontRef idx="minor">
+              <a:schemeClr val="lt1"/>
+            </a:fontRef>
+          </p:style>
+          <p:txBody>
+            <a:bodyPr rtlCol="0" anchor="ctr"/>
+            <a:lstStyle/>
+            <a:p>
+              <a:pPr algn="ctr"/>
+              <a:endParaRPr lang="zh-CN" altLang="en-US"/>
+            </a:p>
+          </p:txBody>
+        </p:sp>
+        <p:sp>
+          <p:nvSpPr>
+            <p:cNvPr id="195" name="椭圆 194">
+              <a:extLst>
+                <a:ext uri="{FF2B5EF4-FFF2-40B4-BE49-F238E27FC236}">
+                  <a16:creationId xmlns:a16="http://schemas.microsoft.com/office/drawing/2014/main" id="{7BC69657-594D-0686-CBB2-49024E98E34F}"/>
+                </a:ext>
+              </a:extLst>
+            </p:cNvPr>
+            <p:cNvSpPr/>
+            <p:nvPr/>
+          </p:nvSpPr>
+          <p:spPr>
+            <a:xfrm>
+              <a:off x="6771308" y="3879883"/>
+              <a:ext cx="113460" cy="113460"/>
+            </a:xfrm>
+            <a:prstGeom prst="ellipse">
+              <a:avLst/>
+            </a:prstGeom>
+            <a:solidFill>
+              <a:schemeClr val="accent6">
+                <a:lumMod val="60000"/>
+                <a:lumOff val="40000"/>
+              </a:schemeClr>
+            </a:solidFill>
+            <a:ln>
+              <a:noFill/>
+            </a:ln>
+          </p:spPr>
+          <p:style>
+            <a:lnRef idx="2">
+              <a:schemeClr val="accent1">
+                <a:shade val="50000"/>
+              </a:schemeClr>
+            </a:lnRef>
+            <a:fillRef idx="1">
+              <a:schemeClr val="accent1"/>
+            </a:fillRef>
+            <a:effectRef idx="0">
+              <a:schemeClr val="accent1"/>
+            </a:effectRef>
+            <a:fontRef idx="minor">
+              <a:schemeClr val="lt1"/>
+            </a:fontRef>
+          </p:style>
+          <p:txBody>
+            <a:bodyPr rtlCol="0" anchor="ctr"/>
+            <a:lstStyle/>
+            <a:p>
+              <a:pPr algn="ctr"/>
+              <a:endParaRPr lang="zh-CN" altLang="en-US"/>
+            </a:p>
+          </p:txBody>
+        </p:sp>
+        <p:sp>
+          <p:nvSpPr>
+            <p:cNvPr id="196" name="椭圆 195">
+              <a:extLst>
+                <a:ext uri="{FF2B5EF4-FFF2-40B4-BE49-F238E27FC236}">
+                  <a16:creationId xmlns:a16="http://schemas.microsoft.com/office/drawing/2014/main" id="{6DE3B884-82E9-ECCD-B67D-607407B4B633}"/>
+                </a:ext>
+              </a:extLst>
+            </p:cNvPr>
+            <p:cNvSpPr/>
+            <p:nvPr/>
+          </p:nvSpPr>
+          <p:spPr>
+            <a:xfrm>
+              <a:off x="7203702" y="3879883"/>
+              <a:ext cx="113460" cy="113460"/>
+            </a:xfrm>
+            <a:prstGeom prst="ellipse">
+              <a:avLst/>
+            </a:prstGeom>
+            <a:solidFill>
+              <a:schemeClr val="accent6">
+                <a:lumMod val="60000"/>
+                <a:lumOff val="40000"/>
+              </a:schemeClr>
+            </a:solidFill>
+            <a:ln>
+              <a:noFill/>
+            </a:ln>
+          </p:spPr>
+          <p:style>
+            <a:lnRef idx="2">
+              <a:schemeClr val="accent1">
+                <a:shade val="50000"/>
+              </a:schemeClr>
+            </a:lnRef>
+            <a:fillRef idx="1">
+              <a:schemeClr val="accent1"/>
+            </a:fillRef>
+            <a:effectRef idx="0">
+              <a:schemeClr val="accent1"/>
+            </a:effectRef>
+            <a:fontRef idx="minor">
+              <a:schemeClr val="lt1"/>
+            </a:fontRef>
+          </p:style>
+          <p:txBody>
+            <a:bodyPr rtlCol="0" anchor="ctr"/>
+            <a:lstStyle/>
+            <a:p>
+              <a:pPr algn="ctr"/>
+              <a:endParaRPr lang="zh-CN" altLang="en-US"/>
+            </a:p>
+          </p:txBody>
+        </p:sp>
+        <p:sp>
+          <p:nvSpPr>
+            <p:cNvPr id="197" name="椭圆 196">
+              <a:extLst>
+                <a:ext uri="{FF2B5EF4-FFF2-40B4-BE49-F238E27FC236}">
+                  <a16:creationId xmlns:a16="http://schemas.microsoft.com/office/drawing/2014/main" id="{9187671D-A43E-A38A-43DA-31F653671505}"/>
+                </a:ext>
+              </a:extLst>
+            </p:cNvPr>
+            <p:cNvSpPr/>
+            <p:nvPr/>
+          </p:nvSpPr>
+          <p:spPr>
+            <a:xfrm>
+              <a:off x="6990447" y="3879883"/>
+              <a:ext cx="113460" cy="113460"/>
+            </a:xfrm>
+            <a:prstGeom prst="ellipse">
+              <a:avLst/>
+            </a:prstGeom>
+            <a:solidFill>
+              <a:schemeClr val="accent6">
+                <a:lumMod val="60000"/>
+                <a:lumOff val="40000"/>
+              </a:schemeClr>
+            </a:solidFill>
+            <a:ln>
+              <a:noFill/>
+            </a:ln>
+          </p:spPr>
+          <p:style>
+            <a:lnRef idx="2">
+              <a:schemeClr val="accent1">
+                <a:shade val="50000"/>
+              </a:schemeClr>
+            </a:lnRef>
+            <a:fillRef idx="1">
+              <a:schemeClr val="accent1"/>
+            </a:fillRef>
+            <a:effectRef idx="0">
+              <a:schemeClr val="accent1"/>
+            </a:effectRef>
+            <a:fontRef idx="minor">
+              <a:schemeClr val="lt1"/>
+            </a:fontRef>
+          </p:style>
+          <p:txBody>
+            <a:bodyPr rtlCol="0" anchor="ctr"/>
+            <a:lstStyle/>
+            <a:p>
+              <a:pPr algn="ctr"/>
+              <a:endParaRPr lang="zh-CN" altLang="en-US"/>
+            </a:p>
+          </p:txBody>
+        </p:sp>
+        <p:sp>
+          <p:nvSpPr>
+            <p:cNvPr id="198" name="椭圆 197">
+              <a:extLst>
+                <a:ext uri="{FF2B5EF4-FFF2-40B4-BE49-F238E27FC236}">
+                  <a16:creationId xmlns:a16="http://schemas.microsoft.com/office/drawing/2014/main" id="{CE172C29-5DE7-9750-9A45-43879EAE5264}"/>
+                </a:ext>
+              </a:extLst>
+            </p:cNvPr>
+            <p:cNvSpPr/>
+            <p:nvPr/>
+          </p:nvSpPr>
+          <p:spPr>
+            <a:xfrm>
+              <a:off x="7416957" y="3879883"/>
+              <a:ext cx="113460" cy="113460"/>
+            </a:xfrm>
+            <a:prstGeom prst="ellipse">
+              <a:avLst/>
+            </a:prstGeom>
+            <a:solidFill>
+              <a:schemeClr val="accent6">
+                <a:lumMod val="60000"/>
+                <a:lumOff val="40000"/>
+              </a:schemeClr>
+            </a:solidFill>
+            <a:ln>
+              <a:noFill/>
+            </a:ln>
+          </p:spPr>
+          <p:style>
+            <a:lnRef idx="2">
+              <a:schemeClr val="accent1">
+                <a:shade val="50000"/>
+              </a:schemeClr>
+            </a:lnRef>
+            <a:fillRef idx="1">
+              <a:schemeClr val="accent1"/>
+            </a:fillRef>
+            <a:effectRef idx="0">
+              <a:schemeClr val="accent1"/>
+            </a:effectRef>
+            <a:fontRef idx="minor">
+              <a:schemeClr val="lt1"/>
+            </a:fontRef>
+          </p:style>
+          <p:txBody>
+            <a:bodyPr rtlCol="0" anchor="ctr"/>
+            <a:lstStyle/>
+            <a:p>
+              <a:pPr algn="ctr"/>
+              <a:endParaRPr lang="zh-CN" altLang="en-US"/>
+            </a:p>
+          </p:txBody>
+        </p:sp>
+        <p:sp>
+          <p:nvSpPr>
+            <p:cNvPr id="199" name="矩形 198">
+              <a:extLst>
+                <a:ext uri="{FF2B5EF4-FFF2-40B4-BE49-F238E27FC236}">
+                  <a16:creationId xmlns:a16="http://schemas.microsoft.com/office/drawing/2014/main" id="{4A687C80-12FA-242C-9549-5E76314DB155}"/>
+                </a:ext>
+              </a:extLst>
+            </p:cNvPr>
+            <p:cNvSpPr/>
+            <p:nvPr/>
+          </p:nvSpPr>
+          <p:spPr>
+            <a:xfrm>
+              <a:off x="6438032" y="2945416"/>
+              <a:ext cx="1209798" cy="1085850"/>
+            </a:xfrm>
+            <a:prstGeom prst="rect">
+              <a:avLst/>
+            </a:prstGeom>
+            <a:noFill/>
+            <a:ln w="3175">
+              <a:solidFill>
+                <a:schemeClr val="tx1"/>
+              </a:solidFill>
+            </a:ln>
+          </p:spPr>
+          <p:style>
+            <a:lnRef idx="2">
+              <a:schemeClr val="accent1">
+                <a:shade val="15000"/>
+              </a:schemeClr>
+            </a:lnRef>
+            <a:fillRef idx="1">
+              <a:schemeClr val="accent1"/>
+            </a:fillRef>
+            <a:effectRef idx="0">
+              <a:schemeClr val="accent1"/>
+            </a:effectRef>
+            <a:fontRef idx="minor">
+              <a:schemeClr val="lt1"/>
+            </a:fontRef>
+          </p:style>
+          <p:txBody>
+            <a:bodyPr rtlCol="0" anchor="ctr"/>
+            <a:lstStyle/>
+            <a:p>
+              <a:pPr algn="ctr"/>
+              <a:endParaRPr lang="zh-CN" altLang="en-US"/>
+            </a:p>
+          </p:txBody>
+        </p:sp>
+        <p:sp>
+          <p:nvSpPr>
+            <p:cNvPr id="200" name="文本框 199">
+              <a:extLst>
+                <a:ext uri="{FF2B5EF4-FFF2-40B4-BE49-F238E27FC236}">
+                  <a16:creationId xmlns:a16="http://schemas.microsoft.com/office/drawing/2014/main" id="{851B753D-CF76-C297-E040-39C60522E413}"/>
+                </a:ext>
+              </a:extLst>
+            </p:cNvPr>
+            <p:cNvSpPr txBox="1"/>
+            <p:nvPr/>
+          </p:nvSpPr>
+          <p:spPr>
+            <a:xfrm>
+              <a:off x="5876416" y="4144370"/>
+              <a:ext cx="2366676" cy="369332"/>
+            </a:xfrm>
+            <a:prstGeom prst="rect">
+              <a:avLst/>
+            </a:prstGeom>
+            <a:noFill/>
+          </p:spPr>
+          <p:txBody>
+            <a:bodyPr wrap="square" rtlCol="0">
+              <a:spAutoFit/>
+            </a:bodyPr>
+            <a:lstStyle/>
+            <a:p>
+              <a:r>
+                <a:rPr lang="zh-CN" altLang="en-US" dirty="0">
+                  <a:latin typeface="Times New Roman" panose="02020603050405020304" pitchFamily="18" charset="0"/>
+                  <a:ea typeface="宋体" panose="02010600030101010101" pitchFamily="2" charset="-122"/>
+                  <a:cs typeface="Times New Roman" panose="02020603050405020304" pitchFamily="18" charset="0"/>
+                </a:rPr>
+                <a:t>拓扑结构图嵌入向量</a:t>
+              </a:r>
+            </a:p>
+          </p:txBody>
+        </p:sp>
+      </p:grpSp>
+    </p:spTree>
+    <p:extLst>
+      <p:ext uri="{BB962C8B-B14F-4D97-AF65-F5344CB8AC3E}">
+        <p14:creationId xmlns:p14="http://schemas.microsoft.com/office/powerpoint/2010/main" val="893862660"/>
+      </p:ext>
+    </p:extLst>
+  </p:cSld>
+  <p:clrMapOvr>
+    <a:masterClrMapping/>
+  </p:clrMapOvr>
+</p:sld>
+</file>
+
+<file path=ppt/slides/slide7.xml><?xml version="1.0" encoding="utf-8"?>
+<p:sld xmlns:a="http://schemas.openxmlformats.org/drawingml/2006/main" xmlns:r="http://schemas.openxmlformats.org/officeDocument/2006/relationships" xmlns:p="http://schemas.openxmlformats.org/presentationml/2006/main">
+  <p:cSld>
+    <p:spTree>
+      <p:nvGrpSpPr>
+        <p:cNvPr id="1" name=""/>
+        <p:cNvGrpSpPr/>
+        <p:nvPr/>
+      </p:nvGrpSpPr>
+      <p:grpSpPr>
+        <a:xfrm>
+          <a:off x="0" y="0"/>
+          <a:ext cx="0" cy="0"/>
+          <a:chOff x="0" y="0"/>
+          <a:chExt cx="0" cy="0"/>
+        </a:xfrm>
+      </p:grpSpPr>
+      <p:pic>
+        <p:nvPicPr>
+          <p:cNvPr id="5" name="图片 4">
+            <a:extLst>
+              <a:ext uri="{FF2B5EF4-FFF2-40B4-BE49-F238E27FC236}">
+                <a16:creationId xmlns:a16="http://schemas.microsoft.com/office/drawing/2014/main" id="{01C8CF8C-5C75-C5C6-CB9F-363CB38697C4}"/>
+              </a:ext>
+            </a:extLst>
+          </p:cNvPr>
+          <p:cNvPicPr>
+            <a:picLocks noChangeAspect="1"/>
+          </p:cNvPicPr>
+          <p:nvPr/>
+        </p:nvPicPr>
+        <p:blipFill>
+          <a:blip r:embed="rId2">
+            <a:extLst>
+              <a:ext uri="{28A0092B-C50C-407E-A947-70E740481C1C}">
+                <a14:useLocalDpi xmlns:a14="http://schemas.microsoft.com/office/drawing/2010/main" val="0"/>
+              </a:ext>
+            </a:extLst>
+          </a:blip>
+          <a:stretch>
+            <a:fillRect/>
+          </a:stretch>
+        </p:blipFill>
+        <p:spPr>
+          <a:xfrm>
+            <a:off x="537802" y="839639"/>
+            <a:ext cx="11116396" cy="5178722"/>
+          </a:xfrm>
+          <a:prstGeom prst="rect">
+            <a:avLst/>
+          </a:prstGeom>
+        </p:spPr>
+      </p:pic>
+      <p:sp>
+        <p:nvSpPr>
+          <p:cNvPr id="6" name="矩形 5">
+            <a:extLst>
+              <a:ext uri="{FF2B5EF4-FFF2-40B4-BE49-F238E27FC236}">
+                <a16:creationId xmlns:a16="http://schemas.microsoft.com/office/drawing/2014/main" id="{6916D405-FF56-6BAA-C4DA-9BE48D9FA0DA}"/>
+              </a:ext>
+            </a:extLst>
+          </p:cNvPr>
+          <p:cNvSpPr/>
+          <p:nvPr/>
+        </p:nvSpPr>
+        <p:spPr>
+          <a:xfrm>
+            <a:off x="2421148" y="1132936"/>
+            <a:ext cx="1150188" cy="316302"/>
+          </a:xfrm>
+          <a:prstGeom prst="rect">
+            <a:avLst/>
+          </a:prstGeom>
+          <a:solidFill>
+            <a:schemeClr val="bg1"/>
+          </a:solidFill>
+          <a:ln>
+            <a:noFill/>
+          </a:ln>
+        </p:spPr>
+        <p:style>
+          <a:lnRef idx="2">
+            <a:schemeClr val="accent1">
+              <a:shade val="15000"/>
+            </a:schemeClr>
+          </a:lnRef>
+          <a:fillRef idx="1">
+            <a:schemeClr val="accent1"/>
+          </a:fillRef>
+          <a:effectRef idx="0">
+            <a:schemeClr val="accent1"/>
+          </a:effectRef>
+          <a:fontRef idx="minor">
+            <a:schemeClr val="lt1"/>
+          </a:fontRef>
+        </p:style>
+        <p:txBody>
+          <a:bodyPr rtlCol="0" anchor="ctr"/>
+          <a:lstStyle/>
+          <a:p>
+            <a:pPr algn="ctr"/>
+            <a:r>
+              <a:rPr lang="zh-CN" altLang="en-US" sz="1400" b="1" dirty="0">
+                <a:solidFill>
+                  <a:schemeClr val="tx1"/>
+                </a:solidFill>
+                <a:latin typeface="Times New Roman" panose="02020603050405020304" pitchFamily="18" charset="0"/>
+                <a:ea typeface="宋体" panose="02010600030101010101" pitchFamily="2" charset="-122"/>
+                <a:cs typeface="Times New Roman" panose="02020603050405020304" pitchFamily="18" charset="0"/>
+              </a:rPr>
+              <a:t>分子</a:t>
+            </a:r>
+            <a:r>
+              <a:rPr lang="en-US" altLang="zh-CN" sz="1400" b="1" dirty="0">
+                <a:solidFill>
+                  <a:schemeClr val="tx1"/>
+                </a:solidFill>
+                <a:latin typeface="Times New Roman" panose="02020603050405020304" pitchFamily="18" charset="0"/>
+                <a:ea typeface="宋体" panose="02010600030101010101" pitchFamily="2" charset="-122"/>
+                <a:cs typeface="Times New Roman" panose="02020603050405020304" pitchFamily="18" charset="0"/>
+              </a:rPr>
+              <a:t>A</a:t>
+            </a:r>
+            <a:endParaRPr lang="zh-CN" altLang="en-US" sz="1400" b="1" dirty="0">
+              <a:solidFill>
+                <a:schemeClr val="tx1"/>
+              </a:solidFill>
+              <a:latin typeface="Times New Roman" panose="02020603050405020304" pitchFamily="18" charset="0"/>
+              <a:ea typeface="宋体" panose="02010600030101010101" pitchFamily="2" charset="-122"/>
+              <a:cs typeface="Times New Roman" panose="02020603050405020304" pitchFamily="18" charset="0"/>
+            </a:endParaRPr>
+          </a:p>
+        </p:txBody>
+      </p:sp>
+      <p:sp>
+        <p:nvSpPr>
+          <p:cNvPr id="7" name="矩形 6">
+            <a:extLst>
+              <a:ext uri="{FF2B5EF4-FFF2-40B4-BE49-F238E27FC236}">
+                <a16:creationId xmlns:a16="http://schemas.microsoft.com/office/drawing/2014/main" id="{153ED716-53DA-F953-F848-744E0F16869E}"/>
+              </a:ext>
+            </a:extLst>
+          </p:cNvPr>
+          <p:cNvSpPr/>
+          <p:nvPr/>
+        </p:nvSpPr>
+        <p:spPr>
+          <a:xfrm>
+            <a:off x="4980318" y="1132936"/>
+            <a:ext cx="1150188" cy="316302"/>
+          </a:xfrm>
+          <a:prstGeom prst="rect">
+            <a:avLst/>
+          </a:prstGeom>
+          <a:solidFill>
+            <a:schemeClr val="bg1"/>
+          </a:solidFill>
+          <a:ln>
+            <a:noFill/>
+          </a:ln>
+        </p:spPr>
+        <p:style>
+          <a:lnRef idx="2">
+            <a:schemeClr val="accent1">
+              <a:shade val="15000"/>
+            </a:schemeClr>
+          </a:lnRef>
+          <a:fillRef idx="1">
+            <a:schemeClr val="accent1"/>
+          </a:fillRef>
+          <a:effectRef idx="0">
+            <a:schemeClr val="accent1"/>
+          </a:effectRef>
+          <a:fontRef idx="minor">
+            <a:schemeClr val="lt1"/>
+          </a:fontRef>
+        </p:style>
+        <p:txBody>
+          <a:bodyPr rtlCol="0" anchor="ctr"/>
+          <a:lstStyle/>
+          <a:p>
+            <a:pPr algn="ctr"/>
+            <a:r>
+              <a:rPr lang="zh-CN" altLang="en-US" sz="1400" b="1" dirty="0">
+                <a:solidFill>
+                  <a:schemeClr val="tx1"/>
+                </a:solidFill>
+                <a:latin typeface="Times New Roman" panose="02020603050405020304" pitchFamily="18" charset="0"/>
+                <a:ea typeface="宋体" panose="02010600030101010101" pitchFamily="2" charset="-122"/>
+                <a:cs typeface="Times New Roman" panose="02020603050405020304" pitchFamily="18" charset="0"/>
+              </a:rPr>
+              <a:t>分子</a:t>
+            </a:r>
+            <a:r>
+              <a:rPr lang="en-US" altLang="zh-CN" sz="1400" b="1" dirty="0">
+                <a:solidFill>
+                  <a:schemeClr val="tx1"/>
+                </a:solidFill>
+                <a:latin typeface="Times New Roman" panose="02020603050405020304" pitchFamily="18" charset="0"/>
+                <a:ea typeface="宋体" panose="02010600030101010101" pitchFamily="2" charset="-122"/>
+                <a:cs typeface="Times New Roman" panose="02020603050405020304" pitchFamily="18" charset="0"/>
+              </a:rPr>
+              <a:t>K</a:t>
+            </a:r>
+            <a:endParaRPr lang="zh-CN" altLang="en-US" sz="1400" b="1" dirty="0">
+              <a:solidFill>
+                <a:schemeClr val="tx1"/>
+              </a:solidFill>
+              <a:latin typeface="Times New Roman" panose="02020603050405020304" pitchFamily="18" charset="0"/>
+              <a:ea typeface="宋体" panose="02010600030101010101" pitchFamily="2" charset="-122"/>
+              <a:cs typeface="Times New Roman" panose="02020603050405020304" pitchFamily="18" charset="0"/>
+            </a:endParaRPr>
+          </a:p>
+        </p:txBody>
+      </p:sp>
+      <p:sp>
+        <p:nvSpPr>
+          <p:cNvPr id="8" name="矩形 7">
+            <a:extLst>
+              <a:ext uri="{FF2B5EF4-FFF2-40B4-BE49-F238E27FC236}">
+                <a16:creationId xmlns:a16="http://schemas.microsoft.com/office/drawing/2014/main" id="{107C8F47-5F62-64F9-10D0-AA47A43837BB}"/>
+              </a:ext>
+            </a:extLst>
+          </p:cNvPr>
+          <p:cNvSpPr/>
+          <p:nvPr/>
+        </p:nvSpPr>
+        <p:spPr>
+          <a:xfrm>
+            <a:off x="1500998" y="3301040"/>
+            <a:ext cx="1150188" cy="255919"/>
+          </a:xfrm>
+          <a:prstGeom prst="rect">
+            <a:avLst/>
+          </a:prstGeom>
+          <a:solidFill>
+            <a:schemeClr val="bg1"/>
+          </a:solidFill>
+          <a:ln>
+            <a:noFill/>
+          </a:ln>
+        </p:spPr>
+        <p:style>
+          <a:lnRef idx="2">
+            <a:schemeClr val="accent1">
+              <a:shade val="15000"/>
+            </a:schemeClr>
+          </a:lnRef>
+          <a:fillRef idx="1">
+            <a:schemeClr val="accent1"/>
+          </a:fillRef>
+          <a:effectRef idx="0">
+            <a:schemeClr val="accent1"/>
+          </a:effectRef>
+          <a:fontRef idx="minor">
+            <a:schemeClr val="lt1"/>
+          </a:fontRef>
+        </p:style>
+        <p:txBody>
+          <a:bodyPr rtlCol="0" anchor="ctr"/>
+          <a:lstStyle/>
+          <a:p>
+            <a:pPr algn="ctr"/>
+            <a:r>
+              <a:rPr lang="zh-CN" altLang="en-US" sz="1400" b="1" dirty="0">
+                <a:solidFill>
+                  <a:schemeClr val="tx1"/>
+                </a:solidFill>
+                <a:latin typeface="Times New Roman" panose="02020603050405020304" pitchFamily="18" charset="0"/>
+                <a:ea typeface="宋体" panose="02010600030101010101" pitchFamily="2" charset="-122"/>
+                <a:cs typeface="Times New Roman" panose="02020603050405020304" pitchFamily="18" charset="0"/>
+              </a:rPr>
+              <a:t>分子</a:t>
+            </a:r>
+            <a:r>
+              <a:rPr lang="en-US" altLang="zh-CN" sz="1400" b="1" dirty="0">
+                <a:solidFill>
+                  <a:schemeClr val="tx1"/>
+                </a:solidFill>
+                <a:latin typeface="Times New Roman" panose="02020603050405020304" pitchFamily="18" charset="0"/>
+                <a:ea typeface="宋体" panose="02010600030101010101" pitchFamily="2" charset="-122"/>
+                <a:cs typeface="Times New Roman" panose="02020603050405020304" pitchFamily="18" charset="0"/>
+              </a:rPr>
+              <a:t>B</a:t>
+            </a:r>
+            <a:endParaRPr lang="zh-CN" altLang="en-US" sz="1400" b="1" dirty="0">
+              <a:solidFill>
+                <a:schemeClr val="tx1"/>
+              </a:solidFill>
+              <a:latin typeface="Times New Roman" panose="02020603050405020304" pitchFamily="18" charset="0"/>
+              <a:ea typeface="宋体" panose="02010600030101010101" pitchFamily="2" charset="-122"/>
+              <a:cs typeface="Times New Roman" panose="02020603050405020304" pitchFamily="18" charset="0"/>
+            </a:endParaRPr>
+          </a:p>
+        </p:txBody>
+      </p:sp>
+      <p:sp>
+        <p:nvSpPr>
+          <p:cNvPr id="9" name="矩形 8">
+            <a:extLst>
+              <a:ext uri="{FF2B5EF4-FFF2-40B4-BE49-F238E27FC236}">
+                <a16:creationId xmlns:a16="http://schemas.microsoft.com/office/drawing/2014/main" id="{AA00E399-D37F-3A7D-221C-03005A84C980}"/>
+              </a:ext>
+            </a:extLst>
+          </p:cNvPr>
+          <p:cNvSpPr/>
+          <p:nvPr/>
+        </p:nvSpPr>
+        <p:spPr>
+          <a:xfrm>
+            <a:off x="3039288" y="3301040"/>
+            <a:ext cx="1150188" cy="255919"/>
+          </a:xfrm>
+          <a:prstGeom prst="rect">
+            <a:avLst/>
+          </a:prstGeom>
+          <a:solidFill>
+            <a:schemeClr val="bg1"/>
+          </a:solidFill>
+          <a:ln>
+            <a:noFill/>
+          </a:ln>
+        </p:spPr>
+        <p:style>
+          <a:lnRef idx="2">
+            <a:schemeClr val="accent1">
+              <a:shade val="15000"/>
+            </a:schemeClr>
+          </a:lnRef>
+          <a:fillRef idx="1">
+            <a:schemeClr val="accent1"/>
+          </a:fillRef>
+          <a:effectRef idx="0">
+            <a:schemeClr val="accent1"/>
+          </a:effectRef>
+          <a:fontRef idx="minor">
+            <a:schemeClr val="lt1"/>
+          </a:fontRef>
+        </p:style>
+        <p:txBody>
+          <a:bodyPr rtlCol="0" anchor="ctr"/>
+          <a:lstStyle/>
+          <a:p>
+            <a:pPr algn="ctr"/>
+            <a:r>
+              <a:rPr lang="zh-CN" altLang="en-US" sz="1400" b="1" dirty="0">
+                <a:solidFill>
+                  <a:schemeClr val="tx1"/>
+                </a:solidFill>
+                <a:latin typeface="Times New Roman" panose="02020603050405020304" pitchFamily="18" charset="0"/>
+                <a:ea typeface="宋体" panose="02010600030101010101" pitchFamily="2" charset="-122"/>
+                <a:cs typeface="Times New Roman" panose="02020603050405020304" pitchFamily="18" charset="0"/>
+              </a:rPr>
+              <a:t>分子</a:t>
+            </a:r>
+            <a:r>
+              <a:rPr lang="en-US" altLang="zh-CN" sz="1400" b="1" dirty="0">
+                <a:solidFill>
+                  <a:schemeClr val="tx1"/>
+                </a:solidFill>
+                <a:latin typeface="Times New Roman" panose="02020603050405020304" pitchFamily="18" charset="0"/>
+                <a:ea typeface="宋体" panose="02010600030101010101" pitchFamily="2" charset="-122"/>
+                <a:cs typeface="Times New Roman" panose="02020603050405020304" pitchFamily="18" charset="0"/>
+              </a:rPr>
+              <a:t>C</a:t>
+            </a:r>
+            <a:endParaRPr lang="zh-CN" altLang="en-US" sz="1400" b="1" dirty="0">
+              <a:solidFill>
+                <a:schemeClr val="tx1"/>
+              </a:solidFill>
+              <a:latin typeface="Times New Roman" panose="02020603050405020304" pitchFamily="18" charset="0"/>
+              <a:ea typeface="宋体" panose="02010600030101010101" pitchFamily="2" charset="-122"/>
+              <a:cs typeface="Times New Roman" panose="02020603050405020304" pitchFamily="18" charset="0"/>
+            </a:endParaRPr>
+          </a:p>
+        </p:txBody>
+      </p:sp>
+      <p:sp>
+        <p:nvSpPr>
+          <p:cNvPr id="10" name="矩形 9">
+            <a:extLst>
+              <a:ext uri="{FF2B5EF4-FFF2-40B4-BE49-F238E27FC236}">
+                <a16:creationId xmlns:a16="http://schemas.microsoft.com/office/drawing/2014/main" id="{7FE1F3A6-1E26-3028-F08F-68DBF749897C}"/>
+              </a:ext>
+            </a:extLst>
+          </p:cNvPr>
+          <p:cNvSpPr/>
+          <p:nvPr/>
+        </p:nvSpPr>
+        <p:spPr>
+          <a:xfrm>
+            <a:off x="3712148" y="5063706"/>
+            <a:ext cx="1150188" cy="198407"/>
+          </a:xfrm>
+          <a:prstGeom prst="rect">
+            <a:avLst/>
+          </a:prstGeom>
+          <a:solidFill>
+            <a:schemeClr val="bg1"/>
+          </a:solidFill>
+          <a:ln>
+            <a:noFill/>
+          </a:ln>
+        </p:spPr>
+        <p:style>
+          <a:lnRef idx="2">
+            <a:schemeClr val="accent1">
+              <a:shade val="15000"/>
+            </a:schemeClr>
+          </a:lnRef>
+          <a:fillRef idx="1">
+            <a:schemeClr val="accent1"/>
+          </a:fillRef>
+          <a:effectRef idx="0">
+            <a:schemeClr val="accent1"/>
+          </a:effectRef>
+          <a:fontRef idx="minor">
+            <a:schemeClr val="lt1"/>
+          </a:fontRef>
+        </p:style>
+        <p:txBody>
+          <a:bodyPr rtlCol="0" anchor="ctr"/>
+          <a:lstStyle/>
+          <a:p>
+            <a:pPr algn="ctr"/>
+            <a:r>
+              <a:rPr lang="zh-CN" altLang="en-US" sz="1400" b="1" dirty="0">
+                <a:solidFill>
+                  <a:schemeClr val="tx1"/>
+                </a:solidFill>
+                <a:latin typeface="Times New Roman" panose="02020603050405020304" pitchFamily="18" charset="0"/>
+                <a:ea typeface="宋体" panose="02010600030101010101" pitchFamily="2" charset="-122"/>
+                <a:cs typeface="Times New Roman" panose="02020603050405020304" pitchFamily="18" charset="0"/>
+              </a:rPr>
+              <a:t>分子</a:t>
+            </a:r>
+            <a:r>
+              <a:rPr lang="en-US" altLang="zh-CN" sz="1400" b="1" dirty="0">
+                <a:solidFill>
+                  <a:schemeClr val="tx1"/>
+                </a:solidFill>
+                <a:latin typeface="Times New Roman" panose="02020603050405020304" pitchFamily="18" charset="0"/>
+                <a:ea typeface="宋体" panose="02010600030101010101" pitchFamily="2" charset="-122"/>
+                <a:cs typeface="Times New Roman" panose="02020603050405020304" pitchFamily="18" charset="0"/>
+              </a:rPr>
+              <a:t>E</a:t>
+            </a:r>
+            <a:endParaRPr lang="zh-CN" altLang="en-US" sz="1400" b="1" dirty="0">
+              <a:solidFill>
+                <a:schemeClr val="tx1"/>
+              </a:solidFill>
+              <a:latin typeface="Times New Roman" panose="02020603050405020304" pitchFamily="18" charset="0"/>
+              <a:ea typeface="宋体" panose="02010600030101010101" pitchFamily="2" charset="-122"/>
+              <a:cs typeface="Times New Roman" panose="02020603050405020304" pitchFamily="18" charset="0"/>
+            </a:endParaRPr>
+          </a:p>
+        </p:txBody>
+      </p:sp>
+      <p:sp>
+        <p:nvSpPr>
+          <p:cNvPr id="11" name="矩形 10">
+            <a:extLst>
+              <a:ext uri="{FF2B5EF4-FFF2-40B4-BE49-F238E27FC236}">
+                <a16:creationId xmlns:a16="http://schemas.microsoft.com/office/drawing/2014/main" id="{31E864D1-3A1D-6C71-4F26-1033A7E6F75A}"/>
+              </a:ext>
+            </a:extLst>
+          </p:cNvPr>
+          <p:cNvSpPr/>
+          <p:nvPr/>
+        </p:nvSpPr>
+        <p:spPr>
+          <a:xfrm>
+            <a:off x="2354925" y="5063706"/>
+            <a:ext cx="1150188" cy="198407"/>
+          </a:xfrm>
+          <a:prstGeom prst="rect">
+            <a:avLst/>
+          </a:prstGeom>
+          <a:solidFill>
+            <a:schemeClr val="bg1"/>
+          </a:solidFill>
+          <a:ln>
+            <a:noFill/>
+          </a:ln>
+        </p:spPr>
+        <p:style>
+          <a:lnRef idx="2">
+            <a:schemeClr val="accent1">
+              <a:shade val="15000"/>
+            </a:schemeClr>
+          </a:lnRef>
+          <a:fillRef idx="1">
+            <a:schemeClr val="accent1"/>
+          </a:fillRef>
+          <a:effectRef idx="0">
+            <a:schemeClr val="accent1"/>
+          </a:effectRef>
+          <a:fontRef idx="minor">
+            <a:schemeClr val="lt1"/>
+          </a:fontRef>
+        </p:style>
+        <p:txBody>
+          <a:bodyPr rtlCol="0" anchor="ctr"/>
+          <a:lstStyle/>
+          <a:p>
+            <a:pPr algn="ctr"/>
+            <a:r>
+              <a:rPr lang="zh-CN" altLang="en-US" sz="1400" b="1" dirty="0">
+                <a:solidFill>
+                  <a:schemeClr val="tx1"/>
+                </a:solidFill>
+                <a:latin typeface="Times New Roman" panose="02020603050405020304" pitchFamily="18" charset="0"/>
+                <a:ea typeface="宋体" panose="02010600030101010101" pitchFamily="2" charset="-122"/>
+                <a:cs typeface="Times New Roman" panose="02020603050405020304" pitchFamily="18" charset="0"/>
+              </a:rPr>
+              <a:t>分子</a:t>
+            </a:r>
+            <a:r>
+              <a:rPr lang="en-US" altLang="zh-CN" sz="1400" b="1" dirty="0">
+                <a:solidFill>
+                  <a:schemeClr val="tx1"/>
+                </a:solidFill>
+                <a:latin typeface="Times New Roman" panose="02020603050405020304" pitchFamily="18" charset="0"/>
+                <a:ea typeface="宋体" panose="02010600030101010101" pitchFamily="2" charset="-122"/>
+                <a:cs typeface="Times New Roman" panose="02020603050405020304" pitchFamily="18" charset="0"/>
+              </a:rPr>
+              <a:t>D</a:t>
+            </a:r>
+            <a:endParaRPr lang="zh-CN" altLang="en-US" sz="1400" b="1" dirty="0">
+              <a:solidFill>
+                <a:schemeClr val="tx1"/>
+              </a:solidFill>
+              <a:latin typeface="Times New Roman" panose="02020603050405020304" pitchFamily="18" charset="0"/>
+              <a:ea typeface="宋体" panose="02010600030101010101" pitchFamily="2" charset="-122"/>
+              <a:cs typeface="Times New Roman" panose="02020603050405020304" pitchFamily="18" charset="0"/>
+            </a:endParaRPr>
+          </a:p>
+        </p:txBody>
+      </p:sp>
+      <p:sp>
+        <p:nvSpPr>
+          <p:cNvPr id="12" name="矩形 11">
+            <a:extLst>
+              <a:ext uri="{FF2B5EF4-FFF2-40B4-BE49-F238E27FC236}">
+                <a16:creationId xmlns:a16="http://schemas.microsoft.com/office/drawing/2014/main" id="{E87478B3-3D4C-CF52-4EFB-FF4489B7D3C7}"/>
+              </a:ext>
+            </a:extLst>
+          </p:cNvPr>
+          <p:cNvSpPr/>
+          <p:nvPr/>
+        </p:nvSpPr>
+        <p:spPr>
+          <a:xfrm>
+            <a:off x="5103877" y="2918604"/>
+            <a:ext cx="1150188" cy="198407"/>
+          </a:xfrm>
+          <a:prstGeom prst="rect">
+            <a:avLst/>
+          </a:prstGeom>
+          <a:solidFill>
+            <a:schemeClr val="bg1"/>
+          </a:solidFill>
+          <a:ln>
+            <a:noFill/>
+          </a:ln>
+        </p:spPr>
+        <p:style>
+          <a:lnRef idx="2">
+            <a:schemeClr val="accent1">
+              <a:shade val="15000"/>
+            </a:schemeClr>
+          </a:lnRef>
+          <a:fillRef idx="1">
+            <a:schemeClr val="accent1"/>
+          </a:fillRef>
+          <a:effectRef idx="0">
+            <a:schemeClr val="accent1"/>
+          </a:effectRef>
+          <a:fontRef idx="minor">
+            <a:schemeClr val="lt1"/>
+          </a:fontRef>
+        </p:style>
+        <p:txBody>
+          <a:bodyPr rtlCol="0" anchor="ctr"/>
+          <a:lstStyle/>
+          <a:p>
+            <a:pPr algn="ctr"/>
+            <a:r>
+              <a:rPr lang="zh-CN" altLang="en-US" sz="1400" b="1" dirty="0">
+                <a:solidFill>
+                  <a:schemeClr val="tx1"/>
+                </a:solidFill>
+                <a:latin typeface="Times New Roman" panose="02020603050405020304" pitchFamily="18" charset="0"/>
+                <a:ea typeface="宋体" panose="02010600030101010101" pitchFamily="2" charset="-122"/>
+                <a:cs typeface="Times New Roman" panose="02020603050405020304" pitchFamily="18" charset="0"/>
+              </a:rPr>
+              <a:t>分子</a:t>
+            </a:r>
+            <a:r>
+              <a:rPr lang="en-US" altLang="zh-CN" sz="1400" b="1" dirty="0">
+                <a:solidFill>
+                  <a:schemeClr val="tx1"/>
+                </a:solidFill>
+                <a:latin typeface="Times New Roman" panose="02020603050405020304" pitchFamily="18" charset="0"/>
+                <a:ea typeface="宋体" panose="02010600030101010101" pitchFamily="2" charset="-122"/>
+                <a:cs typeface="Times New Roman" panose="02020603050405020304" pitchFamily="18" charset="0"/>
+              </a:rPr>
+              <a:t>F</a:t>
+            </a:r>
+            <a:endParaRPr lang="zh-CN" altLang="en-US" sz="1400" b="1" dirty="0">
+              <a:solidFill>
+                <a:schemeClr val="tx1"/>
+              </a:solidFill>
+              <a:latin typeface="Times New Roman" panose="02020603050405020304" pitchFamily="18" charset="0"/>
+              <a:ea typeface="宋体" panose="02010600030101010101" pitchFamily="2" charset="-122"/>
+              <a:cs typeface="Times New Roman" panose="02020603050405020304" pitchFamily="18" charset="0"/>
+            </a:endParaRPr>
+          </a:p>
+        </p:txBody>
+      </p:sp>
+      <p:sp>
+        <p:nvSpPr>
+          <p:cNvPr id="13" name="矩形 12">
+            <a:extLst>
+              <a:ext uri="{FF2B5EF4-FFF2-40B4-BE49-F238E27FC236}">
+                <a16:creationId xmlns:a16="http://schemas.microsoft.com/office/drawing/2014/main" id="{A7D48AFB-0BEC-D98B-08C8-CB5450990E5A}"/>
+              </a:ext>
+            </a:extLst>
+          </p:cNvPr>
+          <p:cNvSpPr/>
+          <p:nvPr/>
+        </p:nvSpPr>
+        <p:spPr>
+          <a:xfrm>
+            <a:off x="7519273" y="2918603"/>
+            <a:ext cx="1150188" cy="198407"/>
+          </a:xfrm>
+          <a:prstGeom prst="rect">
+            <a:avLst/>
+          </a:prstGeom>
+          <a:solidFill>
+            <a:schemeClr val="bg1"/>
+          </a:solidFill>
+          <a:ln>
+            <a:noFill/>
+          </a:ln>
+        </p:spPr>
+        <p:style>
+          <a:lnRef idx="2">
+            <a:schemeClr val="accent1">
+              <a:shade val="15000"/>
+            </a:schemeClr>
+          </a:lnRef>
+          <a:fillRef idx="1">
+            <a:schemeClr val="accent1"/>
+          </a:fillRef>
+          <a:effectRef idx="0">
+            <a:schemeClr val="accent1"/>
+          </a:effectRef>
+          <a:fontRef idx="minor">
+            <a:schemeClr val="lt1"/>
+          </a:fontRef>
+        </p:style>
+        <p:txBody>
+          <a:bodyPr rtlCol="0" anchor="ctr"/>
+          <a:lstStyle/>
+          <a:p>
+            <a:pPr algn="ctr"/>
+            <a:r>
+              <a:rPr lang="zh-CN" altLang="en-US" sz="1400" b="1" dirty="0">
+                <a:solidFill>
+                  <a:schemeClr val="tx1"/>
+                </a:solidFill>
+                <a:latin typeface="Times New Roman" panose="02020603050405020304" pitchFamily="18" charset="0"/>
+                <a:ea typeface="宋体" panose="02010600030101010101" pitchFamily="2" charset="-122"/>
+                <a:cs typeface="Times New Roman" panose="02020603050405020304" pitchFamily="18" charset="0"/>
+              </a:rPr>
+              <a:t>分子</a:t>
+            </a:r>
+            <a:r>
+              <a:rPr lang="en-US" altLang="zh-CN" sz="1400" b="1" dirty="0">
+                <a:solidFill>
+                  <a:schemeClr val="tx1"/>
+                </a:solidFill>
+                <a:latin typeface="Times New Roman" panose="02020603050405020304" pitchFamily="18" charset="0"/>
+                <a:ea typeface="宋体" panose="02010600030101010101" pitchFamily="2" charset="-122"/>
+                <a:cs typeface="Times New Roman" panose="02020603050405020304" pitchFamily="18" charset="0"/>
+              </a:rPr>
+              <a:t>G</a:t>
+            </a:r>
+            <a:endParaRPr lang="zh-CN" altLang="en-US" sz="1400" b="1" dirty="0">
+              <a:solidFill>
+                <a:schemeClr val="tx1"/>
+              </a:solidFill>
+              <a:latin typeface="Times New Roman" panose="02020603050405020304" pitchFamily="18" charset="0"/>
+              <a:ea typeface="宋体" panose="02010600030101010101" pitchFamily="2" charset="-122"/>
+              <a:cs typeface="Times New Roman" panose="02020603050405020304" pitchFamily="18" charset="0"/>
+            </a:endParaRPr>
+          </a:p>
+        </p:txBody>
+      </p:sp>
+      <p:sp>
+        <p:nvSpPr>
+          <p:cNvPr id="14" name="矩形 13">
+            <a:extLst>
+              <a:ext uri="{FF2B5EF4-FFF2-40B4-BE49-F238E27FC236}">
+                <a16:creationId xmlns:a16="http://schemas.microsoft.com/office/drawing/2014/main" id="{9FEB7C2D-F099-AFB2-6B5D-E4B5F87B9E19}"/>
+              </a:ext>
+            </a:extLst>
+          </p:cNvPr>
+          <p:cNvSpPr/>
+          <p:nvPr/>
+        </p:nvSpPr>
+        <p:spPr>
+          <a:xfrm>
+            <a:off x="7605537" y="4074543"/>
+            <a:ext cx="1150188" cy="198407"/>
+          </a:xfrm>
+          <a:prstGeom prst="rect">
+            <a:avLst/>
+          </a:prstGeom>
+          <a:solidFill>
+            <a:schemeClr val="bg1"/>
+          </a:solidFill>
+          <a:ln>
+            <a:noFill/>
+          </a:ln>
+        </p:spPr>
+        <p:style>
+          <a:lnRef idx="2">
+            <a:schemeClr val="accent1">
+              <a:shade val="15000"/>
+            </a:schemeClr>
+          </a:lnRef>
+          <a:fillRef idx="1">
+            <a:schemeClr val="accent1"/>
+          </a:fillRef>
+          <a:effectRef idx="0">
+            <a:schemeClr val="accent1"/>
+          </a:effectRef>
+          <a:fontRef idx="minor">
+            <a:schemeClr val="lt1"/>
+          </a:fontRef>
+        </p:style>
+        <p:txBody>
+          <a:bodyPr rtlCol="0" anchor="ctr"/>
+          <a:lstStyle/>
+          <a:p>
+            <a:pPr algn="ctr"/>
+            <a:r>
+              <a:rPr lang="zh-CN" altLang="en-US" sz="1400" b="1" dirty="0">
+                <a:solidFill>
+                  <a:schemeClr val="tx1"/>
+                </a:solidFill>
+                <a:latin typeface="Times New Roman" panose="02020603050405020304" pitchFamily="18" charset="0"/>
+                <a:ea typeface="宋体" panose="02010600030101010101" pitchFamily="2" charset="-122"/>
+                <a:cs typeface="Times New Roman" panose="02020603050405020304" pitchFamily="18" charset="0"/>
+              </a:rPr>
+              <a:t>分子</a:t>
+            </a:r>
+            <a:r>
+              <a:rPr lang="en-US" altLang="zh-CN" sz="1400" b="1" dirty="0">
+                <a:solidFill>
+                  <a:schemeClr val="tx1"/>
+                </a:solidFill>
+                <a:latin typeface="Times New Roman" panose="02020603050405020304" pitchFamily="18" charset="0"/>
+                <a:ea typeface="宋体" panose="02010600030101010101" pitchFamily="2" charset="-122"/>
+                <a:cs typeface="Times New Roman" panose="02020603050405020304" pitchFamily="18" charset="0"/>
+              </a:rPr>
+              <a:t>H</a:t>
+            </a:r>
+            <a:endParaRPr lang="zh-CN" altLang="en-US" sz="1400" b="1" dirty="0">
+              <a:solidFill>
+                <a:schemeClr val="tx1"/>
+              </a:solidFill>
+              <a:latin typeface="Times New Roman" panose="02020603050405020304" pitchFamily="18" charset="0"/>
+              <a:ea typeface="宋体" panose="02010600030101010101" pitchFamily="2" charset="-122"/>
+              <a:cs typeface="Times New Roman" panose="02020603050405020304" pitchFamily="18" charset="0"/>
+            </a:endParaRPr>
+          </a:p>
+        </p:txBody>
+      </p:sp>
+      <p:sp>
+        <p:nvSpPr>
+          <p:cNvPr id="15" name="矩形 14">
+            <a:extLst>
+              <a:ext uri="{FF2B5EF4-FFF2-40B4-BE49-F238E27FC236}">
+                <a16:creationId xmlns:a16="http://schemas.microsoft.com/office/drawing/2014/main" id="{C397678F-369A-89E4-2D85-45F5435679B4}"/>
+              </a:ext>
+            </a:extLst>
+          </p:cNvPr>
+          <p:cNvSpPr/>
+          <p:nvPr/>
+        </p:nvSpPr>
+        <p:spPr>
+          <a:xfrm>
+            <a:off x="7404254" y="1173192"/>
+            <a:ext cx="1089889" cy="198407"/>
+          </a:xfrm>
+          <a:prstGeom prst="rect">
+            <a:avLst/>
+          </a:prstGeom>
+          <a:solidFill>
+            <a:schemeClr val="bg1"/>
+          </a:solidFill>
+          <a:ln>
+            <a:noFill/>
+          </a:ln>
+        </p:spPr>
+        <p:style>
+          <a:lnRef idx="2">
+            <a:schemeClr val="accent1">
+              <a:shade val="15000"/>
+            </a:schemeClr>
+          </a:lnRef>
+          <a:fillRef idx="1">
+            <a:schemeClr val="accent1"/>
+          </a:fillRef>
+          <a:effectRef idx="0">
+            <a:schemeClr val="accent1"/>
+          </a:effectRef>
+          <a:fontRef idx="minor">
+            <a:schemeClr val="lt1"/>
+          </a:fontRef>
+        </p:style>
+        <p:txBody>
+          <a:bodyPr rtlCol="0" anchor="ctr"/>
+          <a:lstStyle/>
+          <a:p>
+            <a:pPr algn="ctr"/>
+            <a:r>
+              <a:rPr lang="zh-CN" altLang="en-US" sz="1400" b="1" dirty="0">
+                <a:solidFill>
+                  <a:schemeClr val="tx1"/>
+                </a:solidFill>
+                <a:latin typeface="Times New Roman" panose="02020603050405020304" pitchFamily="18" charset="0"/>
+                <a:ea typeface="宋体" panose="02010600030101010101" pitchFamily="2" charset="-122"/>
+                <a:cs typeface="Times New Roman" panose="02020603050405020304" pitchFamily="18" charset="0"/>
+              </a:rPr>
+              <a:t>   分子</a:t>
+            </a:r>
+            <a:r>
+              <a:rPr lang="en-US" altLang="zh-CN" sz="1400" b="1" dirty="0">
+                <a:solidFill>
+                  <a:schemeClr val="tx1"/>
+                </a:solidFill>
+                <a:latin typeface="Times New Roman" panose="02020603050405020304" pitchFamily="18" charset="0"/>
+                <a:ea typeface="宋体" panose="02010600030101010101" pitchFamily="2" charset="-122"/>
+                <a:cs typeface="Times New Roman" panose="02020603050405020304" pitchFamily="18" charset="0"/>
+              </a:rPr>
+              <a:t>L</a:t>
+            </a:r>
+            <a:endParaRPr lang="zh-CN" altLang="en-US" sz="1400" b="1" dirty="0">
+              <a:solidFill>
+                <a:schemeClr val="tx1"/>
+              </a:solidFill>
+              <a:latin typeface="Times New Roman" panose="02020603050405020304" pitchFamily="18" charset="0"/>
+              <a:ea typeface="宋体" panose="02010600030101010101" pitchFamily="2" charset="-122"/>
+              <a:cs typeface="Times New Roman" panose="02020603050405020304" pitchFamily="18" charset="0"/>
+            </a:endParaRPr>
+          </a:p>
+        </p:txBody>
+      </p:sp>
+      <p:sp>
+        <p:nvSpPr>
+          <p:cNvPr id="16" name="矩形 15">
+            <a:extLst>
+              <a:ext uri="{FF2B5EF4-FFF2-40B4-BE49-F238E27FC236}">
+                <a16:creationId xmlns:a16="http://schemas.microsoft.com/office/drawing/2014/main" id="{AF692C6D-B56A-C516-5B4A-903E227B36B1}"/>
+              </a:ext>
+            </a:extLst>
+          </p:cNvPr>
+          <p:cNvSpPr/>
+          <p:nvPr/>
+        </p:nvSpPr>
+        <p:spPr>
+          <a:xfrm>
+            <a:off x="9842654" y="1191883"/>
+            <a:ext cx="1150188" cy="198407"/>
+          </a:xfrm>
+          <a:prstGeom prst="rect">
+            <a:avLst/>
+          </a:prstGeom>
+          <a:solidFill>
+            <a:schemeClr val="bg1"/>
+          </a:solidFill>
+          <a:ln>
+            <a:noFill/>
+          </a:ln>
+        </p:spPr>
+        <p:style>
+          <a:lnRef idx="2">
+            <a:schemeClr val="accent1">
+              <a:shade val="15000"/>
+            </a:schemeClr>
+          </a:lnRef>
+          <a:fillRef idx="1">
+            <a:schemeClr val="accent1"/>
+          </a:fillRef>
+          <a:effectRef idx="0">
+            <a:schemeClr val="accent1"/>
+          </a:effectRef>
+          <a:fontRef idx="minor">
+            <a:schemeClr val="lt1"/>
+          </a:fontRef>
+        </p:style>
+        <p:txBody>
+          <a:bodyPr rtlCol="0" anchor="ctr"/>
+          <a:lstStyle/>
+          <a:p>
+            <a:pPr algn="ctr"/>
+            <a:r>
+              <a:rPr lang="zh-CN" altLang="en-US" sz="1400" b="1" dirty="0">
+                <a:solidFill>
+                  <a:schemeClr val="tx1"/>
+                </a:solidFill>
+                <a:latin typeface="Times New Roman" panose="02020603050405020304" pitchFamily="18" charset="0"/>
+                <a:ea typeface="宋体" panose="02010600030101010101" pitchFamily="2" charset="-122"/>
+                <a:cs typeface="Times New Roman" panose="02020603050405020304" pitchFamily="18" charset="0"/>
+              </a:rPr>
+              <a:t>分子</a:t>
+            </a:r>
+            <a:r>
+              <a:rPr lang="en-US" altLang="zh-CN" sz="1400" b="1" dirty="0">
+                <a:solidFill>
+                  <a:schemeClr val="tx1"/>
+                </a:solidFill>
+                <a:latin typeface="Times New Roman" panose="02020603050405020304" pitchFamily="18" charset="0"/>
+                <a:ea typeface="宋体" panose="02010600030101010101" pitchFamily="2" charset="-122"/>
+                <a:cs typeface="Times New Roman" panose="02020603050405020304" pitchFamily="18" charset="0"/>
+              </a:rPr>
+              <a:t>M</a:t>
+            </a:r>
+            <a:endParaRPr lang="zh-CN" altLang="en-US" sz="1400" b="1" dirty="0">
+              <a:solidFill>
+                <a:schemeClr val="tx1"/>
+              </a:solidFill>
+              <a:latin typeface="Times New Roman" panose="02020603050405020304" pitchFamily="18" charset="0"/>
+              <a:ea typeface="宋体" panose="02010600030101010101" pitchFamily="2" charset="-122"/>
+              <a:cs typeface="Times New Roman" panose="02020603050405020304" pitchFamily="18" charset="0"/>
+            </a:endParaRPr>
+          </a:p>
+        </p:txBody>
+      </p:sp>
+      <p:sp>
+        <p:nvSpPr>
+          <p:cNvPr id="17" name="矩形 16">
+            <a:extLst>
+              <a:ext uri="{FF2B5EF4-FFF2-40B4-BE49-F238E27FC236}">
+                <a16:creationId xmlns:a16="http://schemas.microsoft.com/office/drawing/2014/main" id="{C215903C-74F8-B97D-B97F-6B18561DEDB0}"/>
+              </a:ext>
+            </a:extLst>
+          </p:cNvPr>
+          <p:cNvSpPr/>
+          <p:nvPr/>
+        </p:nvSpPr>
+        <p:spPr>
+          <a:xfrm>
+            <a:off x="9842654" y="2255808"/>
+            <a:ext cx="1150188" cy="198407"/>
+          </a:xfrm>
+          <a:prstGeom prst="rect">
+            <a:avLst/>
+          </a:prstGeom>
+          <a:solidFill>
+            <a:schemeClr val="bg1"/>
+          </a:solidFill>
+          <a:ln>
+            <a:noFill/>
+          </a:ln>
+        </p:spPr>
+        <p:style>
+          <a:lnRef idx="2">
+            <a:schemeClr val="accent1">
+              <a:shade val="15000"/>
+            </a:schemeClr>
+          </a:lnRef>
+          <a:fillRef idx="1">
+            <a:schemeClr val="accent1"/>
+          </a:fillRef>
+          <a:effectRef idx="0">
+            <a:schemeClr val="accent1"/>
+          </a:effectRef>
+          <a:fontRef idx="minor">
+            <a:schemeClr val="lt1"/>
+          </a:fontRef>
+        </p:style>
+        <p:txBody>
+          <a:bodyPr rtlCol="0" anchor="ctr"/>
+          <a:lstStyle/>
+          <a:p>
+            <a:pPr algn="ctr"/>
+            <a:r>
+              <a:rPr lang="zh-CN" altLang="en-US" sz="1400" b="1" dirty="0">
+                <a:solidFill>
+                  <a:schemeClr val="tx1"/>
+                </a:solidFill>
+                <a:latin typeface="Times New Roman" panose="02020603050405020304" pitchFamily="18" charset="0"/>
+                <a:ea typeface="宋体" panose="02010600030101010101" pitchFamily="2" charset="-122"/>
+                <a:cs typeface="Times New Roman" panose="02020603050405020304" pitchFamily="18" charset="0"/>
+              </a:rPr>
+              <a:t>分子</a:t>
+            </a:r>
+            <a:r>
+              <a:rPr lang="en-US" altLang="zh-CN" sz="1400" b="1" dirty="0">
+                <a:solidFill>
+                  <a:schemeClr val="tx1"/>
+                </a:solidFill>
+                <a:latin typeface="Times New Roman" panose="02020603050405020304" pitchFamily="18" charset="0"/>
+                <a:ea typeface="宋体" panose="02010600030101010101" pitchFamily="2" charset="-122"/>
+                <a:cs typeface="Times New Roman" panose="02020603050405020304" pitchFamily="18" charset="0"/>
+              </a:rPr>
+              <a:t>N</a:t>
+            </a:r>
+            <a:endParaRPr lang="zh-CN" altLang="en-US" sz="1400" b="1" dirty="0">
+              <a:solidFill>
+                <a:schemeClr val="tx1"/>
+              </a:solidFill>
+              <a:latin typeface="Times New Roman" panose="02020603050405020304" pitchFamily="18" charset="0"/>
+              <a:ea typeface="宋体" panose="02010600030101010101" pitchFamily="2" charset="-122"/>
+              <a:cs typeface="Times New Roman" panose="02020603050405020304" pitchFamily="18" charset="0"/>
+            </a:endParaRPr>
+          </a:p>
+        </p:txBody>
+      </p:sp>
+      <p:sp>
+        <p:nvSpPr>
+          <p:cNvPr id="18" name="矩形 17">
+            <a:extLst>
+              <a:ext uri="{FF2B5EF4-FFF2-40B4-BE49-F238E27FC236}">
+                <a16:creationId xmlns:a16="http://schemas.microsoft.com/office/drawing/2014/main" id="{F516CE4B-485A-A2F8-0F6D-B730E1512C1B}"/>
+              </a:ext>
+            </a:extLst>
+          </p:cNvPr>
+          <p:cNvSpPr/>
+          <p:nvPr/>
+        </p:nvSpPr>
+        <p:spPr>
+          <a:xfrm>
+            <a:off x="9819563" y="3728049"/>
+            <a:ext cx="1038218" cy="198407"/>
+          </a:xfrm>
+          <a:prstGeom prst="rect">
+            <a:avLst/>
+          </a:prstGeom>
+          <a:solidFill>
+            <a:schemeClr val="bg1"/>
+          </a:solidFill>
+          <a:ln>
+            <a:noFill/>
+          </a:ln>
+        </p:spPr>
+        <p:style>
+          <a:lnRef idx="2">
+            <a:schemeClr val="accent1">
+              <a:shade val="15000"/>
+            </a:schemeClr>
+          </a:lnRef>
+          <a:fillRef idx="1">
+            <a:schemeClr val="accent1"/>
+          </a:fillRef>
+          <a:effectRef idx="0">
+            <a:schemeClr val="accent1"/>
+          </a:effectRef>
+          <a:fontRef idx="minor">
+            <a:schemeClr val="lt1"/>
+          </a:fontRef>
+        </p:style>
+        <p:txBody>
+          <a:bodyPr rtlCol="0" anchor="ctr"/>
+          <a:lstStyle/>
+          <a:p>
+            <a:pPr algn="ctr"/>
+            <a:r>
+              <a:rPr lang="zh-CN" altLang="en-US" sz="1400" b="1" dirty="0">
+                <a:solidFill>
+                  <a:schemeClr val="tx1"/>
+                </a:solidFill>
+                <a:latin typeface="Times New Roman" panose="02020603050405020304" pitchFamily="18" charset="0"/>
+                <a:ea typeface="宋体" panose="02010600030101010101" pitchFamily="2" charset="-122"/>
+                <a:cs typeface="Times New Roman" panose="02020603050405020304" pitchFamily="18" charset="0"/>
+              </a:rPr>
+              <a:t>分子</a:t>
+            </a:r>
+            <a:r>
+              <a:rPr lang="en-US" altLang="zh-CN" sz="1400" b="1" dirty="0">
+                <a:solidFill>
+                  <a:schemeClr val="tx1"/>
+                </a:solidFill>
+                <a:latin typeface="Times New Roman" panose="02020603050405020304" pitchFamily="18" charset="0"/>
+                <a:ea typeface="宋体" panose="02010600030101010101" pitchFamily="2" charset="-122"/>
+                <a:cs typeface="Times New Roman" panose="02020603050405020304" pitchFamily="18" charset="0"/>
+              </a:rPr>
+              <a:t>I</a:t>
+            </a:r>
+            <a:endParaRPr lang="zh-CN" altLang="en-US" sz="1400" b="1" dirty="0">
+              <a:solidFill>
+                <a:schemeClr val="tx1"/>
+              </a:solidFill>
+              <a:latin typeface="Times New Roman" panose="02020603050405020304" pitchFamily="18" charset="0"/>
+              <a:ea typeface="宋体" panose="02010600030101010101" pitchFamily="2" charset="-122"/>
+              <a:cs typeface="Times New Roman" panose="02020603050405020304" pitchFamily="18" charset="0"/>
+            </a:endParaRPr>
+          </a:p>
+        </p:txBody>
+      </p:sp>
+      <p:sp>
+        <p:nvSpPr>
+          <p:cNvPr id="19" name="矩形 18">
+            <a:extLst>
+              <a:ext uri="{FF2B5EF4-FFF2-40B4-BE49-F238E27FC236}">
+                <a16:creationId xmlns:a16="http://schemas.microsoft.com/office/drawing/2014/main" id="{EF47C36E-AC5D-575F-C5A8-5AED59E3483C}"/>
+              </a:ext>
+            </a:extLst>
+          </p:cNvPr>
+          <p:cNvSpPr/>
+          <p:nvPr/>
+        </p:nvSpPr>
+        <p:spPr>
+          <a:xfrm>
+            <a:off x="9756302" y="4550434"/>
+            <a:ext cx="1150188" cy="198407"/>
+          </a:xfrm>
+          <a:prstGeom prst="rect">
+            <a:avLst/>
+          </a:prstGeom>
+          <a:solidFill>
+            <a:schemeClr val="bg1"/>
+          </a:solidFill>
+          <a:ln>
+            <a:noFill/>
+          </a:ln>
+        </p:spPr>
+        <p:style>
+          <a:lnRef idx="2">
+            <a:schemeClr val="accent1">
+              <a:shade val="15000"/>
+            </a:schemeClr>
+          </a:lnRef>
+          <a:fillRef idx="1">
+            <a:schemeClr val="accent1"/>
+          </a:fillRef>
+          <a:effectRef idx="0">
+            <a:schemeClr val="accent1"/>
+          </a:effectRef>
+          <a:fontRef idx="minor">
+            <a:schemeClr val="lt1"/>
+          </a:fontRef>
+        </p:style>
+        <p:txBody>
+          <a:bodyPr rtlCol="0" anchor="ctr"/>
+          <a:lstStyle/>
+          <a:p>
+            <a:pPr algn="ctr"/>
+            <a:r>
+              <a:rPr lang="zh-CN" altLang="en-US" sz="1400" b="1" dirty="0">
+                <a:solidFill>
+                  <a:schemeClr val="tx1"/>
+                </a:solidFill>
+                <a:latin typeface="Times New Roman" panose="02020603050405020304" pitchFamily="18" charset="0"/>
+                <a:ea typeface="宋体" panose="02010600030101010101" pitchFamily="2" charset="-122"/>
+                <a:cs typeface="Times New Roman" panose="02020603050405020304" pitchFamily="18" charset="0"/>
+              </a:rPr>
+              <a:t>分子</a:t>
+            </a:r>
+            <a:r>
+              <a:rPr lang="en-US" altLang="zh-CN" sz="1400" b="1" dirty="0">
+                <a:solidFill>
+                  <a:schemeClr val="tx1"/>
+                </a:solidFill>
+                <a:latin typeface="Times New Roman" panose="02020603050405020304" pitchFamily="18" charset="0"/>
+                <a:ea typeface="宋体" panose="02010600030101010101" pitchFamily="2" charset="-122"/>
+                <a:cs typeface="Times New Roman" panose="02020603050405020304" pitchFamily="18" charset="0"/>
+              </a:rPr>
+              <a:t>J</a:t>
+            </a:r>
+            <a:endParaRPr lang="zh-CN" altLang="en-US" sz="1400" b="1" dirty="0">
+              <a:solidFill>
+                <a:schemeClr val="tx1"/>
+              </a:solidFill>
+              <a:latin typeface="Times New Roman" panose="02020603050405020304" pitchFamily="18" charset="0"/>
+              <a:ea typeface="宋体" panose="02010600030101010101" pitchFamily="2" charset="-122"/>
+              <a:cs typeface="Times New Roman" panose="02020603050405020304" pitchFamily="18" charset="0"/>
+            </a:endParaRPr>
+          </a:p>
+        </p:txBody>
+      </p:sp>
+    </p:spTree>
+    <p:extLst>
+      <p:ext uri="{BB962C8B-B14F-4D97-AF65-F5344CB8AC3E}">
+        <p14:creationId xmlns:p14="http://schemas.microsoft.com/office/powerpoint/2010/main" val="3726402856"/>
+      </p:ext>
+    </p:extLst>
+  </p:cSld>
+  <p:clrMapOvr>
+    <a:masterClrMapping/>
+  </p:clrMapOvr>
+</p:sld>
+</file>
+
 <file path=ppt/theme/theme1.xml><?xml version="1.0" encoding="utf-8"?>
 <a:theme xmlns:a="http://schemas.openxmlformats.org/drawingml/2006/main" name="Office 主题​​">
   <a:themeElements>
